--- a/String Matching - The Knuth-Morris-Pratt Algorithm/COMP6049 Pert 19-20 rhio-edit.pptx
+++ b/String Matching - The Knuth-Morris-Pratt Algorithm/COMP6049 Pert 19-20 rhio-edit.pptx
@@ -5,34 +5,41 @@
     <p:sldMasterId id="2147483648" r:id="rId1"/>
   </p:sldMasterIdLst>
   <p:notesMasterIdLst>
-    <p:notesMasterId r:id="rId27"/>
+    <p:notesMasterId r:id="rId34"/>
   </p:notesMasterIdLst>
   <p:sldIdLst>
     <p:sldId id="256" r:id="rId2"/>
     <p:sldId id="284" r:id="rId3"/>
     <p:sldId id="285" r:id="rId4"/>
-    <p:sldId id="296" r:id="rId5"/>
-    <p:sldId id="286" r:id="rId6"/>
-    <p:sldId id="297" r:id="rId7"/>
-    <p:sldId id="298" r:id="rId8"/>
-    <p:sldId id="300" r:id="rId9"/>
-    <p:sldId id="310" r:id="rId10"/>
-    <p:sldId id="312" r:id="rId11"/>
-    <p:sldId id="313" r:id="rId12"/>
-    <p:sldId id="314" r:id="rId13"/>
-    <p:sldId id="305" r:id="rId14"/>
-    <p:sldId id="306" r:id="rId15"/>
-    <p:sldId id="299" r:id="rId16"/>
-    <p:sldId id="301" r:id="rId17"/>
-    <p:sldId id="302" r:id="rId18"/>
-    <p:sldId id="303" r:id="rId19"/>
-    <p:sldId id="304" r:id="rId20"/>
-    <p:sldId id="307" r:id="rId21"/>
-    <p:sldId id="308" r:id="rId22"/>
-    <p:sldId id="309" r:id="rId23"/>
-    <p:sldId id="262" r:id="rId24"/>
-    <p:sldId id="282" r:id="rId25"/>
-    <p:sldId id="283" r:id="rId26"/>
+    <p:sldId id="315" r:id="rId5"/>
+    <p:sldId id="296" r:id="rId6"/>
+    <p:sldId id="316" r:id="rId7"/>
+    <p:sldId id="286" r:id="rId8"/>
+    <p:sldId id="320" r:id="rId9"/>
+    <p:sldId id="317" r:id="rId10"/>
+    <p:sldId id="318" r:id="rId11"/>
+    <p:sldId id="297" r:id="rId12"/>
+    <p:sldId id="298" r:id="rId13"/>
+    <p:sldId id="300" r:id="rId14"/>
+    <p:sldId id="321" r:id="rId15"/>
+    <p:sldId id="319" r:id="rId16"/>
+    <p:sldId id="310" r:id="rId17"/>
+    <p:sldId id="312" r:id="rId18"/>
+    <p:sldId id="313" r:id="rId19"/>
+    <p:sldId id="314" r:id="rId20"/>
+    <p:sldId id="305" r:id="rId21"/>
+    <p:sldId id="306" r:id="rId22"/>
+    <p:sldId id="299" r:id="rId23"/>
+    <p:sldId id="301" r:id="rId24"/>
+    <p:sldId id="302" r:id="rId25"/>
+    <p:sldId id="303" r:id="rId26"/>
+    <p:sldId id="304" r:id="rId27"/>
+    <p:sldId id="307" r:id="rId28"/>
+    <p:sldId id="308" r:id="rId29"/>
+    <p:sldId id="309" r:id="rId30"/>
+    <p:sldId id="262" r:id="rId31"/>
+    <p:sldId id="282" r:id="rId32"/>
+    <p:sldId id="283" r:id="rId33"/>
   </p:sldIdLst>
   <p:sldSz cx="9144000" cy="6858000" type="screen4x3"/>
   <p:notesSz cx="6858000" cy="9144000"/>
@@ -140,18 +147,29 @@
             <p14:sldId id="284"/>
           </p14:sldIdLst>
         </p14:section>
+        <p14:section name="Introduction" id="{37C2AA02-73AF-40B0-8127-7DF7CED46250}">
+          <p14:sldIdLst>
+            <p14:sldId id="285"/>
+            <p14:sldId id="315"/>
+            <p14:sldId id="296"/>
+            <p14:sldId id="316"/>
+            <p14:sldId id="286"/>
+          </p14:sldIdLst>
+        </p14:section>
         <p14:section name="Naïve String Matching Algorithm" id="{34F7AEA6-6865-4E1E-B5AB-7F36B89D59F5}">
           <p14:sldIdLst>
-            <p14:sldId id="285"/>
-            <p14:sldId id="296"/>
-            <p14:sldId id="286"/>
+            <p14:sldId id="320"/>
+            <p14:sldId id="317"/>
+            <p14:sldId id="318"/>
             <p14:sldId id="297"/>
             <p14:sldId id="298"/>
             <p14:sldId id="300"/>
+            <p14:sldId id="321"/>
           </p14:sldIdLst>
         </p14:section>
         <p14:section name="The Knuth-Morris-Pratt Algorithm" id="{E7F1E54A-959B-445F-8BE6-43199E633052}">
           <p14:sldIdLst>
+            <p14:sldId id="319"/>
             <p14:sldId id="310"/>
             <p14:sldId id="312"/>
             <p14:sldId id="313"/>
@@ -543,6 +561,45 @@
 </pc:chgInfo>
 </file>
 
+<file path=ppt/ink/ink1.xml><?xml version="1.0" encoding="utf-8"?>
+<inkml:ink xmlns:inkml="http://www.w3.org/2003/InkML">
+  <inkml:definitions>
+    <inkml:context xml:id="ctx0">
+      <inkml:inkSource xml:id="inkSrc0">
+        <inkml:traceFormat>
+          <inkml:channel name="X" type="integer" max="1920" units="cm"/>
+          <inkml:channel name="Y" type="integer" max="1080" units="cm"/>
+          <inkml:channel name="T" type="integer" max="2.14748E9" units="dev"/>
+        </inkml:traceFormat>
+        <inkml:channelProperties>
+          <inkml:channelProperty channel="X" name="resolution" value="55.81395" units="1/cm"/>
+          <inkml:channelProperty channel="Y" name="resolution" value="55.6701" units="1/cm"/>
+          <inkml:channelProperty channel="T" name="resolution" value="1" units="1/dev"/>
+        </inkml:channelProperties>
+      </inkml:inkSource>
+      <inkml:timestamp xml:id="ts0" timeString="2022-12-15T04:27:28.500"/>
+    </inkml:context>
+    <inkml:brush xml:id="br0">
+      <inkml:brushProperty name="width" value="0.05292" units="cm"/>
+      <inkml:brushProperty name="height" value="0.05292" units="cm"/>
+      <inkml:brushProperty name="color" value="#FF0000"/>
+    </inkml:brush>
+  </inkml:definitions>
+  <inkml:trace contextRef="#ctx0" brushRef="#br0">21237 11165 0</inkml:trace>
+  <inkml:trace contextRef="#ctx0" brushRef="#br0" timeOffset="4169.87">21202 12506 0,'18'0'94,"17"-18"-94,-18 18 16,36 0-1,0 0 1,-35 0-16,0 0 15,17 0 1,-17 0 0,-1 0-1,1 0 79,-1 18-78,-17 0-16,0-1 15,0 1 1,0 35 0,0 0-1,0-18 1,0 36-1,0-1 1,0 1 0,18-1-1,-18-17 1,0 18 0,0 52-1,0-17 1,0-53-1,0 53 1,0 17 15,0-17-15,18-53 0,-18 18-1,0 34 1,0-16-1,0 16 1,0-52 0,0 53-1,0-35 1,0 70 0,0-88-1,0 0 1,0 0-1,0 17 1,0-52 0,0 17-1,0 18 17,-18-18-17,18-17 1,-18-1-1,18 1 204,-52 0-188,-1-18-15,35 0 0,-17 0-1,-89 17 1,18-17 0,36 0-16,-54 18 15,19-18 16,-37 18-31,-69 17 32,158-17-32,-53-1 31,0 1-15,0 0-1,53-1 1,36-17-1,-1 0 1</inkml:trace>
+  <inkml:trace contextRef="#ctx0" brushRef="#br0" timeOffset="6042.73">21272 12559 0,'-17'0'94,"-1"0"-94,1 0 16,-1 0-16,-17 0 15,-1 0 1,-34 0 0,-1 18-1,1-18 1,-1 0-1,1 17 1,-1 1 0,-17-1 15,53-17-15,-18 0-1,17 0 1,19 0-1,-1 0 126</inkml:trace>
+  <inkml:trace contextRef="#ctx0" brushRef="#br0" timeOffset="7880.28">21996 13317 0,'-18'0'63,"0"0"-48,1 18 1,-1-18 0,1 18-1,17-1-15,-36 19 16,36-1 15,-17 71-15,17-53-1,0-18 1,0 35 0,53-17-1,-53-35-15,17 0 16,18-1 0,-17 19-1,0-36 1,17 17-1,-17-17 1,17 0 0,0 0 15,0-35 0,-35 17-15,18-35-1,-18 36 1,0-19 0,0 1-1,0 0 1,0-18 0,0 35-1,0 1-15,0-1 16,-18-35-1,18 35 1,-17 1 0,17-1-1,-18 1-15,1-1 16,-1 0 15,0 1-15,1-1-1,-1 18 17,0 0-17,1-18 1,-1 18 0</inkml:trace>
+  <inkml:trace contextRef="#ctx0" brushRef="#br0" timeOffset="8662.46">22507 13282 0,'0'0'0,"-17"0"110,-1 18-110,0 17 0,1 0 15,-1 1 17,0 34-32,18 89 31,0-71-16,0 0-15,0 18 16,36 0 0,-19-71-1,1-17 1</inkml:trace>
+  <inkml:trace contextRef="#ctx0" brushRef="#br0" timeOffset="9606.7">22560 13864 0,'0'18'16,"0"-1"-1,0 1 1,0 0-1,18-18 48,-18-18-63,0-88 31,0 71-15,17-36-1,1 36 1,-18 17 0,18 18-16,-18-17 15,17 17 17,19 53-17,-36-36-15,0 19 16,17-1-1,-17 0 1,0-17 15,0-36 47,0-35-62,0 36-16,0-19 16,36 19 15,-19-1-31,1 18 16,17 0-1,0 0 1,1 0 15,-19 0-31,1 53 47,-18-35-47,0 35 31,0-18-31,0-17 16,0 34-1</inkml:trace>
+  <inkml:trace contextRef="#ctx0" brushRef="#br0" timeOffset="10277.62">22966 13141 0,'35'0'16,"0"0"-1,1 18 1,34 52-1,-52-17 1,52 53 0,-52-71-1,-18 0-15,53 71 16,-18-53 15,-17 18-15,-18 17-1,0-53 1,0 18 0,0-18-1,-35 18 1,-1 18 0,1-1-1,17-17 1,1-53-1,-1 0 17,1 0-32,-1 0 15,0 0 1,18 18 15</inkml:trace>
+  <inkml:trace contextRef="#ctx0" brushRef="#br0" timeOffset="13491.5">21361 11218 0,'17'0'32,"19"0"-17,34 0 1,36 0 0,0 0-16,-18 0 15,0 18 1,0-18-1,36 18 1,-1-18 0,-17 0-1,35 0 17,-17 0-32,17 0 31,0 0-16,-70 17 1,34-17 0,19 0-1,-1 18 1,1-18 0,-18 0-1,-1 0 1,-34 0-1,88 0 1,-124 0 0,-17 0-1,-1 0 1,1 0 31,-18 18-16,0 17-15,18 35-1,-18-17 1,0 18 0,0-1-1,0 19-15,0-54 16,0 177-1,0-142 1,0 18 0,0 53-1,0-35 17,0-18-32,-18 54 31,18-72-16,0 18 1,0 71 0,18-71-1,-18 106 1,0-176 0,17 141-1,1-71 1,0-18-1,-18 1 1,0 70 0,0-35 15,0 17-31,0-34 16,-18 16 15,0 72-16,1-107 1,-1 36 0,0 53-1,1-53 1,17 88 0,-18-106-1,0 0 1,1 53-1,-19-35 1,19-53 0,17-35 15,0-1-15,0 1 15,0 0-16,-18-18 142,-35 17-126,18-17-31,0 18 0,-36 0 16,18-18 15,-70 0-16,70 0 1,-141 0 0,123 0-1,-105 0 1,35 0 0,88 0-1,-35 0 1,17 0-1,18 0 1,0 0 0,0 0-1,36 0 17,-1 0-32,-17 0 15,-18 0 16,18 0-15,-1 0 0,1 0-1,17 0 1,1 0 15,-1 0-15,1 0-1</inkml:trace>
+  <inkml:trace contextRef="#ctx0" brushRef="#br0" timeOffset="14742.74">24553 12753 0,'0'-18'16,"-17"18"-1,-1 0 1,0 0-16,1 0 31,-1 0-15,-35 0-1,0 18 1,36 0-16,-36 17 16,17 0-1,19 18 1,17 18 0,0-1 15,0-35-16,0-17 1,0 17 0,35-17-1,0 0 1,1-1 0,-19 1-1,36-18 1,0 0-1,-35 0 1,17 0 0,0-18-1,1-35 17,-36 18-17,0 17 1,17-17-16,-17 18 31,0-19-15,0 19-1,0-19 1,-17 36 0,-1-35-1,0 35 1,18-35-1,-17 35 1,17-18 15</inkml:trace>
+  <inkml:trace contextRef="#ctx0" brushRef="#br0" timeOffset="15389.59">24871 12700 0,'-18'0'63,"1"18"-48,-1-1 1,0 36 0,1-18-16,17 36 15,-18-18 1,0 88 0,18-53-1,0-35 16,0 0-15,0-18 0,0-17-1</inkml:trace>
+  <inkml:trace contextRef="#ctx0" brushRef="#br0" timeOffset="16401.7">24836 13212 0,'17'17'78,"1"1"78,-18-1-140,0 1-1,17-18 16,-17 18-31,0-36 79,0-17-64,0 17-15,0 1 31,0-1-15,0-17 0,0 17-1,18 0 1,0 1 15,-1-1-15,1 18-1,0-18 1,-1 18-16,1 0 31,-18 18-31,35 17 32,-35 1-32,0-1 15,0 18 1,0-18 15,0 0-15,0-17 15</inkml:trace>
+  <inkml:trace contextRef="#ctx0" brushRef="#br0" timeOffset="16994">25047 12788 0,'18'0'15,"17"18"17,-17 17-17,-18-17-15,35 35 16,-35-36-16,18 54 31,-1-36-31,1 53 31,-18-17-31,0-36 32,0 71-17,0-71 1,-35 18 0,17 18-1,0-54 1,1 19-1,-19-1 1,36-17 15</inkml:trace>
+</inkml:ink>
+</file>
+
 <file path=ppt/notesMasters/notesMaster1.xml><?xml version="1.0" encoding="utf-8"?>
 <p:notesMaster xmlns:a="http://schemas.openxmlformats.org/drawingml/2006/main" xmlns:r="http://schemas.openxmlformats.org/officeDocument/2006/relationships" xmlns:p="http://schemas.openxmlformats.org/presentationml/2006/main">
   <p:cSld>
@@ -626,7 +683,7 @@
             <a:fld id="{F5CE91A7-7D36-48F8-8968-B2E8F6265043}" type="datetimeFigureOut">
               <a:rPr lang="en-US" smtClean="0"/>
               <a:pPr/>
-              <a:t>17-Dec-21</a:t>
+              <a:t>15-Dec-22</a:t>
             </a:fld>
             <a:endParaRPr lang="en-US"/>
           </a:p>
@@ -1244,7 +1301,7 @@
             <a:fld id="{5EF9B71C-2D91-4D15-BAB7-ADA66F828B46}" type="datetimeFigureOut">
               <a:rPr lang="id-ID" smtClean="0"/>
               <a:pPr/>
-              <a:t>17/12/2021</a:t>
+              <a:t>15/12/2022</a:t>
             </a:fld>
             <a:endParaRPr lang="id-ID"/>
           </a:p>
@@ -1426,7 +1483,7 @@
             <a:fld id="{5EF9B71C-2D91-4D15-BAB7-ADA66F828B46}" type="datetimeFigureOut">
               <a:rPr lang="id-ID" smtClean="0"/>
               <a:pPr/>
-              <a:t>17/12/2021</a:t>
+              <a:t>15/12/2022</a:t>
             </a:fld>
             <a:endParaRPr lang="id-ID"/>
           </a:p>
@@ -1608,7 +1665,7 @@
             <a:fld id="{5EF9B71C-2D91-4D15-BAB7-ADA66F828B46}" type="datetimeFigureOut">
               <a:rPr lang="id-ID" smtClean="0"/>
               <a:pPr/>
-              <a:t>17/12/2021</a:t>
+              <a:t>15/12/2022</a:t>
             </a:fld>
             <a:endParaRPr lang="id-ID"/>
           </a:p>
@@ -2367,7 +2424,7 @@
             <a:fld id="{5EF9B71C-2D91-4D15-BAB7-ADA66F828B46}" type="datetimeFigureOut">
               <a:rPr lang="id-ID" smtClean="0"/>
               <a:pPr/>
-              <a:t>17/12/2021</a:t>
+              <a:t>15/12/2022</a:t>
             </a:fld>
             <a:endParaRPr lang="id-ID"/>
           </a:p>
@@ -2757,7 +2814,7 @@
             <a:fld id="{5EF9B71C-2D91-4D15-BAB7-ADA66F828B46}" type="datetimeFigureOut">
               <a:rPr lang="id-ID" smtClean="0"/>
               <a:pPr/>
-              <a:t>17/12/2021</a:t>
+              <a:t>15/12/2022</a:t>
             </a:fld>
             <a:endParaRPr lang="id-ID"/>
           </a:p>
@@ -3051,7 +3108,7 @@
             <a:fld id="{5EF9B71C-2D91-4D15-BAB7-ADA66F828B46}" type="datetimeFigureOut">
               <a:rPr lang="id-ID" smtClean="0"/>
               <a:pPr/>
-              <a:t>17/12/2021</a:t>
+              <a:t>15/12/2022</a:t>
             </a:fld>
             <a:endParaRPr lang="id-ID"/>
           </a:p>
@@ -3421,7 +3478,7 @@
             <a:fld id="{5EF9B71C-2D91-4D15-BAB7-ADA66F828B46}" type="datetimeFigureOut">
               <a:rPr lang="id-ID" smtClean="0"/>
               <a:pPr/>
-              <a:t>17/12/2021</a:t>
+              <a:t>15/12/2022</a:t>
             </a:fld>
             <a:endParaRPr lang="id-ID"/>
           </a:p>
@@ -3608,7 +3665,7 @@
             <a:fld id="{5EF9B71C-2D91-4D15-BAB7-ADA66F828B46}" type="datetimeFigureOut">
               <a:rPr lang="id-ID" smtClean="0"/>
               <a:pPr/>
-              <a:t>17/12/2021</a:t>
+              <a:t>15/12/2022</a:t>
             </a:fld>
             <a:endParaRPr lang="id-ID"/>
           </a:p>
@@ -3705,7 +3762,7 @@
             <a:fld id="{5EF9B71C-2D91-4D15-BAB7-ADA66F828B46}" type="datetimeFigureOut">
               <a:rPr lang="id-ID" smtClean="0"/>
               <a:pPr/>
-              <a:t>17/12/2021</a:t>
+              <a:t>15/12/2022</a:t>
             </a:fld>
             <a:endParaRPr lang="id-ID"/>
           </a:p>
@@ -4080,7 +4137,7 @@
             <a:fld id="{5EF9B71C-2D91-4D15-BAB7-ADA66F828B46}" type="datetimeFigureOut">
               <a:rPr lang="id-ID" smtClean="0"/>
               <a:pPr/>
-              <a:t>17/12/2021</a:t>
+              <a:t>15/12/2022</a:t>
             </a:fld>
             <a:endParaRPr lang="id-ID"/>
           </a:p>
@@ -4339,7 +4396,7 @@
             <a:fld id="{5EF9B71C-2D91-4D15-BAB7-ADA66F828B46}" type="datetimeFigureOut">
               <a:rPr lang="id-ID" smtClean="0"/>
               <a:pPr/>
-              <a:t>17/12/2021</a:t>
+              <a:t>15/12/2022</a:t>
             </a:fld>
             <a:endParaRPr lang="id-ID"/>
           </a:p>
@@ -4654,7 +4711,7 @@
             <a:fld id="{5EF9B71C-2D91-4D15-BAB7-ADA66F828B46}" type="datetimeFigureOut">
               <a:rPr lang="id-ID" smtClean="0"/>
               <a:pPr/>
-              <a:t>17/12/2021</a:t>
+              <a:t>15/12/2022</a:t>
             </a:fld>
             <a:endParaRPr lang="id-ID"/>
           </a:p>
@@ -5140,219 +5197,152 @@
       </p:grpSpPr>
       <p:sp>
         <p:nvSpPr>
-          <p:cNvPr id="3" name="Content Placeholder 2"/>
+          <p:cNvPr id="4098" name="Date Placeholder 3"/>
           <p:cNvSpPr>
             <a:spLocks noGrp="1"/>
           </p:cNvSpPr>
           <p:nvPr>
-            <p:ph idx="1"/>
+            <p:ph type="dt" sz="quarter" idx="10"/>
           </p:nvPr>
         </p:nvSpPr>
         <p:spPr>
-          <a:xfrm>
-            <a:off x="1619672" y="1700808"/>
-            <a:ext cx="7067128" cy="4425355"/>
-          </a:xfrm>
+          <a:noFill/>
         </p:spPr>
         <p:txBody>
-          <a:bodyPr>
-            <a:normAutofit/>
-          </a:bodyPr>
+          <a:bodyPr/>
           <a:lstStyle/>
           <a:p>
             <a:r>
-              <a:rPr lang="en-US" sz="2800" b="1" dirty="0">
-                <a:latin typeface="Consolas" panose="020B0609020204030204" pitchFamily="49" charset="0"/>
-              </a:rPr>
-              <a:t>P1: </a:t>
-            </a:r>
-            <a:r>
-              <a:rPr lang="en-US" sz="2800" dirty="0">
-                <a:latin typeface="Consolas" panose="020B0609020204030204" pitchFamily="49" charset="0"/>
-              </a:rPr>
-              <a:t>a b c d a b e a b f</a:t>
-            </a:r>
-          </a:p>
-          <a:p>
-            <a:endParaRPr lang="en-US" sz="2800" dirty="0">
-              <a:latin typeface="Consolas" panose="020B0609020204030204" pitchFamily="49" charset="0"/>
-            </a:endParaRPr>
-          </a:p>
-          <a:p>
-            <a:r>
-              <a:rPr lang="en-US" sz="2800" b="1" dirty="0">
-                <a:latin typeface="Consolas" panose="020B0609020204030204" pitchFamily="49" charset="0"/>
-              </a:rPr>
-              <a:t>P2: </a:t>
-            </a:r>
-            <a:r>
-              <a:rPr lang="en-US" sz="2800" dirty="0">
-                <a:latin typeface="Consolas" panose="020B0609020204030204" pitchFamily="49" charset="0"/>
-              </a:rPr>
-              <a:t>a b c d e a b f a b c</a:t>
-            </a:r>
-          </a:p>
-          <a:p>
-            <a:endParaRPr lang="en-US" sz="2800" dirty="0">
-              <a:latin typeface="Consolas" panose="020B0609020204030204" pitchFamily="49" charset="0"/>
-            </a:endParaRPr>
-          </a:p>
-          <a:p>
-            <a:r>
-              <a:rPr lang="en-US" sz="2800" b="1" dirty="0">
-                <a:latin typeface="Consolas" panose="020B0609020204030204" pitchFamily="49" charset="0"/>
-              </a:rPr>
-              <a:t>P3: </a:t>
-            </a:r>
-            <a:r>
-              <a:rPr lang="en-US" sz="2800" dirty="0">
-                <a:latin typeface="Consolas" panose="020B0609020204030204" pitchFamily="49" charset="0"/>
-              </a:rPr>
-              <a:t>a </a:t>
-            </a:r>
-            <a:r>
-              <a:rPr lang="en-US" sz="2800" dirty="0" err="1">
-                <a:latin typeface="Consolas" panose="020B0609020204030204" pitchFamily="49" charset="0"/>
-              </a:rPr>
-              <a:t>a</a:t>
-            </a:r>
-            <a:r>
-              <a:rPr lang="en-US" sz="2800" dirty="0">
-                <a:latin typeface="Consolas" panose="020B0609020204030204" pitchFamily="49" charset="0"/>
-              </a:rPr>
-              <a:t> b c a d a </a:t>
-            </a:r>
-            <a:r>
-              <a:rPr lang="en-US" sz="2800" dirty="0" err="1">
-                <a:latin typeface="Consolas" panose="020B0609020204030204" pitchFamily="49" charset="0"/>
-              </a:rPr>
-              <a:t>a</a:t>
-            </a:r>
-            <a:r>
-              <a:rPr lang="en-US" sz="2800" dirty="0">
-                <a:latin typeface="Consolas" panose="020B0609020204030204" pitchFamily="49" charset="0"/>
-              </a:rPr>
-              <a:t> b e</a:t>
-            </a:r>
-          </a:p>
-          <a:p>
-            <a:endParaRPr lang="en-US" sz="2800" dirty="0">
-              <a:latin typeface="Consolas" panose="020B0609020204030204" pitchFamily="49" charset="0"/>
-            </a:endParaRPr>
-          </a:p>
-          <a:p>
-            <a:r>
-              <a:rPr lang="en-US" sz="2800" b="1" dirty="0">
-                <a:latin typeface="Consolas" panose="020B0609020204030204" pitchFamily="49" charset="0"/>
-              </a:rPr>
-              <a:t>P4: </a:t>
-            </a:r>
-            <a:r>
-              <a:rPr lang="en-US" sz="2800" dirty="0">
-                <a:latin typeface="Consolas" panose="020B0609020204030204" pitchFamily="49" charset="0"/>
-              </a:rPr>
-              <a:t>a </a:t>
-            </a:r>
-            <a:r>
-              <a:rPr lang="en-US" sz="2800" dirty="0" err="1">
-                <a:latin typeface="Consolas" panose="020B0609020204030204" pitchFamily="49" charset="0"/>
-              </a:rPr>
-              <a:t>a</a:t>
-            </a:r>
-            <a:r>
-              <a:rPr lang="en-US" sz="2800" dirty="0">
-                <a:latin typeface="Consolas" panose="020B0609020204030204" pitchFamily="49" charset="0"/>
-              </a:rPr>
-              <a:t> </a:t>
-            </a:r>
-            <a:r>
-              <a:rPr lang="en-US" sz="2800" dirty="0" err="1">
-                <a:latin typeface="Consolas" panose="020B0609020204030204" pitchFamily="49" charset="0"/>
-              </a:rPr>
-              <a:t>a</a:t>
-            </a:r>
-            <a:r>
-              <a:rPr lang="en-US" sz="2800" dirty="0">
-                <a:latin typeface="Consolas" panose="020B0609020204030204" pitchFamily="49" charset="0"/>
-              </a:rPr>
-              <a:t> </a:t>
-            </a:r>
-            <a:r>
-              <a:rPr lang="en-US" sz="2800" dirty="0" err="1">
-                <a:latin typeface="Consolas" panose="020B0609020204030204" pitchFamily="49" charset="0"/>
-              </a:rPr>
-              <a:t>a</a:t>
-            </a:r>
-            <a:r>
-              <a:rPr lang="en-US" sz="2800" dirty="0">
-                <a:latin typeface="Consolas" panose="020B0609020204030204" pitchFamily="49" charset="0"/>
-              </a:rPr>
-              <a:t> b a </a:t>
-            </a:r>
-            <a:r>
-              <a:rPr lang="en-US" sz="2800" dirty="0" err="1">
-                <a:latin typeface="Consolas" panose="020B0609020204030204" pitchFamily="49" charset="0"/>
-              </a:rPr>
-              <a:t>a</a:t>
-            </a:r>
-            <a:r>
-              <a:rPr lang="en-US" sz="2800" dirty="0">
-                <a:latin typeface="Consolas" panose="020B0609020204030204" pitchFamily="49" charset="0"/>
-              </a:rPr>
-              <a:t> c d</a:t>
-            </a:r>
-          </a:p>
-        </p:txBody>
-      </p:sp>
-      <p:sp>
-        <p:nvSpPr>
-          <p:cNvPr id="5" name="Rectangle 2"/>
-          <p:cNvSpPr txBox="1">
-            <a:spLocks noChangeArrowheads="1"/>
-          </p:cNvSpPr>
-          <p:nvPr/>
+              <a:rPr lang="en-US">
+                <a:latin typeface="Interstate"/>
+              </a:rPr>
+              <a:t>Bina Nusantara</a:t>
+            </a:r>
+          </a:p>
+        </p:txBody>
+      </p:sp>
+      <p:sp>
+        <p:nvSpPr>
+          <p:cNvPr id="4099" name="Rectangle 2"/>
+          <p:cNvSpPr>
+            <a:spLocks noGrp="1" noChangeArrowheads="1"/>
+          </p:cNvSpPr>
+          <p:nvPr>
+            <p:ph type="title"/>
+          </p:nvPr>
         </p:nvSpPr>
         <p:spPr>
           <a:xfrm>
             <a:off x="2843808" y="332656"/>
             <a:ext cx="6300192" cy="1143000"/>
           </a:xfrm>
+        </p:spPr>
+        <p:txBody>
+          <a:bodyPr/>
+          <a:lstStyle/>
+          <a:p>
+            <a:r>
+              <a:rPr lang="en-US" sz="2800" dirty="0"/>
+              <a:t>Naïve String Matching Algorithm</a:t>
+            </a:r>
+            <a:endParaRPr lang="en-US" dirty="0"/>
+          </a:p>
+        </p:txBody>
+      </p:sp>
+      <p:pic>
+        <p:nvPicPr>
+          <p:cNvPr id="3" name="Picture 2" descr="Lightbox">
+            <a:extLst>
+              <a:ext uri="{FF2B5EF4-FFF2-40B4-BE49-F238E27FC236}">
+                <a16:creationId xmlns:a16="http://schemas.microsoft.com/office/drawing/2014/main" id="{579A9378-2D21-9EB7-D72D-3FE09739408D}"/>
+              </a:ext>
+            </a:extLst>
+          </p:cNvPr>
+          <p:cNvPicPr>
+            <a:picLocks noChangeAspect="1" noChangeArrowheads="1"/>
+          </p:cNvPicPr>
+          <p:nvPr/>
+        </p:nvPicPr>
+        <p:blipFill>
+          <a:blip r:embed="rId2">
+            <a:extLst>
+              <a:ext uri="{28A0092B-C50C-407E-A947-70E740481C1C}">
+                <a14:useLocalDpi xmlns:a14="http://schemas.microsoft.com/office/drawing/2010/main" val="0"/>
+              </a:ext>
+            </a:extLst>
+          </a:blip>
+          <a:srcRect/>
+          <a:stretch>
+            <a:fillRect/>
+          </a:stretch>
+        </p:blipFill>
+        <p:spPr bwMode="auto">
+          <a:xfrm>
+            <a:off x="1187624" y="1584812"/>
+            <a:ext cx="7488832" cy="4512100"/>
+          </a:xfrm>
           <a:prstGeom prst="rect">
             <a:avLst/>
           </a:prstGeom>
+          <a:noFill/>
+          <a:ln>
+            <a:solidFill>
+              <a:schemeClr val="tx1"/>
+            </a:solidFill>
+          </a:ln>
+          <a:extLst>
+            <a:ext uri="{909E8E84-426E-40DD-AFC4-6F175D3DCCD1}">
+              <a14:hiddenFill xmlns:a14="http://schemas.microsoft.com/office/drawing/2010/main">
+                <a:solidFill>
+                  <a:srgbClr val="FFFFFF"/>
+                </a:solidFill>
+              </a14:hiddenFill>
+            </a:ext>
+          </a:extLst>
         </p:spPr>
-        <p:txBody>
-          <a:bodyPr vert="horz" lIns="91440" tIns="45720" rIns="91440" bIns="45720" rtlCol="0" anchor="ctr">
-            <a:normAutofit/>
+      </p:pic>
+      <p:sp>
+        <p:nvSpPr>
+          <p:cNvPr id="4" name="TextBox 3">
+            <a:extLst>
+              <a:ext uri="{FF2B5EF4-FFF2-40B4-BE49-F238E27FC236}">
+                <a16:creationId xmlns:a16="http://schemas.microsoft.com/office/drawing/2014/main" id="{2ECD8A50-2784-D807-A5A7-83C3251D5BFB}"/>
+              </a:ext>
+            </a:extLst>
+          </p:cNvPr>
+          <p:cNvSpPr txBox="1"/>
+          <p:nvPr/>
+        </p:nvSpPr>
+        <p:spPr>
+          <a:xfrm>
+            <a:off x="4205975" y="6156012"/>
+            <a:ext cx="1452129" cy="369332"/>
+          </a:xfrm>
+          <a:prstGeom prst="rect">
+            <a:avLst/>
+          </a:prstGeom>
+          <a:noFill/>
+        </p:spPr>
+        <p:txBody>
+          <a:bodyPr wrap="none" rtlCol="0">
+            <a:spAutoFit/>
           </a:bodyPr>
-          <a:lstStyle>
-            <a:lvl1pPr algn="ctr" defTabSz="914400" rtl="0" eaLnBrk="1" latinLnBrk="0" hangingPunct="1">
-              <a:spcBef>
-                <a:spcPct val="0"/>
-              </a:spcBef>
-              <a:buNone/>
-              <a:defRPr sz="3000" b="1" kern="1200">
-                <a:solidFill>
-                  <a:srgbClr val="0079B8"/>
-                </a:solidFill>
-                <a:latin typeface="Open Sans"/>
-                <a:ea typeface="+mj-ea"/>
-                <a:cs typeface="+mj-cs"/>
-              </a:defRPr>
-            </a:lvl1pPr>
-          </a:lstStyle>
-          <a:p>
-            <a:r>
-              <a:rPr lang="en-US" sz="2800" dirty="0"/>
-              <a:t>The Knuth-Morris-Pratt Algorithm</a:t>
-            </a:r>
+          <a:lstStyle/>
+          <a:p>
+            <a:r>
+              <a:rPr lang="en-US" dirty="0">
+                <a:hlinkClick r:id="rId3"/>
+              </a:rPr>
+              <a:t>Image Source</a:t>
+            </a:r>
+            <a:endParaRPr lang="en-US" dirty="0"/>
           </a:p>
         </p:txBody>
       </p:sp>
     </p:spTree>
     <p:extLst>
       <p:ext uri="{BB962C8B-B14F-4D97-AF65-F5344CB8AC3E}">
-        <p14:creationId xmlns:p14="http://schemas.microsoft.com/office/powerpoint/2010/main" val="65864720"/>
+        <p14:creationId xmlns:p14="http://schemas.microsoft.com/office/powerpoint/2010/main" val="889170285"/>
       </p:ext>
     </p:extLst>
   </p:cSld>
@@ -5381,180 +5371,293 @@
       </p:grpSpPr>
       <p:sp>
         <p:nvSpPr>
-          <p:cNvPr id="3" name="Content Placeholder 2"/>
+          <p:cNvPr id="2" name="Title 1"/>
           <p:cNvSpPr>
             <a:spLocks noGrp="1"/>
           </p:cNvSpPr>
           <p:nvPr>
-            <p:ph idx="1"/>
+            <p:ph type="title"/>
           </p:nvPr>
         </p:nvSpPr>
         <p:spPr>
           <a:xfrm>
-            <a:off x="1619672" y="1700808"/>
-            <a:ext cx="7067128" cy="4425355"/>
+            <a:off x="3059832" y="404664"/>
+            <a:ext cx="5832648" cy="1143000"/>
           </a:xfrm>
         </p:spPr>
         <p:txBody>
-          <a:bodyPr>
-            <a:normAutofit/>
-          </a:bodyPr>
+          <a:bodyPr/>
           <a:lstStyle/>
           <a:p>
             <a:r>
-              <a:rPr lang="en-US" sz="2400" b="1" dirty="0">
-                <a:latin typeface="Consolas" panose="020B0609020204030204" pitchFamily="49" charset="0"/>
-              </a:rPr>
-              <a:t>String:</a:t>
-            </a:r>
-          </a:p>
-          <a:p>
-            <a:endParaRPr lang="en-US" sz="2400" b="1" dirty="0">
-              <a:latin typeface="Consolas" panose="020B0609020204030204" pitchFamily="49" charset="0"/>
-            </a:endParaRPr>
-          </a:p>
+              <a:rPr lang="en-US" dirty="0"/>
+              <a:t>Example Naïve String Matching</a:t>
+            </a:r>
+          </a:p>
+        </p:txBody>
+      </p:sp>
+      <p:sp>
+        <p:nvSpPr>
+          <p:cNvPr id="3" name="Content Placeholder 2"/>
+          <p:cNvSpPr>
+            <a:spLocks noGrp="1"/>
+          </p:cNvSpPr>
+          <p:nvPr>
+            <p:ph idx="1"/>
+          </p:nvPr>
+        </p:nvSpPr>
+        <p:spPr>
+          <a:xfrm>
+            <a:off x="1619672" y="1628800"/>
+            <a:ext cx="7067128" cy="4497363"/>
+          </a:xfrm>
+        </p:spPr>
+        <p:txBody>
+          <a:bodyPr/>
+          <a:lstStyle/>
           <a:p>
             <a:pPr marL="0" indent="0">
               <a:buNone/>
             </a:pPr>
             <a:r>
-              <a:rPr lang="en-US" sz="2400" dirty="0">
-                <a:latin typeface="Consolas" panose="020B0609020204030204" pitchFamily="49" charset="0"/>
-              </a:rPr>
-              <a:t>a b a b c a b c a  b  a  b  a  b  d</a:t>
+              <a:rPr lang="en-US" b="1" dirty="0"/>
+              <a:t>Problem</a:t>
+            </a:r>
+            <a:r>
+              <a:rPr lang="en-US" dirty="0"/>
+              <a:t>: We want to search Pattern </a:t>
+            </a:r>
+            <a:r>
+              <a:rPr lang="en-US" b="1" dirty="0" err="1"/>
+              <a:t>aab</a:t>
+            </a:r>
+            <a:r>
+              <a:rPr lang="en-US" dirty="0"/>
+              <a:t> in String </a:t>
+            </a:r>
+            <a:r>
+              <a:rPr lang="en-US" b="1" dirty="0" err="1"/>
+              <a:t>aaaaab</a:t>
+            </a:r>
+            <a:endParaRPr lang="en-US" b="1" dirty="0"/>
+          </a:p>
+          <a:p>
+            <a:r>
+              <a:rPr lang="en-US" dirty="0">
+                <a:highlight>
+                  <a:srgbClr val="FFFF00"/>
+                </a:highlight>
+              </a:rPr>
+              <a:t>Start Algorithm</a:t>
+            </a:r>
+          </a:p>
+          <a:p>
+            <a:r>
+              <a:rPr lang="en-US" dirty="0"/>
+              <a:t>Loop 1</a:t>
+            </a:r>
+          </a:p>
+          <a:p>
+            <a:endParaRPr lang="en-US" dirty="0"/>
+          </a:p>
+          <a:p>
+            <a:endParaRPr lang="en-US" dirty="0"/>
+          </a:p>
+          <a:p>
+            <a:endParaRPr lang="en-US" dirty="0"/>
+          </a:p>
+          <a:p>
+            <a:r>
+              <a:rPr lang="en-US" dirty="0"/>
+              <a:t>Loop 2</a:t>
             </a:r>
           </a:p>
           <a:p>
             <a:pPr marL="0" indent="0">
               <a:buNone/>
             </a:pPr>
-            <a:r>
-              <a:rPr lang="en-US" sz="2400" dirty="0">
-                <a:latin typeface="Consolas" panose="020B0609020204030204" pitchFamily="49" charset="0"/>
-              </a:rPr>
-              <a:t>1 2 3 4 5 6 7 8 9 10 11 12 13 14 15 </a:t>
-            </a:r>
+            <a:endParaRPr lang="en-US" dirty="0"/>
           </a:p>
           <a:p>
             <a:pPr marL="0" indent="0">
               <a:buNone/>
             </a:pPr>
-            <a:endParaRPr lang="en-US" sz="2400" dirty="0">
-              <a:latin typeface="Consolas" panose="020B0609020204030204" pitchFamily="49" charset="0"/>
-            </a:endParaRPr>
-          </a:p>
-          <a:p>
-            <a:r>
-              <a:rPr lang="en-US" sz="2400" b="1" dirty="0">
-                <a:latin typeface="Consolas" panose="020B0609020204030204" pitchFamily="49" charset="0"/>
-              </a:rPr>
-              <a:t>Pattern:</a:t>
-            </a:r>
+            <a:endParaRPr lang="en-US" dirty="0"/>
           </a:p>
           <a:p>
             <a:pPr marL="0" indent="0">
               <a:buNone/>
             </a:pPr>
-            <a:endParaRPr lang="en-US" sz="2400" dirty="0">
-              <a:latin typeface="Consolas" panose="020B0609020204030204" pitchFamily="49" charset="0"/>
-            </a:endParaRPr>
+            <a:endParaRPr lang="en-US" dirty="0"/>
+          </a:p>
+          <a:p>
+            <a:r>
+              <a:rPr lang="en-US" dirty="0"/>
+              <a:t>Loop 3</a:t>
+            </a:r>
           </a:p>
           <a:p>
             <a:pPr marL="0" indent="0">
               <a:buNone/>
             </a:pPr>
-            <a:r>
-              <a:rPr lang="en-US" sz="2400" b="1" dirty="0">
-                <a:latin typeface="Consolas" panose="020B0609020204030204" pitchFamily="49" charset="0"/>
-              </a:rPr>
-              <a:t>Index: </a:t>
-            </a:r>
-            <a:r>
-              <a:rPr lang="en-US" sz="2400" dirty="0">
-                <a:latin typeface="Consolas" panose="020B0609020204030204" pitchFamily="49" charset="0"/>
-              </a:rPr>
-              <a:t>	1 2 3 4 5</a:t>
-            </a:r>
-          </a:p>
-          <a:p>
-            <a:pPr marL="0" indent="0">
-              <a:buNone/>
-            </a:pPr>
-            <a:r>
-              <a:rPr lang="en-US" sz="2400" b="1" dirty="0">
-                <a:latin typeface="Consolas" panose="020B0609020204030204" pitchFamily="49" charset="0"/>
-              </a:rPr>
-              <a:t>Pattern:</a:t>
-            </a:r>
-            <a:r>
-              <a:rPr lang="en-US" sz="2400" dirty="0">
-                <a:latin typeface="Consolas" panose="020B0609020204030204" pitchFamily="49" charset="0"/>
-              </a:rPr>
-              <a:t>	a b a b d</a:t>
-            </a:r>
-          </a:p>
-          <a:p>
-            <a:pPr marL="0" indent="0">
-              <a:buNone/>
-            </a:pPr>
-            <a:r>
-              <a:rPr lang="en-US" sz="2400" dirty="0">
-                <a:latin typeface="Consolas" panose="020B0609020204030204" pitchFamily="49" charset="0"/>
-              </a:rPr>
-              <a:t>		0 0 1 2 0</a:t>
-            </a:r>
-          </a:p>
-        </p:txBody>
-      </p:sp>
-      <p:sp>
-        <p:nvSpPr>
-          <p:cNvPr id="5" name="Rectangle 2"/>
-          <p:cNvSpPr txBox="1">
-            <a:spLocks noChangeArrowheads="1"/>
-          </p:cNvSpPr>
+            <a:endParaRPr lang="en-US" dirty="0"/>
+          </a:p>
+          <a:p>
+            <a:endParaRPr lang="en-US" dirty="0"/>
+          </a:p>
+        </p:txBody>
+      </p:sp>
+      <p:pic>
+        <p:nvPicPr>
+          <p:cNvPr id="1028" name="Picture 4"/>
+          <p:cNvPicPr>
+            <a:picLocks noChangeAspect="1" noChangeArrowheads="1"/>
+          </p:cNvPicPr>
           <p:nvPr/>
-        </p:nvSpPr>
-        <p:spPr>
+        </p:nvPicPr>
+        <p:blipFill>
+          <a:blip r:embed="rId2">
+            <a:extLst>
+              <a:ext uri="{28A0092B-C50C-407E-A947-70E740481C1C}">
+                <a14:useLocalDpi xmlns:a14="http://schemas.microsoft.com/office/drawing/2010/main" val="0"/>
+              </a:ext>
+            </a:extLst>
+          </a:blip>
+          <a:srcRect/>
+          <a:stretch>
+            <a:fillRect/>
+          </a:stretch>
+        </p:blipFill>
+        <p:spPr bwMode="auto">
           <a:xfrm>
-            <a:off x="2843808" y="332656"/>
-            <a:ext cx="6300192" cy="1143000"/>
+            <a:off x="2029280" y="2881083"/>
+            <a:ext cx="2761878" cy="678897"/>
           </a:xfrm>
           <a:prstGeom prst="rect">
             <a:avLst/>
           </a:prstGeom>
+          <a:noFill/>
+          <a:ln w="9525">
+            <a:solidFill>
+              <a:schemeClr val="tx1"/>
+            </a:solidFill>
+            <a:miter lim="800000"/>
+            <a:headEnd/>
+            <a:tailEnd/>
+          </a:ln>
+          <a:extLst>
+            <a:ext uri="{909E8E84-426E-40DD-AFC4-6F175D3DCCD1}">
+              <a14:hiddenFill xmlns:a14="http://schemas.microsoft.com/office/drawing/2010/main">
+                <a:solidFill>
+                  <a:schemeClr val="accent1"/>
+                </a:solidFill>
+              </a14:hiddenFill>
+            </a:ext>
+          </a:extLst>
         </p:spPr>
-        <p:txBody>
-          <a:bodyPr vert="horz" lIns="91440" tIns="45720" rIns="91440" bIns="45720" rtlCol="0" anchor="ctr">
-            <a:normAutofit/>
-          </a:bodyPr>
-          <a:lstStyle>
-            <a:lvl1pPr algn="ctr" defTabSz="914400" rtl="0" eaLnBrk="1" latinLnBrk="0" hangingPunct="1">
-              <a:spcBef>
-                <a:spcPct val="0"/>
-              </a:spcBef>
-              <a:buNone/>
-              <a:defRPr sz="3000" b="1" kern="1200">
+      </p:pic>
+      <p:pic>
+        <p:nvPicPr>
+          <p:cNvPr id="1029" name="Picture 5"/>
+          <p:cNvPicPr>
+            <a:picLocks noChangeAspect="1" noChangeArrowheads="1"/>
+          </p:cNvPicPr>
+          <p:nvPr/>
+        </p:nvPicPr>
+        <p:blipFill>
+          <a:blip r:embed="rId3">
+            <a:extLst>
+              <a:ext uri="{28A0092B-C50C-407E-A947-70E740481C1C}">
+                <a14:useLocalDpi xmlns:a14="http://schemas.microsoft.com/office/drawing/2010/main" val="0"/>
+              </a:ext>
+            </a:extLst>
+          </a:blip>
+          <a:srcRect/>
+          <a:stretch>
+            <a:fillRect/>
+          </a:stretch>
+        </p:blipFill>
+        <p:spPr bwMode="auto">
+          <a:xfrm>
+            <a:off x="2051720" y="4365104"/>
+            <a:ext cx="2883454" cy="707044"/>
+          </a:xfrm>
+          <a:prstGeom prst="rect">
+            <a:avLst/>
+          </a:prstGeom>
+          <a:noFill/>
+          <a:ln w="9525">
+            <a:solidFill>
+              <a:schemeClr val="tx1"/>
+            </a:solidFill>
+            <a:miter lim="800000"/>
+            <a:headEnd/>
+            <a:tailEnd/>
+          </a:ln>
+          <a:extLst>
+            <a:ext uri="{909E8E84-426E-40DD-AFC4-6F175D3DCCD1}">
+              <a14:hiddenFill xmlns:a14="http://schemas.microsoft.com/office/drawing/2010/main">
                 <a:solidFill>
-                  <a:srgbClr val="0079B8"/>
+                  <a:schemeClr val="accent1"/>
                 </a:solidFill>
-                <a:latin typeface="Open Sans"/>
-                <a:ea typeface="+mj-ea"/>
-                <a:cs typeface="+mj-cs"/>
-              </a:defRPr>
-            </a:lvl1pPr>
-          </a:lstStyle>
-          <a:p>
-            <a:r>
-              <a:rPr lang="en-US" sz="2800" dirty="0"/>
-              <a:t>The Knuth-Morris-Pratt Algorithm</a:t>
-            </a:r>
-          </a:p>
-        </p:txBody>
-      </p:sp>
+              </a14:hiddenFill>
+            </a:ext>
+          </a:extLst>
+        </p:spPr>
+      </p:pic>
+      <p:pic>
+        <p:nvPicPr>
+          <p:cNvPr id="1031" name="Picture 7"/>
+          <p:cNvPicPr>
+            <a:picLocks noChangeAspect="1" noChangeArrowheads="1"/>
+          </p:cNvPicPr>
+          <p:nvPr/>
+        </p:nvPicPr>
+        <p:blipFill>
+          <a:blip r:embed="rId4">
+            <a:extLst>
+              <a:ext uri="{28A0092B-C50C-407E-A947-70E740481C1C}">
+                <a14:useLocalDpi xmlns:a14="http://schemas.microsoft.com/office/drawing/2010/main" val="0"/>
+              </a:ext>
+            </a:extLst>
+          </a:blip>
+          <a:srcRect/>
+          <a:stretch>
+            <a:fillRect/>
+          </a:stretch>
+        </p:blipFill>
+        <p:spPr bwMode="auto">
+          <a:xfrm>
+            <a:off x="2054854" y="5814749"/>
+            <a:ext cx="2761877" cy="697559"/>
+          </a:xfrm>
+          <a:prstGeom prst="rect">
+            <a:avLst/>
+          </a:prstGeom>
+          <a:noFill/>
+          <a:ln w="9525">
+            <a:solidFill>
+              <a:schemeClr val="tx1"/>
+            </a:solidFill>
+            <a:miter lim="800000"/>
+            <a:headEnd/>
+            <a:tailEnd/>
+          </a:ln>
+          <a:extLst>
+            <a:ext uri="{909E8E84-426E-40DD-AFC4-6F175D3DCCD1}">
+              <a14:hiddenFill xmlns:a14="http://schemas.microsoft.com/office/drawing/2010/main">
+                <a:solidFill>
+                  <a:schemeClr val="accent1"/>
+                </a:solidFill>
+              </a14:hiddenFill>
+            </a:ext>
+          </a:extLst>
+        </p:spPr>
+      </p:pic>
     </p:spTree>
     <p:extLst>
       <p:ext uri="{BB962C8B-B14F-4D97-AF65-F5344CB8AC3E}">
-        <p14:creationId xmlns:p14="http://schemas.microsoft.com/office/powerpoint/2010/main" val="821788747"/>
+        <p14:creationId xmlns:p14="http://schemas.microsoft.com/office/powerpoint/2010/main" val="73564089"/>
       </p:ext>
     </p:extLst>
   </p:cSld>
@@ -5583,6 +5686,1859 @@
       </p:grpSpPr>
       <p:sp>
         <p:nvSpPr>
+          <p:cNvPr id="2" name="Title 1"/>
+          <p:cNvSpPr>
+            <a:spLocks noGrp="1"/>
+          </p:cNvSpPr>
+          <p:nvPr>
+            <p:ph type="title"/>
+          </p:nvPr>
+        </p:nvSpPr>
+        <p:spPr>
+          <a:xfrm>
+            <a:off x="3059832" y="404664"/>
+            <a:ext cx="5832648" cy="1143000"/>
+          </a:xfrm>
+        </p:spPr>
+        <p:txBody>
+          <a:bodyPr/>
+          <a:lstStyle/>
+          <a:p>
+            <a:r>
+              <a:rPr lang="en-US" dirty="0"/>
+              <a:t>Example Naïve String Matching</a:t>
+            </a:r>
+          </a:p>
+        </p:txBody>
+      </p:sp>
+      <p:sp>
+        <p:nvSpPr>
+          <p:cNvPr id="3" name="Content Placeholder 2"/>
+          <p:cNvSpPr>
+            <a:spLocks noGrp="1"/>
+          </p:cNvSpPr>
+          <p:nvPr>
+            <p:ph idx="1"/>
+          </p:nvPr>
+        </p:nvSpPr>
+        <p:spPr>
+          <a:xfrm>
+            <a:off x="1619672" y="1628800"/>
+            <a:ext cx="7067128" cy="4497363"/>
+          </a:xfrm>
+        </p:spPr>
+        <p:txBody>
+          <a:bodyPr/>
+          <a:lstStyle/>
+          <a:p>
+            <a:r>
+              <a:rPr lang="en-US" dirty="0"/>
+              <a:t>Loop 4</a:t>
+            </a:r>
+          </a:p>
+          <a:p>
+            <a:endParaRPr lang="en-US" dirty="0"/>
+          </a:p>
+          <a:p>
+            <a:endParaRPr lang="en-US" dirty="0"/>
+          </a:p>
+          <a:p>
+            <a:endParaRPr lang="en-US" dirty="0"/>
+          </a:p>
+          <a:p>
+            <a:r>
+              <a:rPr lang="en-US" dirty="0"/>
+              <a:t>Match found in this loop</a:t>
+            </a:r>
+          </a:p>
+          <a:p>
+            <a:r>
+              <a:rPr lang="en-US" dirty="0">
+                <a:highlight>
+                  <a:srgbClr val="FFFF00"/>
+                </a:highlight>
+              </a:rPr>
+              <a:t>End Algorithm</a:t>
+            </a:r>
+          </a:p>
+          <a:p>
+            <a:endParaRPr lang="en-US" dirty="0"/>
+          </a:p>
+          <a:p>
+            <a:endParaRPr lang="en-US" dirty="0"/>
+          </a:p>
+        </p:txBody>
+      </p:sp>
+      <p:pic>
+        <p:nvPicPr>
+          <p:cNvPr id="2050" name="Picture 2"/>
+          <p:cNvPicPr>
+            <a:picLocks noChangeAspect="1" noChangeArrowheads="1"/>
+          </p:cNvPicPr>
+          <p:nvPr/>
+        </p:nvPicPr>
+        <p:blipFill>
+          <a:blip r:embed="rId2">
+            <a:extLst>
+              <a:ext uri="{28A0092B-C50C-407E-A947-70E740481C1C}">
+                <a14:useLocalDpi xmlns:a14="http://schemas.microsoft.com/office/drawing/2010/main" val="0"/>
+              </a:ext>
+            </a:extLst>
+          </a:blip>
+          <a:srcRect/>
+          <a:stretch>
+            <a:fillRect/>
+          </a:stretch>
+        </p:blipFill>
+        <p:spPr bwMode="auto">
+          <a:xfrm>
+            <a:off x="2051720" y="2132856"/>
+            <a:ext cx="2954205" cy="678557"/>
+          </a:xfrm>
+          <a:prstGeom prst="rect">
+            <a:avLst/>
+          </a:prstGeom>
+          <a:noFill/>
+          <a:ln w="9525">
+            <a:solidFill>
+              <a:schemeClr val="tx1"/>
+            </a:solidFill>
+            <a:miter lim="800000"/>
+            <a:headEnd/>
+            <a:tailEnd/>
+          </a:ln>
+          <a:extLst>
+            <a:ext uri="{909E8E84-426E-40DD-AFC4-6F175D3DCCD1}">
+              <a14:hiddenFill xmlns:a14="http://schemas.microsoft.com/office/drawing/2010/main">
+                <a:solidFill>
+                  <a:schemeClr val="accent1"/>
+                </a:solidFill>
+              </a14:hiddenFill>
+            </a:ext>
+          </a:extLst>
+        </p:spPr>
+      </p:pic>
+    </p:spTree>
+    <p:extLst>
+      <p:ext uri="{BB962C8B-B14F-4D97-AF65-F5344CB8AC3E}">
+        <p14:creationId xmlns:p14="http://schemas.microsoft.com/office/powerpoint/2010/main" val="4231408636"/>
+      </p:ext>
+    </p:extLst>
+  </p:cSld>
+  <p:clrMapOvr>
+    <a:masterClrMapping/>
+  </p:clrMapOvr>
+</p:sld>
+</file>
+
+<file path=ppt/slides/slide13.xml><?xml version="1.0" encoding="utf-8"?>
+<p:sld xmlns:a="http://schemas.openxmlformats.org/drawingml/2006/main" xmlns:r="http://schemas.openxmlformats.org/officeDocument/2006/relationships" xmlns:p="http://schemas.openxmlformats.org/presentationml/2006/main">
+  <p:cSld>
+    <p:spTree>
+      <p:nvGrpSpPr>
+        <p:cNvPr id="1" name=""/>
+        <p:cNvGrpSpPr/>
+        <p:nvPr/>
+      </p:nvGrpSpPr>
+      <p:grpSpPr>
+        <a:xfrm>
+          <a:off x="0" y="0"/>
+          <a:ext cx="0" cy="0"/>
+          <a:chOff x="0" y="0"/>
+          <a:chExt cx="0" cy="0"/>
+        </a:xfrm>
+      </p:grpSpPr>
+      <p:sp>
+        <p:nvSpPr>
+          <p:cNvPr id="2" name="Title 1"/>
+          <p:cNvSpPr>
+            <a:spLocks noGrp="1"/>
+          </p:cNvSpPr>
+          <p:nvPr>
+            <p:ph type="title"/>
+          </p:nvPr>
+        </p:nvSpPr>
+        <p:spPr>
+          <a:xfrm>
+            <a:off x="2771800" y="332656"/>
+            <a:ext cx="6408712" cy="1143000"/>
+          </a:xfrm>
+        </p:spPr>
+        <p:txBody>
+          <a:bodyPr/>
+          <a:lstStyle/>
+          <a:p>
+            <a:r>
+              <a:rPr lang="en-US" dirty="0"/>
+              <a:t>Naïve String Matching Algorithm</a:t>
+            </a:r>
+          </a:p>
+        </p:txBody>
+      </p:sp>
+      <p:sp>
+        <p:nvSpPr>
+          <p:cNvPr id="3" name="Content Placeholder 2"/>
+          <p:cNvSpPr>
+            <a:spLocks noGrp="1"/>
+          </p:cNvSpPr>
+          <p:nvPr>
+            <p:ph idx="1"/>
+          </p:nvPr>
+        </p:nvSpPr>
+        <p:spPr>
+          <a:xfrm>
+            <a:off x="1043608" y="2924944"/>
+            <a:ext cx="6768752" cy="3600400"/>
+          </a:xfrm>
+        </p:spPr>
+        <p:txBody>
+          <a:bodyPr>
+            <a:normAutofit lnSpcReduction="10000"/>
+          </a:bodyPr>
+          <a:lstStyle/>
+          <a:p>
+            <a:pPr marL="0" indent="0">
+              <a:buNone/>
+            </a:pPr>
+            <a:r>
+              <a:rPr lang="en-US" sz="1400" dirty="0" err="1">
+                <a:latin typeface="Consolas" panose="020B0609020204030204" pitchFamily="49" charset="0"/>
+                <a:cs typeface="Courier New" panose="02070309020205020404" pitchFamily="49" charset="0"/>
+              </a:rPr>
+              <a:t>int</a:t>
+            </a:r>
+            <a:r>
+              <a:rPr lang="en-US" sz="1400" dirty="0">
+                <a:latin typeface="Consolas" panose="020B0609020204030204" pitchFamily="49" charset="0"/>
+                <a:cs typeface="Courier New" panose="02070309020205020404" pitchFamily="49" charset="0"/>
+              </a:rPr>
+              <a:t> </a:t>
+            </a:r>
+            <a:r>
+              <a:rPr lang="en-US" sz="1400" dirty="0" err="1">
+                <a:latin typeface="Consolas" panose="020B0609020204030204" pitchFamily="49" charset="0"/>
+                <a:cs typeface="Courier New" panose="02070309020205020404" pitchFamily="49" charset="0"/>
+              </a:rPr>
+              <a:t>string_match</a:t>
+            </a:r>
+            <a:r>
+              <a:rPr lang="en-US" sz="1400" dirty="0">
+                <a:latin typeface="Consolas" panose="020B0609020204030204" pitchFamily="49" charset="0"/>
+                <a:cs typeface="Courier New" panose="02070309020205020404" pitchFamily="49" charset="0"/>
+              </a:rPr>
+              <a:t>(string &amp;</a:t>
+            </a:r>
+            <a:r>
+              <a:rPr lang="en-US" sz="1400" dirty="0" err="1">
+                <a:latin typeface="Consolas" panose="020B0609020204030204" pitchFamily="49" charset="0"/>
+                <a:cs typeface="Courier New" panose="02070309020205020404" pitchFamily="49" charset="0"/>
+              </a:rPr>
+              <a:t>sourceText</a:t>
+            </a:r>
+            <a:r>
+              <a:rPr lang="en-US" sz="1400" dirty="0">
+                <a:latin typeface="Consolas" panose="020B0609020204030204" pitchFamily="49" charset="0"/>
+                <a:cs typeface="Courier New" panose="02070309020205020404" pitchFamily="49" charset="0"/>
+              </a:rPr>
+              <a:t>, string &amp;</a:t>
+            </a:r>
+            <a:r>
+              <a:rPr lang="en-US" sz="1400" dirty="0" err="1">
+                <a:latin typeface="Consolas" panose="020B0609020204030204" pitchFamily="49" charset="0"/>
+                <a:cs typeface="Courier New" panose="02070309020205020404" pitchFamily="49" charset="0"/>
+              </a:rPr>
+              <a:t>searchText</a:t>
+            </a:r>
+            <a:r>
+              <a:rPr lang="en-US" sz="1400" dirty="0">
+                <a:latin typeface="Consolas" panose="020B0609020204030204" pitchFamily="49" charset="0"/>
+                <a:cs typeface="Courier New" panose="02070309020205020404" pitchFamily="49" charset="0"/>
+              </a:rPr>
+              <a:t>)</a:t>
+            </a:r>
+          </a:p>
+          <a:p>
+            <a:pPr marL="0" indent="0">
+              <a:buNone/>
+            </a:pPr>
+            <a:r>
+              <a:rPr lang="en-US" sz="1400" dirty="0">
+                <a:latin typeface="Consolas" panose="020B0609020204030204" pitchFamily="49" charset="0"/>
+                <a:cs typeface="Courier New" panose="02070309020205020404" pitchFamily="49" charset="0"/>
+              </a:rPr>
+              <a:t>{ </a:t>
+            </a:r>
+          </a:p>
+          <a:p>
+            <a:pPr marL="0" indent="0">
+              <a:buNone/>
+            </a:pPr>
+            <a:r>
+              <a:rPr lang="en-US" sz="1400" dirty="0">
+                <a:latin typeface="Consolas" panose="020B0609020204030204" pitchFamily="49" charset="0"/>
+                <a:cs typeface="Courier New" panose="02070309020205020404" pitchFamily="49" charset="0"/>
+              </a:rPr>
+              <a:t>	</a:t>
+            </a:r>
+            <a:r>
+              <a:rPr lang="en-US" sz="1400" dirty="0" err="1">
+                <a:latin typeface="Consolas" panose="020B0609020204030204" pitchFamily="49" charset="0"/>
+                <a:cs typeface="Courier New" panose="02070309020205020404" pitchFamily="49" charset="0"/>
+              </a:rPr>
+              <a:t>int</a:t>
+            </a:r>
+            <a:r>
+              <a:rPr lang="en-US" sz="1400" dirty="0">
+                <a:latin typeface="Consolas" panose="020B0609020204030204" pitchFamily="49" charset="0"/>
+                <a:cs typeface="Courier New" panose="02070309020205020404" pitchFamily="49" charset="0"/>
+              </a:rPr>
+              <a:t> </a:t>
+            </a:r>
+            <a:r>
+              <a:rPr lang="en-US" sz="1400" dirty="0" err="1">
+                <a:latin typeface="Consolas" panose="020B0609020204030204" pitchFamily="49" charset="0"/>
+                <a:cs typeface="Courier New" panose="02070309020205020404" pitchFamily="49" charset="0"/>
+              </a:rPr>
+              <a:t>sourceLength</a:t>
+            </a:r>
+            <a:r>
+              <a:rPr lang="en-US" sz="1400" dirty="0">
+                <a:latin typeface="Consolas" panose="020B0609020204030204" pitchFamily="49" charset="0"/>
+                <a:cs typeface="Courier New" panose="02070309020205020404" pitchFamily="49" charset="0"/>
+              </a:rPr>
+              <a:t> = </a:t>
+            </a:r>
+            <a:r>
+              <a:rPr lang="en-US" sz="1400" dirty="0" err="1">
+                <a:latin typeface="Consolas" panose="020B0609020204030204" pitchFamily="49" charset="0"/>
+                <a:cs typeface="Courier New" panose="02070309020205020404" pitchFamily="49" charset="0"/>
+              </a:rPr>
+              <a:t>sourceText.length</a:t>
+            </a:r>
+            <a:r>
+              <a:rPr lang="en-US" sz="1400" dirty="0">
+                <a:latin typeface="Consolas" panose="020B0609020204030204" pitchFamily="49" charset="0"/>
+                <a:cs typeface="Courier New" panose="02070309020205020404" pitchFamily="49" charset="0"/>
+              </a:rPr>
+              <a:t>(); </a:t>
+            </a:r>
+          </a:p>
+          <a:p>
+            <a:pPr marL="0" indent="0">
+              <a:buNone/>
+            </a:pPr>
+            <a:r>
+              <a:rPr lang="en-US" sz="1400" dirty="0">
+                <a:latin typeface="Consolas" panose="020B0609020204030204" pitchFamily="49" charset="0"/>
+                <a:cs typeface="Courier New" panose="02070309020205020404" pitchFamily="49" charset="0"/>
+              </a:rPr>
+              <a:t>	</a:t>
+            </a:r>
+            <a:r>
+              <a:rPr lang="en-US" sz="1400" dirty="0" err="1">
+                <a:latin typeface="Consolas" panose="020B0609020204030204" pitchFamily="49" charset="0"/>
+                <a:cs typeface="Courier New" panose="02070309020205020404" pitchFamily="49" charset="0"/>
+              </a:rPr>
+              <a:t>int</a:t>
+            </a:r>
+            <a:r>
+              <a:rPr lang="en-US" sz="1400" dirty="0">
+                <a:latin typeface="Consolas" panose="020B0609020204030204" pitchFamily="49" charset="0"/>
+                <a:cs typeface="Courier New" panose="02070309020205020404" pitchFamily="49" charset="0"/>
+              </a:rPr>
+              <a:t> </a:t>
+            </a:r>
+            <a:r>
+              <a:rPr lang="en-US" sz="1400" dirty="0" err="1">
+                <a:latin typeface="Consolas" panose="020B0609020204030204" pitchFamily="49" charset="0"/>
+                <a:cs typeface="Courier New" panose="02070309020205020404" pitchFamily="49" charset="0"/>
+              </a:rPr>
+              <a:t>searchLength</a:t>
+            </a:r>
+            <a:r>
+              <a:rPr lang="en-US" sz="1400" dirty="0">
+                <a:latin typeface="Consolas" panose="020B0609020204030204" pitchFamily="49" charset="0"/>
+                <a:cs typeface="Courier New" panose="02070309020205020404" pitchFamily="49" charset="0"/>
+              </a:rPr>
+              <a:t> = </a:t>
+            </a:r>
+            <a:r>
+              <a:rPr lang="en-US" sz="1400" dirty="0" err="1">
+                <a:latin typeface="Consolas" panose="020B0609020204030204" pitchFamily="49" charset="0"/>
+                <a:cs typeface="Courier New" panose="02070309020205020404" pitchFamily="49" charset="0"/>
+              </a:rPr>
+              <a:t>searchText.length</a:t>
+            </a:r>
+            <a:r>
+              <a:rPr lang="en-US" sz="1400" dirty="0">
+                <a:latin typeface="Consolas" panose="020B0609020204030204" pitchFamily="49" charset="0"/>
+                <a:cs typeface="Courier New" panose="02070309020205020404" pitchFamily="49" charset="0"/>
+              </a:rPr>
+              <a:t>(); </a:t>
+            </a:r>
+          </a:p>
+          <a:p>
+            <a:pPr marL="0" indent="0">
+              <a:buNone/>
+            </a:pPr>
+            <a:r>
+              <a:rPr lang="en-US" sz="1400" dirty="0">
+                <a:latin typeface="Consolas" panose="020B0609020204030204" pitchFamily="49" charset="0"/>
+                <a:cs typeface="Courier New" panose="02070309020205020404" pitchFamily="49" charset="0"/>
+              </a:rPr>
+              <a:t>	</a:t>
+            </a:r>
+            <a:r>
+              <a:rPr lang="en-US" sz="1400" b="1" dirty="0">
+                <a:latin typeface="Consolas" panose="020B0609020204030204" pitchFamily="49" charset="0"/>
+                <a:cs typeface="Courier New" panose="02070309020205020404" pitchFamily="49" charset="0"/>
+              </a:rPr>
+              <a:t>for (</a:t>
+            </a:r>
+            <a:r>
+              <a:rPr lang="en-US" sz="1400" b="1" dirty="0" err="1">
+                <a:latin typeface="Consolas" panose="020B0609020204030204" pitchFamily="49" charset="0"/>
+                <a:cs typeface="Courier New" panose="02070309020205020404" pitchFamily="49" charset="0"/>
+              </a:rPr>
+              <a:t>int</a:t>
+            </a:r>
+            <a:r>
+              <a:rPr lang="en-US" sz="1400" b="1" dirty="0">
+                <a:latin typeface="Consolas" panose="020B0609020204030204" pitchFamily="49" charset="0"/>
+                <a:cs typeface="Courier New" panose="02070309020205020404" pitchFamily="49" charset="0"/>
+              </a:rPr>
+              <a:t> </a:t>
+            </a:r>
+            <a:r>
+              <a:rPr lang="en-US" sz="1400" b="1" dirty="0" err="1">
+                <a:latin typeface="Consolas" panose="020B0609020204030204" pitchFamily="49" charset="0"/>
+                <a:cs typeface="Courier New" panose="02070309020205020404" pitchFamily="49" charset="0"/>
+              </a:rPr>
+              <a:t>i</a:t>
+            </a:r>
+            <a:r>
+              <a:rPr lang="en-US" sz="1400" b="1" dirty="0">
+                <a:latin typeface="Consolas" panose="020B0609020204030204" pitchFamily="49" charset="0"/>
+                <a:cs typeface="Courier New" panose="02070309020205020404" pitchFamily="49" charset="0"/>
+              </a:rPr>
+              <a:t>=0; i+searchLength-1 &lt; </a:t>
+            </a:r>
+            <a:r>
+              <a:rPr lang="en-US" sz="1400" b="1" dirty="0" err="1">
+                <a:latin typeface="Consolas" panose="020B0609020204030204" pitchFamily="49" charset="0"/>
+                <a:cs typeface="Courier New" panose="02070309020205020404" pitchFamily="49" charset="0"/>
+              </a:rPr>
+              <a:t>sourceLength</a:t>
+            </a:r>
+            <a:r>
+              <a:rPr lang="en-US" sz="1400" b="1" dirty="0">
+                <a:latin typeface="Consolas" panose="020B0609020204030204" pitchFamily="49" charset="0"/>
+                <a:cs typeface="Courier New" panose="02070309020205020404" pitchFamily="49" charset="0"/>
+              </a:rPr>
+              <a:t> ; </a:t>
+            </a:r>
+            <a:r>
+              <a:rPr lang="en-US" sz="1400" b="1" dirty="0" err="1">
+                <a:latin typeface="Consolas" panose="020B0609020204030204" pitchFamily="49" charset="0"/>
+                <a:cs typeface="Courier New" panose="02070309020205020404" pitchFamily="49" charset="0"/>
+              </a:rPr>
+              <a:t>i</a:t>
+            </a:r>
+            <a:r>
+              <a:rPr lang="en-US" sz="1400" b="1" dirty="0">
+                <a:latin typeface="Consolas" panose="020B0609020204030204" pitchFamily="49" charset="0"/>
+                <a:cs typeface="Courier New" panose="02070309020205020404" pitchFamily="49" charset="0"/>
+              </a:rPr>
+              <a:t>++)</a:t>
+            </a:r>
+            <a:r>
+              <a:rPr lang="en-US" sz="1400" dirty="0">
+                <a:latin typeface="Consolas" panose="020B0609020204030204" pitchFamily="49" charset="0"/>
+                <a:cs typeface="Courier New" panose="02070309020205020404" pitchFamily="49" charset="0"/>
+              </a:rPr>
+              <a:t> { </a:t>
+            </a:r>
+          </a:p>
+          <a:p>
+            <a:pPr marL="0" indent="0">
+              <a:buNone/>
+            </a:pPr>
+            <a:r>
+              <a:rPr lang="en-US" sz="1400" dirty="0">
+                <a:latin typeface="Consolas" panose="020B0609020204030204" pitchFamily="49" charset="0"/>
+                <a:cs typeface="Courier New" panose="02070309020205020404" pitchFamily="49" charset="0"/>
+              </a:rPr>
+              <a:t>		bool found = true; </a:t>
+            </a:r>
+          </a:p>
+          <a:p>
+            <a:pPr marL="0" indent="0">
+              <a:buNone/>
+            </a:pPr>
+            <a:r>
+              <a:rPr lang="en-US" sz="1400" dirty="0">
+                <a:latin typeface="Consolas" panose="020B0609020204030204" pitchFamily="49" charset="0"/>
+                <a:cs typeface="Courier New" panose="02070309020205020404" pitchFamily="49" charset="0"/>
+              </a:rPr>
+              <a:t>		</a:t>
+            </a:r>
+            <a:r>
+              <a:rPr lang="en-US" sz="1400" b="1" dirty="0">
+                <a:latin typeface="Consolas" panose="020B0609020204030204" pitchFamily="49" charset="0"/>
+                <a:cs typeface="Courier New" panose="02070309020205020404" pitchFamily="49" charset="0"/>
+              </a:rPr>
+              <a:t>for (</a:t>
+            </a:r>
+            <a:r>
+              <a:rPr lang="en-US" sz="1400" b="1" dirty="0" err="1">
+                <a:latin typeface="Consolas" panose="020B0609020204030204" pitchFamily="49" charset="0"/>
+                <a:cs typeface="Courier New" panose="02070309020205020404" pitchFamily="49" charset="0"/>
+              </a:rPr>
+              <a:t>int</a:t>
+            </a:r>
+            <a:r>
+              <a:rPr lang="en-US" sz="1400" b="1" dirty="0">
+                <a:latin typeface="Consolas" panose="020B0609020204030204" pitchFamily="49" charset="0"/>
+                <a:cs typeface="Courier New" panose="02070309020205020404" pitchFamily="49" charset="0"/>
+              </a:rPr>
+              <a:t> j = 0; j &lt; </a:t>
+            </a:r>
+            <a:r>
+              <a:rPr lang="en-US" sz="1400" b="1" dirty="0" err="1">
+                <a:latin typeface="Consolas" panose="020B0609020204030204" pitchFamily="49" charset="0"/>
+                <a:cs typeface="Courier New" panose="02070309020205020404" pitchFamily="49" charset="0"/>
+              </a:rPr>
+              <a:t>searchLength</a:t>
+            </a:r>
+            <a:r>
+              <a:rPr lang="en-US" sz="1400" b="1" dirty="0">
+                <a:latin typeface="Consolas" panose="020B0609020204030204" pitchFamily="49" charset="0"/>
+                <a:cs typeface="Courier New" panose="02070309020205020404" pitchFamily="49" charset="0"/>
+              </a:rPr>
+              <a:t>; </a:t>
+            </a:r>
+            <a:r>
+              <a:rPr lang="en-US" sz="1400" b="1" dirty="0" err="1">
+                <a:latin typeface="Consolas" panose="020B0609020204030204" pitchFamily="49" charset="0"/>
+                <a:cs typeface="Courier New" panose="02070309020205020404" pitchFamily="49" charset="0"/>
+              </a:rPr>
+              <a:t>j++</a:t>
+            </a:r>
+            <a:r>
+              <a:rPr lang="en-US" sz="1400" b="1" dirty="0">
+                <a:latin typeface="Consolas" panose="020B0609020204030204" pitchFamily="49" charset="0"/>
+                <a:cs typeface="Courier New" panose="02070309020205020404" pitchFamily="49" charset="0"/>
+              </a:rPr>
+              <a:t>)</a:t>
+            </a:r>
+            <a:r>
+              <a:rPr lang="en-US" sz="1400" dirty="0">
+                <a:latin typeface="Consolas" panose="020B0609020204030204" pitchFamily="49" charset="0"/>
+                <a:cs typeface="Courier New" panose="02070309020205020404" pitchFamily="49" charset="0"/>
+              </a:rPr>
+              <a:t> { </a:t>
+            </a:r>
+          </a:p>
+          <a:p>
+            <a:pPr marL="0" indent="0">
+              <a:buNone/>
+            </a:pPr>
+            <a:r>
+              <a:rPr lang="en-US" sz="1400" dirty="0">
+                <a:latin typeface="Consolas" panose="020B0609020204030204" pitchFamily="49" charset="0"/>
+                <a:cs typeface="Courier New" panose="02070309020205020404" pitchFamily="49" charset="0"/>
+              </a:rPr>
+              <a:t>			if (</a:t>
+            </a:r>
+            <a:r>
+              <a:rPr lang="en-US" sz="1400" dirty="0" err="1">
+                <a:latin typeface="Consolas" panose="020B0609020204030204" pitchFamily="49" charset="0"/>
+                <a:cs typeface="Courier New" panose="02070309020205020404" pitchFamily="49" charset="0"/>
+              </a:rPr>
+              <a:t>sourceText</a:t>
+            </a:r>
+            <a:r>
+              <a:rPr lang="en-US" sz="1400" dirty="0">
+                <a:latin typeface="Consolas" panose="020B0609020204030204" pitchFamily="49" charset="0"/>
+                <a:cs typeface="Courier New" panose="02070309020205020404" pitchFamily="49" charset="0"/>
+              </a:rPr>
+              <a:t>[</a:t>
+            </a:r>
+            <a:r>
+              <a:rPr lang="en-US" sz="1400" dirty="0" err="1">
+                <a:latin typeface="Consolas" panose="020B0609020204030204" pitchFamily="49" charset="0"/>
+                <a:cs typeface="Courier New" panose="02070309020205020404" pitchFamily="49" charset="0"/>
+              </a:rPr>
+              <a:t>i+j</a:t>
+            </a:r>
+            <a:r>
+              <a:rPr lang="en-US" sz="1400" dirty="0">
+                <a:latin typeface="Consolas" panose="020B0609020204030204" pitchFamily="49" charset="0"/>
+                <a:cs typeface="Courier New" panose="02070309020205020404" pitchFamily="49" charset="0"/>
+              </a:rPr>
+              <a:t>] != </a:t>
+            </a:r>
+            <a:r>
+              <a:rPr lang="en-US" sz="1400" dirty="0" err="1">
+                <a:latin typeface="Consolas" panose="020B0609020204030204" pitchFamily="49" charset="0"/>
+                <a:cs typeface="Courier New" panose="02070309020205020404" pitchFamily="49" charset="0"/>
+              </a:rPr>
+              <a:t>searchText</a:t>
+            </a:r>
+            <a:r>
+              <a:rPr lang="en-US" sz="1400" dirty="0">
+                <a:latin typeface="Consolas" panose="020B0609020204030204" pitchFamily="49" charset="0"/>
+                <a:cs typeface="Courier New" panose="02070309020205020404" pitchFamily="49" charset="0"/>
+              </a:rPr>
+              <a:t>[j]) { </a:t>
+            </a:r>
+          </a:p>
+          <a:p>
+            <a:pPr marL="0" indent="0">
+              <a:buNone/>
+            </a:pPr>
+            <a:r>
+              <a:rPr lang="en-US" sz="1400" dirty="0">
+                <a:latin typeface="Consolas" panose="020B0609020204030204" pitchFamily="49" charset="0"/>
+                <a:cs typeface="Courier New" panose="02070309020205020404" pitchFamily="49" charset="0"/>
+              </a:rPr>
+              <a:t>				found = false; break; </a:t>
+            </a:r>
+          </a:p>
+          <a:p>
+            <a:pPr marL="0" indent="0">
+              <a:buNone/>
+            </a:pPr>
+            <a:r>
+              <a:rPr lang="en-US" sz="1400" dirty="0">
+                <a:latin typeface="Consolas" panose="020B0609020204030204" pitchFamily="49" charset="0"/>
+                <a:cs typeface="Courier New" panose="02070309020205020404" pitchFamily="49" charset="0"/>
+              </a:rPr>
+              <a:t>			}</a:t>
+            </a:r>
+          </a:p>
+          <a:p>
+            <a:pPr marL="0" indent="0">
+              <a:buNone/>
+            </a:pPr>
+            <a:r>
+              <a:rPr lang="en-US" sz="1400" dirty="0">
+                <a:latin typeface="Consolas" panose="020B0609020204030204" pitchFamily="49" charset="0"/>
+                <a:cs typeface="Courier New" panose="02070309020205020404" pitchFamily="49" charset="0"/>
+              </a:rPr>
+              <a:t>		 }</a:t>
+            </a:r>
+          </a:p>
+          <a:p>
+            <a:pPr marL="0" indent="0">
+              <a:buNone/>
+            </a:pPr>
+            <a:r>
+              <a:rPr lang="en-US" sz="1400" dirty="0">
+                <a:latin typeface="Consolas" panose="020B0609020204030204" pitchFamily="49" charset="0"/>
+                <a:cs typeface="Courier New" panose="02070309020205020404" pitchFamily="49" charset="0"/>
+              </a:rPr>
+              <a:t>		 if (found) { return </a:t>
+            </a:r>
+            <a:r>
+              <a:rPr lang="en-US" sz="1400" dirty="0" err="1">
+                <a:latin typeface="Consolas" panose="020B0609020204030204" pitchFamily="49" charset="0"/>
+                <a:cs typeface="Courier New" panose="02070309020205020404" pitchFamily="49" charset="0"/>
+              </a:rPr>
+              <a:t>i</a:t>
+            </a:r>
+            <a:r>
+              <a:rPr lang="en-US" sz="1400" dirty="0">
+                <a:latin typeface="Consolas" panose="020B0609020204030204" pitchFamily="49" charset="0"/>
+                <a:cs typeface="Courier New" panose="02070309020205020404" pitchFamily="49" charset="0"/>
+              </a:rPr>
+              <a:t>; } </a:t>
+            </a:r>
+          </a:p>
+          <a:p>
+            <a:pPr marL="0" indent="0">
+              <a:buNone/>
+            </a:pPr>
+            <a:r>
+              <a:rPr lang="en-US" sz="1400" dirty="0">
+                <a:latin typeface="Consolas" panose="020B0609020204030204" pitchFamily="49" charset="0"/>
+                <a:cs typeface="Courier New" panose="02070309020205020404" pitchFamily="49" charset="0"/>
+              </a:rPr>
+              <a:t>	} </a:t>
+            </a:r>
+          </a:p>
+          <a:p>
+            <a:pPr marL="0" indent="0">
+              <a:buNone/>
+            </a:pPr>
+            <a:r>
+              <a:rPr lang="en-US" sz="1400" dirty="0">
+                <a:latin typeface="Consolas" panose="020B0609020204030204" pitchFamily="49" charset="0"/>
+                <a:cs typeface="Courier New" panose="02070309020205020404" pitchFamily="49" charset="0"/>
+              </a:rPr>
+              <a:t>	return -1; </a:t>
+            </a:r>
+          </a:p>
+          <a:p>
+            <a:pPr marL="0" indent="0">
+              <a:buNone/>
+            </a:pPr>
+            <a:r>
+              <a:rPr lang="en-US" sz="1400" dirty="0">
+                <a:latin typeface="Consolas" panose="020B0609020204030204" pitchFamily="49" charset="0"/>
+                <a:cs typeface="Courier New" panose="02070309020205020404" pitchFamily="49" charset="0"/>
+              </a:rPr>
+              <a:t>}</a:t>
+            </a:r>
+          </a:p>
+        </p:txBody>
+      </p:sp>
+      <p:sp>
+        <p:nvSpPr>
+          <p:cNvPr id="7" name="TextBox 6">
+            <a:extLst>
+              <a:ext uri="{FF2B5EF4-FFF2-40B4-BE49-F238E27FC236}">
+                <a16:creationId xmlns:a16="http://schemas.microsoft.com/office/drawing/2014/main" id="{08E6E1B9-8887-AFBD-8501-E6252932B785}"/>
+              </a:ext>
+            </a:extLst>
+          </p:cNvPr>
+          <p:cNvSpPr txBox="1"/>
+          <p:nvPr/>
+        </p:nvSpPr>
+        <p:spPr>
+          <a:xfrm>
+            <a:off x="1043608" y="1738635"/>
+            <a:ext cx="4032448" cy="923330"/>
+          </a:xfrm>
+          <a:prstGeom prst="rect">
+            <a:avLst/>
+          </a:prstGeom>
+          <a:noFill/>
+          <a:ln>
+            <a:solidFill>
+              <a:schemeClr val="tx1"/>
+            </a:solidFill>
+          </a:ln>
+        </p:spPr>
+        <p:txBody>
+          <a:bodyPr wrap="square">
+            <a:spAutoFit/>
+          </a:bodyPr>
+          <a:lstStyle/>
+          <a:p>
+            <a:r>
+              <a:rPr lang="en-US" b="1" dirty="0"/>
+              <a:t>Time complexity is O(nm) worst case:</a:t>
+            </a:r>
+          </a:p>
+          <a:p>
+            <a:pPr marL="285750" indent="-285750">
+              <a:buFont typeface="Arial" panose="020B0604020202020204" pitchFamily="34" charset="0"/>
+              <a:buChar char="•"/>
+            </a:pPr>
+            <a:r>
+              <a:rPr lang="en-US" dirty="0"/>
+              <a:t>Outer loop is O(n) iteration</a:t>
+            </a:r>
+          </a:p>
+          <a:p>
+            <a:pPr marL="285750" indent="-285750">
+              <a:buFont typeface="Arial" panose="020B0604020202020204" pitchFamily="34" charset="0"/>
+              <a:buChar char="•"/>
+            </a:pPr>
+            <a:r>
+              <a:rPr lang="en-US" dirty="0"/>
+              <a:t>Inner loop is O(m) iteration worst case</a:t>
+            </a:r>
+          </a:p>
+        </p:txBody>
+      </p:sp>
+      <mc:AlternateContent xmlns:mc="http://schemas.openxmlformats.org/markup-compatibility/2006">
+        <mc:Choice xmlns:p14="http://schemas.microsoft.com/office/powerpoint/2010/main" Requires="p14">
+          <p:contentPart p14:bwMode="auto" r:id="rId2">
+            <p14:nvContentPartPr>
+              <p14:cNvPr id="8" name="Ink 7">
+                <a:extLst>
+                  <a:ext uri="{FF2B5EF4-FFF2-40B4-BE49-F238E27FC236}">
+                    <a16:creationId xmlns:a16="http://schemas.microsoft.com/office/drawing/2014/main" id="{22198ACC-BD56-2EC9-06C2-089B7AD4A2F1}"/>
+                  </a:ext>
+                </a:extLst>
+              </p14:cNvPr>
+              <p14:cNvContentPartPr/>
+              <p14:nvPr/>
+            </p14:nvContentPartPr>
+            <p14:xfrm>
+              <a:off x="7207200" y="4019400"/>
+              <a:ext cx="1867320" cy="1581840"/>
+            </p14:xfrm>
+          </p:contentPart>
+        </mc:Choice>
+        <mc:Fallback>
+          <p:pic>
+            <p:nvPicPr>
+              <p:cNvPr id="8" name="Ink 7">
+                <a:extLst>
+                  <a:ext uri="{FF2B5EF4-FFF2-40B4-BE49-F238E27FC236}">
+                    <a16:creationId xmlns:a16="http://schemas.microsoft.com/office/drawing/2014/main" id="{22198ACC-BD56-2EC9-06C2-089B7AD4A2F1}"/>
+                  </a:ext>
+                </a:extLst>
+              </p:cNvPr>
+              <p:cNvPicPr/>
+              <p:nvPr/>
+            </p:nvPicPr>
+            <p:blipFill>
+              <a:blip r:embed="rId3"/>
+              <a:stretch>
+                <a:fillRect/>
+              </a:stretch>
+            </p:blipFill>
+            <p:spPr>
+              <a:xfrm>
+                <a:off x="7197840" y="4010040"/>
+                <a:ext cx="1886040" cy="1600560"/>
+              </a:xfrm>
+              <a:prstGeom prst="rect">
+                <a:avLst/>
+              </a:prstGeom>
+            </p:spPr>
+          </p:pic>
+        </mc:Fallback>
+      </mc:AlternateContent>
+    </p:spTree>
+    <p:extLst>
+      <p:ext uri="{BB962C8B-B14F-4D97-AF65-F5344CB8AC3E}">
+        <p14:creationId xmlns:p14="http://schemas.microsoft.com/office/powerpoint/2010/main" val="15070187"/>
+      </p:ext>
+    </p:extLst>
+  </p:cSld>
+  <p:clrMapOvr>
+    <a:masterClrMapping/>
+  </p:clrMapOvr>
+</p:sld>
+</file>
+
+<file path=ppt/slides/slide14.xml><?xml version="1.0" encoding="utf-8"?>
+<p:sld xmlns:a="http://schemas.openxmlformats.org/drawingml/2006/main" xmlns:r="http://schemas.openxmlformats.org/officeDocument/2006/relationships" xmlns:p="http://schemas.openxmlformats.org/presentationml/2006/main">
+  <p:cSld>
+    <p:spTree>
+      <p:nvGrpSpPr>
+        <p:cNvPr id="1" name=""/>
+        <p:cNvGrpSpPr/>
+        <p:nvPr/>
+      </p:nvGrpSpPr>
+      <p:grpSpPr>
+        <a:xfrm>
+          <a:off x="0" y="0"/>
+          <a:ext cx="0" cy="0"/>
+          <a:chOff x="0" y="0"/>
+          <a:chExt cx="0" cy="0"/>
+        </a:xfrm>
+      </p:grpSpPr>
+      <p:sp>
+        <p:nvSpPr>
+          <p:cNvPr id="2" name="Title 1">
+            <a:extLst>
+              <a:ext uri="{FF2B5EF4-FFF2-40B4-BE49-F238E27FC236}">
+                <a16:creationId xmlns:a16="http://schemas.microsoft.com/office/drawing/2014/main" id="{108269F6-A234-8D6A-9EF4-71E61C596843}"/>
+              </a:ext>
+            </a:extLst>
+          </p:cNvPr>
+          <p:cNvSpPr>
+            <a:spLocks noGrp="1"/>
+          </p:cNvSpPr>
+          <p:nvPr>
+            <p:ph type="title"/>
+          </p:nvPr>
+        </p:nvSpPr>
+        <p:spPr>
+          <a:xfrm>
+            <a:off x="3059832" y="321603"/>
+            <a:ext cx="5904656" cy="1143000"/>
+          </a:xfrm>
+        </p:spPr>
+        <p:txBody>
+          <a:bodyPr>
+            <a:normAutofit/>
+          </a:bodyPr>
+          <a:lstStyle/>
+          <a:p>
+            <a:r>
+              <a:rPr lang="en-US" sz="2800" dirty="0"/>
+              <a:t>The Drawbacks of Naïve String Matching Algorithm</a:t>
+            </a:r>
+          </a:p>
+        </p:txBody>
+      </p:sp>
+      <p:sp>
+        <p:nvSpPr>
+          <p:cNvPr id="3" name="Content Placeholder 2">
+            <a:extLst>
+              <a:ext uri="{FF2B5EF4-FFF2-40B4-BE49-F238E27FC236}">
+                <a16:creationId xmlns:a16="http://schemas.microsoft.com/office/drawing/2014/main" id="{EC7DB819-7693-9E36-6106-260273F4D404}"/>
+              </a:ext>
+            </a:extLst>
+          </p:cNvPr>
+          <p:cNvSpPr>
+            <a:spLocks noGrp="1"/>
+          </p:cNvSpPr>
+          <p:nvPr>
+            <p:ph idx="1"/>
+          </p:nvPr>
+        </p:nvSpPr>
+        <p:spPr>
+          <a:xfrm>
+            <a:off x="1259632" y="1556792"/>
+            <a:ext cx="7643192" cy="5112568"/>
+          </a:xfrm>
+        </p:spPr>
+        <p:txBody>
+          <a:bodyPr>
+            <a:normAutofit/>
+          </a:bodyPr>
+          <a:lstStyle/>
+          <a:p>
+            <a:pPr marL="0" indent="0">
+              <a:buNone/>
+            </a:pPr>
+            <a:r>
+              <a:rPr lang="en-US" sz="1800" b="1" dirty="0"/>
+              <a:t>Let’s look at this example:</a:t>
+            </a:r>
+          </a:p>
+          <a:p>
+            <a:r>
+              <a:rPr lang="en-US" sz="1800" dirty="0"/>
+              <a:t>String:</a:t>
+            </a:r>
+          </a:p>
+          <a:p>
+            <a:endParaRPr lang="en-US" sz="1800" dirty="0"/>
+          </a:p>
+          <a:p>
+            <a:endParaRPr lang="en-US" sz="1800" dirty="0"/>
+          </a:p>
+          <a:p>
+            <a:endParaRPr lang="en-US" sz="1800" dirty="0"/>
+          </a:p>
+          <a:p>
+            <a:r>
+              <a:rPr lang="en-US" sz="1800" dirty="0"/>
+              <a:t>Pattern:</a:t>
+            </a:r>
+          </a:p>
+        </p:txBody>
+      </p:sp>
+      <p:graphicFrame>
+        <p:nvGraphicFramePr>
+          <p:cNvPr id="5" name="Table 5">
+            <a:extLst>
+              <a:ext uri="{FF2B5EF4-FFF2-40B4-BE49-F238E27FC236}">
+                <a16:creationId xmlns:a16="http://schemas.microsoft.com/office/drawing/2014/main" id="{AC02D298-EFFF-C222-3899-707011C49C4E}"/>
+              </a:ext>
+            </a:extLst>
+          </p:cNvPr>
+          <p:cNvGraphicFramePr>
+            <a:graphicFrameLocks noGrp="1"/>
+          </p:cNvGraphicFramePr>
+          <p:nvPr>
+            <p:extLst>
+              <p:ext uri="{D42A27DB-BD31-4B8C-83A1-F6EECF244321}">
+                <p14:modId xmlns:p14="http://schemas.microsoft.com/office/powerpoint/2010/main" val="3539437813"/>
+              </p:ext>
+            </p:extLst>
+          </p:nvPr>
+        </p:nvGraphicFramePr>
+        <p:xfrm>
+          <a:off x="1691680" y="2496500"/>
+          <a:ext cx="7128792" cy="741680"/>
+        </p:xfrm>
+        <a:graphic>
+          <a:graphicData uri="http://schemas.openxmlformats.org/drawingml/2006/table">
+            <a:tbl>
+              <a:tblPr>
+                <a:tableStyleId>{5C22544A-7EE6-4342-B048-85BDC9FD1C3A}</a:tableStyleId>
+              </a:tblPr>
+              <a:tblGrid>
+                <a:gridCol w="594066">
+                  <a:extLst>
+                    <a:ext uri="{9D8B030D-6E8A-4147-A177-3AD203B41FA5}">
+                      <a16:colId xmlns:a16="http://schemas.microsoft.com/office/drawing/2014/main" val="2464290857"/>
+                    </a:ext>
+                  </a:extLst>
+                </a:gridCol>
+                <a:gridCol w="594066">
+                  <a:extLst>
+                    <a:ext uri="{9D8B030D-6E8A-4147-A177-3AD203B41FA5}">
+                      <a16:colId xmlns:a16="http://schemas.microsoft.com/office/drawing/2014/main" val="1366044444"/>
+                    </a:ext>
+                  </a:extLst>
+                </a:gridCol>
+                <a:gridCol w="594066">
+                  <a:extLst>
+                    <a:ext uri="{9D8B030D-6E8A-4147-A177-3AD203B41FA5}">
+                      <a16:colId xmlns:a16="http://schemas.microsoft.com/office/drawing/2014/main" val="2435698897"/>
+                    </a:ext>
+                  </a:extLst>
+                </a:gridCol>
+                <a:gridCol w="594066">
+                  <a:extLst>
+                    <a:ext uri="{9D8B030D-6E8A-4147-A177-3AD203B41FA5}">
+                      <a16:colId xmlns:a16="http://schemas.microsoft.com/office/drawing/2014/main" val="2486436794"/>
+                    </a:ext>
+                  </a:extLst>
+                </a:gridCol>
+                <a:gridCol w="594066">
+                  <a:extLst>
+                    <a:ext uri="{9D8B030D-6E8A-4147-A177-3AD203B41FA5}">
+                      <a16:colId xmlns:a16="http://schemas.microsoft.com/office/drawing/2014/main" val="1548880946"/>
+                    </a:ext>
+                  </a:extLst>
+                </a:gridCol>
+                <a:gridCol w="594066">
+                  <a:extLst>
+                    <a:ext uri="{9D8B030D-6E8A-4147-A177-3AD203B41FA5}">
+                      <a16:colId xmlns:a16="http://schemas.microsoft.com/office/drawing/2014/main" val="3459493599"/>
+                    </a:ext>
+                  </a:extLst>
+                </a:gridCol>
+                <a:gridCol w="594066">
+                  <a:extLst>
+                    <a:ext uri="{9D8B030D-6E8A-4147-A177-3AD203B41FA5}">
+                      <a16:colId xmlns:a16="http://schemas.microsoft.com/office/drawing/2014/main" val="2508715554"/>
+                    </a:ext>
+                  </a:extLst>
+                </a:gridCol>
+                <a:gridCol w="594066">
+                  <a:extLst>
+                    <a:ext uri="{9D8B030D-6E8A-4147-A177-3AD203B41FA5}">
+                      <a16:colId xmlns:a16="http://schemas.microsoft.com/office/drawing/2014/main" val="3276246596"/>
+                    </a:ext>
+                  </a:extLst>
+                </a:gridCol>
+                <a:gridCol w="594066">
+                  <a:extLst>
+                    <a:ext uri="{9D8B030D-6E8A-4147-A177-3AD203B41FA5}">
+                      <a16:colId xmlns:a16="http://schemas.microsoft.com/office/drawing/2014/main" val="3966229948"/>
+                    </a:ext>
+                  </a:extLst>
+                </a:gridCol>
+                <a:gridCol w="594066">
+                  <a:extLst>
+                    <a:ext uri="{9D8B030D-6E8A-4147-A177-3AD203B41FA5}">
+                      <a16:colId xmlns:a16="http://schemas.microsoft.com/office/drawing/2014/main" val="4240944695"/>
+                    </a:ext>
+                  </a:extLst>
+                </a:gridCol>
+                <a:gridCol w="594066">
+                  <a:extLst>
+                    <a:ext uri="{9D8B030D-6E8A-4147-A177-3AD203B41FA5}">
+                      <a16:colId xmlns:a16="http://schemas.microsoft.com/office/drawing/2014/main" val="533896301"/>
+                    </a:ext>
+                  </a:extLst>
+                </a:gridCol>
+                <a:gridCol w="594066">
+                  <a:extLst>
+                    <a:ext uri="{9D8B030D-6E8A-4147-A177-3AD203B41FA5}">
+                      <a16:colId xmlns:a16="http://schemas.microsoft.com/office/drawing/2014/main" val="1179277836"/>
+                    </a:ext>
+                  </a:extLst>
+                </a:gridCol>
+              </a:tblGrid>
+              <a:tr h="370840">
+                <a:tc>
+                  <a:txBody>
+                    <a:bodyPr/>
+                    <a:lstStyle/>
+                    <a:p>
+                      <a:pPr algn="ctr"/>
+                      <a:r>
+                        <a:rPr lang="en-US" b="1" dirty="0"/>
+                        <a:t>a</a:t>
+                      </a:r>
+                    </a:p>
+                  </a:txBody>
+                  <a:tcPr/>
+                </a:tc>
+                <a:tc>
+                  <a:txBody>
+                    <a:bodyPr/>
+                    <a:lstStyle/>
+                    <a:p>
+                      <a:pPr algn="ctr"/>
+                      <a:r>
+                        <a:rPr lang="en-US" b="1" dirty="0"/>
+                        <a:t>b</a:t>
+                      </a:r>
+                    </a:p>
+                  </a:txBody>
+                  <a:tcPr/>
+                </a:tc>
+                <a:tc>
+                  <a:txBody>
+                    <a:bodyPr/>
+                    <a:lstStyle/>
+                    <a:p>
+                      <a:pPr algn="ctr"/>
+                      <a:r>
+                        <a:rPr lang="en-US" b="1" dirty="0"/>
+                        <a:t>c</a:t>
+                      </a:r>
+                    </a:p>
+                  </a:txBody>
+                  <a:tcPr/>
+                </a:tc>
+                <a:tc>
+                  <a:txBody>
+                    <a:bodyPr/>
+                    <a:lstStyle/>
+                    <a:p>
+                      <a:pPr algn="ctr"/>
+                      <a:r>
+                        <a:rPr lang="en-US" b="1" dirty="0"/>
+                        <a:t>d</a:t>
+                      </a:r>
+                    </a:p>
+                  </a:txBody>
+                  <a:tcPr/>
+                </a:tc>
+                <a:tc>
+                  <a:txBody>
+                    <a:bodyPr/>
+                    <a:lstStyle/>
+                    <a:p>
+                      <a:pPr algn="ctr"/>
+                      <a:r>
+                        <a:rPr lang="en-US" b="1" dirty="0"/>
+                        <a:t>a</a:t>
+                      </a:r>
+                    </a:p>
+                  </a:txBody>
+                  <a:tcPr/>
+                </a:tc>
+                <a:tc>
+                  <a:txBody>
+                    <a:bodyPr/>
+                    <a:lstStyle/>
+                    <a:p>
+                      <a:pPr algn="ctr"/>
+                      <a:r>
+                        <a:rPr lang="en-US" b="1" dirty="0"/>
+                        <a:t>b</a:t>
+                      </a:r>
+                    </a:p>
+                  </a:txBody>
+                  <a:tcPr/>
+                </a:tc>
+                <a:tc>
+                  <a:txBody>
+                    <a:bodyPr/>
+                    <a:lstStyle/>
+                    <a:p>
+                      <a:pPr algn="ctr"/>
+                      <a:r>
+                        <a:rPr lang="en-US" b="1" dirty="0"/>
+                        <a:t>c</a:t>
+                      </a:r>
+                    </a:p>
+                  </a:txBody>
+                  <a:tcPr/>
+                </a:tc>
+                <a:tc>
+                  <a:txBody>
+                    <a:bodyPr/>
+                    <a:lstStyle/>
+                    <a:p>
+                      <a:pPr algn="ctr"/>
+                      <a:r>
+                        <a:rPr lang="en-US" b="1" dirty="0"/>
+                        <a:t>a</a:t>
+                      </a:r>
+                    </a:p>
+                  </a:txBody>
+                  <a:tcPr/>
+                </a:tc>
+                <a:tc>
+                  <a:txBody>
+                    <a:bodyPr/>
+                    <a:lstStyle/>
+                    <a:p>
+                      <a:pPr algn="ctr"/>
+                      <a:r>
+                        <a:rPr lang="en-US" b="1" dirty="0"/>
+                        <a:t>b</a:t>
+                      </a:r>
+                    </a:p>
+                  </a:txBody>
+                  <a:tcPr/>
+                </a:tc>
+                <a:tc>
+                  <a:txBody>
+                    <a:bodyPr/>
+                    <a:lstStyle/>
+                    <a:p>
+                      <a:pPr algn="ctr"/>
+                      <a:r>
+                        <a:rPr lang="en-US" b="1" dirty="0"/>
+                        <a:t>c</a:t>
+                      </a:r>
+                    </a:p>
+                  </a:txBody>
+                  <a:tcPr/>
+                </a:tc>
+                <a:tc>
+                  <a:txBody>
+                    <a:bodyPr/>
+                    <a:lstStyle/>
+                    <a:p>
+                      <a:pPr algn="ctr"/>
+                      <a:r>
+                        <a:rPr lang="en-US" b="1" dirty="0"/>
+                        <a:t>d</a:t>
+                      </a:r>
+                    </a:p>
+                  </a:txBody>
+                  <a:tcPr/>
+                </a:tc>
+                <a:tc>
+                  <a:txBody>
+                    <a:bodyPr/>
+                    <a:lstStyle/>
+                    <a:p>
+                      <a:pPr algn="ctr"/>
+                      <a:r>
+                        <a:rPr lang="en-US" b="1" dirty="0"/>
+                        <a:t>f</a:t>
+                      </a:r>
+                    </a:p>
+                  </a:txBody>
+                  <a:tcPr/>
+                </a:tc>
+                <a:extLst>
+                  <a:ext uri="{0D108BD9-81ED-4DB2-BD59-A6C34878D82A}">
+                    <a16:rowId xmlns:a16="http://schemas.microsoft.com/office/drawing/2014/main" val="3623322314"/>
+                  </a:ext>
+                </a:extLst>
+              </a:tr>
+              <a:tr h="370840">
+                <a:tc>
+                  <a:txBody>
+                    <a:bodyPr/>
+                    <a:lstStyle/>
+                    <a:p>
+                      <a:pPr algn="ctr"/>
+                      <a:r>
+                        <a:rPr lang="en-US" dirty="0"/>
+                        <a:t>1</a:t>
+                      </a:r>
+                    </a:p>
+                  </a:txBody>
+                  <a:tcPr/>
+                </a:tc>
+                <a:tc>
+                  <a:txBody>
+                    <a:bodyPr/>
+                    <a:lstStyle/>
+                    <a:p>
+                      <a:pPr algn="ctr"/>
+                      <a:r>
+                        <a:rPr lang="en-US" dirty="0"/>
+                        <a:t>2</a:t>
+                      </a:r>
+                    </a:p>
+                  </a:txBody>
+                  <a:tcPr/>
+                </a:tc>
+                <a:tc>
+                  <a:txBody>
+                    <a:bodyPr/>
+                    <a:lstStyle/>
+                    <a:p>
+                      <a:pPr algn="ctr"/>
+                      <a:r>
+                        <a:rPr lang="en-US" dirty="0"/>
+                        <a:t>3</a:t>
+                      </a:r>
+                    </a:p>
+                  </a:txBody>
+                  <a:tcPr/>
+                </a:tc>
+                <a:tc>
+                  <a:txBody>
+                    <a:bodyPr/>
+                    <a:lstStyle/>
+                    <a:p>
+                      <a:pPr algn="ctr"/>
+                      <a:r>
+                        <a:rPr lang="en-US" dirty="0"/>
+                        <a:t>4</a:t>
+                      </a:r>
+                    </a:p>
+                  </a:txBody>
+                  <a:tcPr/>
+                </a:tc>
+                <a:tc>
+                  <a:txBody>
+                    <a:bodyPr/>
+                    <a:lstStyle/>
+                    <a:p>
+                      <a:pPr algn="ctr"/>
+                      <a:r>
+                        <a:rPr lang="en-US" dirty="0"/>
+                        <a:t>5</a:t>
+                      </a:r>
+                    </a:p>
+                  </a:txBody>
+                  <a:tcPr/>
+                </a:tc>
+                <a:tc>
+                  <a:txBody>
+                    <a:bodyPr/>
+                    <a:lstStyle/>
+                    <a:p>
+                      <a:pPr algn="ctr"/>
+                      <a:r>
+                        <a:rPr lang="en-US" dirty="0"/>
+                        <a:t>6</a:t>
+                      </a:r>
+                    </a:p>
+                  </a:txBody>
+                  <a:tcPr/>
+                </a:tc>
+                <a:tc>
+                  <a:txBody>
+                    <a:bodyPr/>
+                    <a:lstStyle/>
+                    <a:p>
+                      <a:pPr algn="ctr"/>
+                      <a:r>
+                        <a:rPr lang="en-US" dirty="0"/>
+                        <a:t>7</a:t>
+                      </a:r>
+                    </a:p>
+                  </a:txBody>
+                  <a:tcPr/>
+                </a:tc>
+                <a:tc>
+                  <a:txBody>
+                    <a:bodyPr/>
+                    <a:lstStyle/>
+                    <a:p>
+                      <a:pPr algn="ctr"/>
+                      <a:r>
+                        <a:rPr lang="en-US" dirty="0"/>
+                        <a:t>8</a:t>
+                      </a:r>
+                    </a:p>
+                  </a:txBody>
+                  <a:tcPr/>
+                </a:tc>
+                <a:tc>
+                  <a:txBody>
+                    <a:bodyPr/>
+                    <a:lstStyle/>
+                    <a:p>
+                      <a:pPr algn="ctr"/>
+                      <a:r>
+                        <a:rPr lang="en-US" dirty="0"/>
+                        <a:t>9</a:t>
+                      </a:r>
+                    </a:p>
+                  </a:txBody>
+                  <a:tcPr/>
+                </a:tc>
+                <a:tc>
+                  <a:txBody>
+                    <a:bodyPr/>
+                    <a:lstStyle/>
+                    <a:p>
+                      <a:pPr algn="ctr"/>
+                      <a:r>
+                        <a:rPr lang="en-US" dirty="0"/>
+                        <a:t>10</a:t>
+                      </a:r>
+                    </a:p>
+                  </a:txBody>
+                  <a:tcPr/>
+                </a:tc>
+                <a:tc>
+                  <a:txBody>
+                    <a:bodyPr/>
+                    <a:lstStyle/>
+                    <a:p>
+                      <a:pPr algn="ctr"/>
+                      <a:r>
+                        <a:rPr lang="en-US" dirty="0"/>
+                        <a:t>11</a:t>
+                      </a:r>
+                    </a:p>
+                  </a:txBody>
+                  <a:tcPr/>
+                </a:tc>
+                <a:tc>
+                  <a:txBody>
+                    <a:bodyPr/>
+                    <a:lstStyle/>
+                    <a:p>
+                      <a:pPr algn="ctr"/>
+                      <a:r>
+                        <a:rPr lang="en-US" dirty="0"/>
+                        <a:t>12</a:t>
+                      </a:r>
+                    </a:p>
+                  </a:txBody>
+                  <a:tcPr/>
+                </a:tc>
+                <a:extLst>
+                  <a:ext uri="{0D108BD9-81ED-4DB2-BD59-A6C34878D82A}">
+                    <a16:rowId xmlns:a16="http://schemas.microsoft.com/office/drawing/2014/main" val="1612548312"/>
+                  </a:ext>
+                </a:extLst>
+              </a:tr>
+            </a:tbl>
+          </a:graphicData>
+        </a:graphic>
+      </p:graphicFrame>
+      <p:graphicFrame>
+        <p:nvGraphicFramePr>
+          <p:cNvPr id="6" name="Table 5">
+            <a:extLst>
+              <a:ext uri="{FF2B5EF4-FFF2-40B4-BE49-F238E27FC236}">
+                <a16:creationId xmlns:a16="http://schemas.microsoft.com/office/drawing/2014/main" id="{A5C1D43E-4672-2FF1-D493-CD3A4FD7CCBE}"/>
+              </a:ext>
+            </a:extLst>
+          </p:cNvPr>
+          <p:cNvGraphicFramePr>
+            <a:graphicFrameLocks noGrp="1"/>
+          </p:cNvGraphicFramePr>
+          <p:nvPr>
+            <p:extLst>
+              <p:ext uri="{D42A27DB-BD31-4B8C-83A1-F6EECF244321}">
+                <p14:modId xmlns:p14="http://schemas.microsoft.com/office/powerpoint/2010/main" val="3461212682"/>
+              </p:ext>
+            </p:extLst>
+          </p:nvPr>
+        </p:nvGraphicFramePr>
+        <p:xfrm>
+          <a:off x="1691680" y="3807048"/>
+          <a:ext cx="2970330" cy="741680"/>
+        </p:xfrm>
+        <a:graphic>
+          <a:graphicData uri="http://schemas.openxmlformats.org/drawingml/2006/table">
+            <a:tbl>
+              <a:tblPr>
+                <a:tableStyleId>{5C22544A-7EE6-4342-B048-85BDC9FD1C3A}</a:tableStyleId>
+              </a:tblPr>
+              <a:tblGrid>
+                <a:gridCol w="594066">
+                  <a:extLst>
+                    <a:ext uri="{9D8B030D-6E8A-4147-A177-3AD203B41FA5}">
+                      <a16:colId xmlns:a16="http://schemas.microsoft.com/office/drawing/2014/main" val="2464290857"/>
+                    </a:ext>
+                  </a:extLst>
+                </a:gridCol>
+                <a:gridCol w="594066">
+                  <a:extLst>
+                    <a:ext uri="{9D8B030D-6E8A-4147-A177-3AD203B41FA5}">
+                      <a16:colId xmlns:a16="http://schemas.microsoft.com/office/drawing/2014/main" val="1366044444"/>
+                    </a:ext>
+                  </a:extLst>
+                </a:gridCol>
+                <a:gridCol w="594066">
+                  <a:extLst>
+                    <a:ext uri="{9D8B030D-6E8A-4147-A177-3AD203B41FA5}">
+                      <a16:colId xmlns:a16="http://schemas.microsoft.com/office/drawing/2014/main" val="2435698897"/>
+                    </a:ext>
+                  </a:extLst>
+                </a:gridCol>
+                <a:gridCol w="594066">
+                  <a:extLst>
+                    <a:ext uri="{9D8B030D-6E8A-4147-A177-3AD203B41FA5}">
+                      <a16:colId xmlns:a16="http://schemas.microsoft.com/office/drawing/2014/main" val="2486436794"/>
+                    </a:ext>
+                  </a:extLst>
+                </a:gridCol>
+                <a:gridCol w="594066">
+                  <a:extLst>
+                    <a:ext uri="{9D8B030D-6E8A-4147-A177-3AD203B41FA5}">
+                      <a16:colId xmlns:a16="http://schemas.microsoft.com/office/drawing/2014/main" val="1548880946"/>
+                    </a:ext>
+                  </a:extLst>
+                </a:gridCol>
+              </a:tblGrid>
+              <a:tr h="370840">
+                <a:tc>
+                  <a:txBody>
+                    <a:bodyPr/>
+                    <a:lstStyle/>
+                    <a:p>
+                      <a:pPr algn="ctr"/>
+                      <a:r>
+                        <a:rPr lang="en-US" b="1" dirty="0"/>
+                        <a:t>a</a:t>
+                      </a:r>
+                    </a:p>
+                  </a:txBody>
+                  <a:tcPr/>
+                </a:tc>
+                <a:tc>
+                  <a:txBody>
+                    <a:bodyPr/>
+                    <a:lstStyle/>
+                    <a:p>
+                      <a:pPr algn="ctr"/>
+                      <a:r>
+                        <a:rPr lang="en-US" b="1" dirty="0"/>
+                        <a:t>b</a:t>
+                      </a:r>
+                    </a:p>
+                  </a:txBody>
+                  <a:tcPr/>
+                </a:tc>
+                <a:tc>
+                  <a:txBody>
+                    <a:bodyPr/>
+                    <a:lstStyle/>
+                    <a:p>
+                      <a:pPr algn="ctr"/>
+                      <a:r>
+                        <a:rPr lang="en-US" b="1" dirty="0"/>
+                        <a:t>c</a:t>
+                      </a:r>
+                    </a:p>
+                  </a:txBody>
+                  <a:tcPr/>
+                </a:tc>
+                <a:tc>
+                  <a:txBody>
+                    <a:bodyPr/>
+                    <a:lstStyle/>
+                    <a:p>
+                      <a:pPr algn="ctr"/>
+                      <a:r>
+                        <a:rPr lang="en-US" b="1" dirty="0"/>
+                        <a:t>d</a:t>
+                      </a:r>
+                    </a:p>
+                  </a:txBody>
+                  <a:tcPr/>
+                </a:tc>
+                <a:tc>
+                  <a:txBody>
+                    <a:bodyPr/>
+                    <a:lstStyle/>
+                    <a:p>
+                      <a:pPr algn="ctr"/>
+                      <a:r>
+                        <a:rPr lang="en-US" b="1" dirty="0"/>
+                        <a:t>f</a:t>
+                      </a:r>
+                    </a:p>
+                  </a:txBody>
+                  <a:tcPr/>
+                </a:tc>
+                <a:extLst>
+                  <a:ext uri="{0D108BD9-81ED-4DB2-BD59-A6C34878D82A}">
+                    <a16:rowId xmlns:a16="http://schemas.microsoft.com/office/drawing/2014/main" val="3623322314"/>
+                  </a:ext>
+                </a:extLst>
+              </a:tr>
+              <a:tr h="370840">
+                <a:tc>
+                  <a:txBody>
+                    <a:bodyPr/>
+                    <a:lstStyle/>
+                    <a:p>
+                      <a:pPr algn="ctr"/>
+                      <a:r>
+                        <a:rPr lang="en-US" dirty="0"/>
+                        <a:t>1</a:t>
+                      </a:r>
+                    </a:p>
+                  </a:txBody>
+                  <a:tcPr/>
+                </a:tc>
+                <a:tc>
+                  <a:txBody>
+                    <a:bodyPr/>
+                    <a:lstStyle/>
+                    <a:p>
+                      <a:pPr algn="ctr"/>
+                      <a:r>
+                        <a:rPr lang="en-US" dirty="0"/>
+                        <a:t>2</a:t>
+                      </a:r>
+                    </a:p>
+                  </a:txBody>
+                  <a:tcPr/>
+                </a:tc>
+                <a:tc>
+                  <a:txBody>
+                    <a:bodyPr/>
+                    <a:lstStyle/>
+                    <a:p>
+                      <a:pPr algn="ctr"/>
+                      <a:r>
+                        <a:rPr lang="en-US" dirty="0"/>
+                        <a:t>3</a:t>
+                      </a:r>
+                    </a:p>
+                  </a:txBody>
+                  <a:tcPr/>
+                </a:tc>
+                <a:tc>
+                  <a:txBody>
+                    <a:bodyPr/>
+                    <a:lstStyle/>
+                    <a:p>
+                      <a:pPr algn="ctr"/>
+                      <a:r>
+                        <a:rPr lang="en-US" dirty="0"/>
+                        <a:t>4</a:t>
+                      </a:r>
+                    </a:p>
+                  </a:txBody>
+                  <a:tcPr/>
+                </a:tc>
+                <a:tc>
+                  <a:txBody>
+                    <a:bodyPr/>
+                    <a:lstStyle/>
+                    <a:p>
+                      <a:pPr algn="ctr"/>
+                      <a:r>
+                        <a:rPr lang="en-US" dirty="0"/>
+                        <a:t>5</a:t>
+                      </a:r>
+                    </a:p>
+                  </a:txBody>
+                  <a:tcPr/>
+                </a:tc>
+                <a:extLst>
+                  <a:ext uri="{0D108BD9-81ED-4DB2-BD59-A6C34878D82A}">
+                    <a16:rowId xmlns:a16="http://schemas.microsoft.com/office/drawing/2014/main" val="1612548312"/>
+                  </a:ext>
+                </a:extLst>
+              </a:tr>
+            </a:tbl>
+          </a:graphicData>
+        </a:graphic>
+      </p:graphicFrame>
+      <p:sp>
+        <p:nvSpPr>
+          <p:cNvPr id="8" name="Rectangle 7">
+            <a:extLst>
+              <a:ext uri="{FF2B5EF4-FFF2-40B4-BE49-F238E27FC236}">
+                <a16:creationId xmlns:a16="http://schemas.microsoft.com/office/drawing/2014/main" id="{7D92919B-4788-E956-9959-332F33494DC3}"/>
+              </a:ext>
+            </a:extLst>
+          </p:cNvPr>
+          <p:cNvSpPr/>
+          <p:nvPr/>
+        </p:nvSpPr>
+        <p:spPr>
+          <a:xfrm>
+            <a:off x="1259632" y="5582194"/>
+            <a:ext cx="7560840" cy="914400"/>
+          </a:xfrm>
+          <a:prstGeom prst="rect">
+            <a:avLst/>
+          </a:prstGeom>
+          <a:solidFill>
+            <a:schemeClr val="accent2">
+              <a:lumMod val="20000"/>
+              <a:lumOff val="80000"/>
+            </a:schemeClr>
+          </a:solidFill>
+        </p:spPr>
+        <p:style>
+          <a:lnRef idx="2">
+            <a:schemeClr val="accent1">
+              <a:shade val="50000"/>
+            </a:schemeClr>
+          </a:lnRef>
+          <a:fillRef idx="1">
+            <a:schemeClr val="accent1"/>
+          </a:fillRef>
+          <a:effectRef idx="0">
+            <a:schemeClr val="accent1"/>
+          </a:effectRef>
+          <a:fontRef idx="minor">
+            <a:schemeClr val="lt1"/>
+          </a:fontRef>
+        </p:style>
+        <p:txBody>
+          <a:bodyPr rtlCol="0" anchor="ctr"/>
+          <a:lstStyle/>
+          <a:p>
+            <a:pPr marL="0" indent="0" algn="ctr">
+              <a:buNone/>
+            </a:pPr>
+            <a:r>
+              <a:rPr lang="en-US" sz="2400" b="1" dirty="0">
+                <a:solidFill>
+                  <a:schemeClr val="tx1"/>
+                </a:solidFill>
+              </a:rPr>
+              <a:t>The comparison is </a:t>
+            </a:r>
+            <a:r>
+              <a:rPr lang="en-US" sz="2400" b="1" dirty="0" err="1">
+                <a:solidFill>
+                  <a:schemeClr val="tx1"/>
+                </a:solidFill>
+              </a:rPr>
+              <a:t>repeatedy</a:t>
+            </a:r>
+            <a:r>
+              <a:rPr lang="en-US" sz="2400" b="1" dirty="0">
+                <a:solidFill>
+                  <a:schemeClr val="tx1"/>
+                </a:solidFill>
+              </a:rPr>
+              <a:t>  performed whenever there is a mismatch  by </a:t>
+            </a:r>
+            <a:r>
+              <a:rPr lang="en-US" sz="2400" b="1" dirty="0" err="1">
+                <a:solidFill>
+                  <a:schemeClr val="tx1"/>
+                </a:solidFill>
+              </a:rPr>
+              <a:t>backtracing</a:t>
+            </a:r>
+            <a:r>
+              <a:rPr lang="en-US" sz="2400" b="1" dirty="0">
+                <a:solidFill>
+                  <a:schemeClr val="tx1"/>
+                </a:solidFill>
+              </a:rPr>
+              <a:t> i by one position.</a:t>
+            </a:r>
+          </a:p>
+        </p:txBody>
+      </p:sp>
+    </p:spTree>
+    <p:extLst>
+      <p:ext uri="{BB962C8B-B14F-4D97-AF65-F5344CB8AC3E}">
+        <p14:creationId xmlns:p14="http://schemas.microsoft.com/office/powerpoint/2010/main" val="3907932937"/>
+      </p:ext>
+    </p:extLst>
+  </p:cSld>
+  <p:clrMapOvr>
+    <a:masterClrMapping/>
+  </p:clrMapOvr>
+</p:sld>
+</file>
+
+<file path=ppt/slides/slide15.xml><?xml version="1.0" encoding="utf-8"?>
+<p:sld xmlns:a="http://schemas.openxmlformats.org/drawingml/2006/main" xmlns:r="http://schemas.openxmlformats.org/officeDocument/2006/relationships" xmlns:p="http://schemas.openxmlformats.org/presentationml/2006/main">
+  <p:cSld>
+    <p:spTree>
+      <p:nvGrpSpPr>
+        <p:cNvPr id="1" name=""/>
+        <p:cNvGrpSpPr/>
+        <p:nvPr/>
+      </p:nvGrpSpPr>
+      <p:grpSpPr>
+        <a:xfrm>
+          <a:off x="0" y="0"/>
+          <a:ext cx="0" cy="0"/>
+          <a:chOff x="0" y="0"/>
+          <a:chExt cx="0" cy="0"/>
+        </a:xfrm>
+      </p:grpSpPr>
+      <p:sp>
+        <p:nvSpPr>
+          <p:cNvPr id="4" name="Title 3">
+            <a:extLst>
+              <a:ext uri="{FF2B5EF4-FFF2-40B4-BE49-F238E27FC236}">
+                <a16:creationId xmlns:a16="http://schemas.microsoft.com/office/drawing/2014/main" id="{ED479908-484F-2C11-7854-41760AA28D29}"/>
+              </a:ext>
+            </a:extLst>
+          </p:cNvPr>
+          <p:cNvSpPr>
+            <a:spLocks noGrp="1"/>
+          </p:cNvSpPr>
+          <p:nvPr>
+            <p:ph type="title"/>
+          </p:nvPr>
+        </p:nvSpPr>
+        <p:spPr/>
+        <p:txBody>
+          <a:bodyPr/>
+          <a:lstStyle/>
+          <a:p>
+            <a:r>
+              <a:rPr lang="en-US" sz="2800" dirty="0"/>
+              <a:t>The Knuth-Morris-Pratt Algorithm</a:t>
+            </a:r>
+            <a:br>
+              <a:rPr lang="en-US" sz="2800" dirty="0"/>
+            </a:br>
+            <a:endParaRPr lang="en-US" sz="2800" dirty="0"/>
+          </a:p>
+        </p:txBody>
+      </p:sp>
+      <p:sp>
+        <p:nvSpPr>
+          <p:cNvPr id="5" name="Text Placeholder 4">
+            <a:extLst>
+              <a:ext uri="{FF2B5EF4-FFF2-40B4-BE49-F238E27FC236}">
+                <a16:creationId xmlns:a16="http://schemas.microsoft.com/office/drawing/2014/main" id="{8D915AC3-6A61-21C6-1127-57DB24852B3F}"/>
+              </a:ext>
+            </a:extLst>
+          </p:cNvPr>
+          <p:cNvSpPr>
+            <a:spLocks noGrp="1"/>
+          </p:cNvSpPr>
+          <p:nvPr>
+            <p:ph type="body" idx="1"/>
+          </p:nvPr>
+        </p:nvSpPr>
+        <p:spPr/>
+        <p:txBody>
+          <a:bodyPr/>
+          <a:lstStyle/>
+          <a:p>
+            <a:r>
+              <a:rPr lang="en-US" sz="2000" dirty="0"/>
+              <a:t>Pattern Matching Algorithm</a:t>
+            </a:r>
+            <a:endParaRPr lang="en-US" dirty="0"/>
+          </a:p>
+        </p:txBody>
+      </p:sp>
+    </p:spTree>
+    <p:extLst>
+      <p:ext uri="{BB962C8B-B14F-4D97-AF65-F5344CB8AC3E}">
+        <p14:creationId xmlns:p14="http://schemas.microsoft.com/office/powerpoint/2010/main" val="1619861118"/>
+      </p:ext>
+    </p:extLst>
+  </p:cSld>
+  <p:clrMapOvr>
+    <a:masterClrMapping/>
+  </p:clrMapOvr>
+</p:sld>
+</file>
+
+<file path=ppt/slides/slide16.xml><?xml version="1.0" encoding="utf-8"?>
+<p:sld xmlns:a="http://schemas.openxmlformats.org/drawingml/2006/main" xmlns:r="http://schemas.openxmlformats.org/officeDocument/2006/relationships" xmlns:p="http://schemas.openxmlformats.org/presentationml/2006/main">
+  <p:cSld>
+    <p:spTree>
+      <p:nvGrpSpPr>
+        <p:cNvPr id="1" name=""/>
+        <p:cNvGrpSpPr/>
+        <p:nvPr/>
+      </p:nvGrpSpPr>
+      <p:grpSpPr>
+        <a:xfrm>
+          <a:off x="0" y="0"/>
+          <a:ext cx="0" cy="0"/>
+          <a:chOff x="0" y="0"/>
+          <a:chExt cx="0" cy="0"/>
+        </a:xfrm>
+      </p:grpSpPr>
+      <p:sp>
+        <p:nvSpPr>
           <p:cNvPr id="3" name="Content Placeholder 2"/>
           <p:cNvSpPr>
             <a:spLocks noGrp="1"/>
@@ -5599,280 +7555,121 @@
         </p:spPr>
         <p:txBody>
           <a:bodyPr>
-            <a:normAutofit/>
+            <a:normAutofit lnSpcReduction="10000"/>
           </a:bodyPr>
           <a:lstStyle/>
-          <a:p>
-            <a:r>
-              <a:rPr lang="en-US" sz="2400" b="1" dirty="0">
-                <a:latin typeface="Consolas" panose="020B0609020204030204" pitchFamily="49" charset="0"/>
-              </a:rPr>
-              <a:t>String:</a:t>
-            </a:r>
-          </a:p>
-          <a:p>
-            <a:endParaRPr lang="en-US" sz="2400" b="1" dirty="0">
-              <a:latin typeface="Consolas" panose="020B0609020204030204" pitchFamily="49" charset="0"/>
-            </a:endParaRPr>
-          </a:p>
           <a:p>
             <a:pPr marL="0" indent="0">
               <a:buNone/>
             </a:pPr>
             <a:r>
-              <a:rPr lang="en-US" sz="2400" dirty="0">
-                <a:latin typeface="Consolas" panose="020B0609020204030204" pitchFamily="49" charset="0"/>
-              </a:rPr>
-              <a:t>A </a:t>
-            </a:r>
-            <a:r>
-              <a:rPr lang="en-US" sz="2400" dirty="0" err="1">
-                <a:latin typeface="Consolas" panose="020B0609020204030204" pitchFamily="49" charset="0"/>
-              </a:rPr>
-              <a:t>A</a:t>
-            </a:r>
-            <a:r>
-              <a:rPr lang="en-US" sz="2400" dirty="0">
-                <a:latin typeface="Consolas" panose="020B0609020204030204" pitchFamily="49" charset="0"/>
-              </a:rPr>
-              <a:t> </a:t>
-            </a:r>
-            <a:r>
-              <a:rPr lang="en-US" sz="2400" dirty="0" err="1">
-                <a:latin typeface="Consolas" panose="020B0609020204030204" pitchFamily="49" charset="0"/>
-              </a:rPr>
-              <a:t>A</a:t>
-            </a:r>
-            <a:r>
-              <a:rPr lang="en-US" sz="2400" dirty="0">
-                <a:latin typeface="Consolas" panose="020B0609020204030204" pitchFamily="49" charset="0"/>
-              </a:rPr>
-              <a:t> </a:t>
-            </a:r>
-            <a:r>
-              <a:rPr lang="en-US" sz="2400" dirty="0" err="1">
-                <a:latin typeface="Consolas" panose="020B0609020204030204" pitchFamily="49" charset="0"/>
-              </a:rPr>
-              <a:t>A</a:t>
-            </a:r>
-            <a:r>
-              <a:rPr lang="en-US" sz="2400" dirty="0">
-                <a:latin typeface="Consolas" panose="020B0609020204030204" pitchFamily="49" charset="0"/>
-              </a:rPr>
-              <a:t> </a:t>
-            </a:r>
-            <a:r>
-              <a:rPr lang="en-US" sz="2400" dirty="0" err="1">
-                <a:latin typeface="Consolas" panose="020B0609020204030204" pitchFamily="49" charset="0"/>
-              </a:rPr>
-              <a:t>A</a:t>
-            </a:r>
-            <a:r>
-              <a:rPr lang="en-US" sz="2400" dirty="0">
-                <a:latin typeface="Consolas" panose="020B0609020204030204" pitchFamily="49" charset="0"/>
-              </a:rPr>
-              <a:t> </a:t>
-            </a:r>
-            <a:r>
-              <a:rPr lang="en-US" sz="2400" dirty="0" err="1">
-                <a:latin typeface="Consolas" panose="020B0609020204030204" pitchFamily="49" charset="0"/>
-              </a:rPr>
-              <a:t>A</a:t>
-            </a:r>
-            <a:r>
-              <a:rPr lang="en-US" sz="2400" dirty="0">
-                <a:latin typeface="Consolas" panose="020B0609020204030204" pitchFamily="49" charset="0"/>
-              </a:rPr>
-              <a:t> </a:t>
-            </a:r>
-            <a:r>
-              <a:rPr lang="en-US" sz="2400" dirty="0" err="1">
-                <a:latin typeface="Consolas" panose="020B0609020204030204" pitchFamily="49" charset="0"/>
-              </a:rPr>
-              <a:t>A</a:t>
-            </a:r>
-            <a:r>
-              <a:rPr lang="en-US" sz="2400" dirty="0">
-                <a:latin typeface="Consolas" panose="020B0609020204030204" pitchFamily="49" charset="0"/>
-              </a:rPr>
-              <a:t> </a:t>
-            </a:r>
-            <a:r>
-              <a:rPr lang="en-US" sz="2400" dirty="0" err="1">
-                <a:latin typeface="Consolas" panose="020B0609020204030204" pitchFamily="49" charset="0"/>
-              </a:rPr>
-              <a:t>A</a:t>
-            </a:r>
-            <a:r>
-              <a:rPr lang="en-US" sz="2400" dirty="0">
-                <a:latin typeface="Consolas" panose="020B0609020204030204" pitchFamily="49" charset="0"/>
-              </a:rPr>
-              <a:t> </a:t>
-            </a:r>
-            <a:r>
-              <a:rPr lang="en-US" sz="2400" dirty="0" err="1">
-                <a:latin typeface="Consolas" panose="020B0609020204030204" pitchFamily="49" charset="0"/>
-              </a:rPr>
-              <a:t>A</a:t>
-            </a:r>
-            <a:r>
-              <a:rPr lang="en-US" sz="2400" dirty="0">
-                <a:latin typeface="Consolas" panose="020B0609020204030204" pitchFamily="49" charset="0"/>
-              </a:rPr>
-              <a:t>  </a:t>
-            </a:r>
-            <a:r>
-              <a:rPr lang="en-US" sz="2400" dirty="0" err="1">
-                <a:latin typeface="Consolas" panose="020B0609020204030204" pitchFamily="49" charset="0"/>
-              </a:rPr>
-              <a:t>A</a:t>
-            </a:r>
-            <a:r>
-              <a:rPr lang="en-US" sz="2400" dirty="0">
-                <a:latin typeface="Consolas" panose="020B0609020204030204" pitchFamily="49" charset="0"/>
-              </a:rPr>
-              <a:t>  </a:t>
-            </a:r>
-            <a:r>
-              <a:rPr lang="en-US" sz="2400" dirty="0" err="1">
-                <a:latin typeface="Consolas" panose="020B0609020204030204" pitchFamily="49" charset="0"/>
-              </a:rPr>
-              <a:t>A</a:t>
-            </a:r>
-            <a:r>
-              <a:rPr lang="en-US" sz="2400" dirty="0">
-                <a:latin typeface="Consolas" panose="020B0609020204030204" pitchFamily="49" charset="0"/>
-              </a:rPr>
-              <a:t>  </a:t>
-            </a:r>
-            <a:r>
-              <a:rPr lang="en-US" sz="2400" dirty="0" err="1">
-                <a:latin typeface="Consolas" panose="020B0609020204030204" pitchFamily="49" charset="0"/>
-              </a:rPr>
-              <a:t>A</a:t>
-            </a:r>
-            <a:r>
-              <a:rPr lang="en-US" sz="2400" dirty="0">
-                <a:latin typeface="Consolas" panose="020B0609020204030204" pitchFamily="49" charset="0"/>
-              </a:rPr>
-              <a:t>  B </a:t>
-            </a:r>
+              <a:rPr lang="en-US" b="1" dirty="0"/>
+              <a:t>Goals: </a:t>
+            </a:r>
+            <a:br>
+              <a:rPr lang="en-US" b="1" dirty="0"/>
+            </a:br>
+            <a:r>
+              <a:rPr lang="id-ID" dirty="0"/>
+              <a:t>The objective of this algorithm is to minimize the total number of comparison between pattern P and text T.</a:t>
+            </a:r>
+            <a:endParaRPr lang="en-US" dirty="0"/>
+          </a:p>
+          <a:p>
+            <a:endParaRPr lang="en-US" dirty="0"/>
+          </a:p>
+          <a:p>
+            <a:r>
+              <a:rPr lang="en-US" b="1" dirty="0"/>
+              <a:t>Pattern:</a:t>
+            </a:r>
+            <a:br>
+              <a:rPr lang="en-US" dirty="0"/>
+            </a:br>
+            <a:r>
+              <a:rPr lang="en-US" dirty="0" err="1"/>
+              <a:t>abcdabc</a:t>
+            </a:r>
+            <a:endParaRPr lang="en-US" dirty="0"/>
+          </a:p>
+          <a:p>
+            <a:endParaRPr lang="en-US" dirty="0"/>
+          </a:p>
+          <a:p>
+            <a:r>
+              <a:rPr lang="en-US" b="1" dirty="0"/>
+              <a:t>Prefix:</a:t>
+            </a:r>
+            <a:br>
+              <a:rPr lang="en-US" dirty="0"/>
+            </a:br>
+            <a:r>
+              <a:rPr lang="en-US" dirty="0"/>
+              <a:t>a, ab, </a:t>
+            </a:r>
+            <a:r>
+              <a:rPr lang="en-US" b="1" u="sng" dirty="0" err="1"/>
+              <a:t>abc</a:t>
+            </a:r>
+            <a:r>
+              <a:rPr lang="en-US" dirty="0"/>
+              <a:t>, </a:t>
+            </a:r>
+            <a:r>
+              <a:rPr lang="en-US" dirty="0" err="1"/>
+              <a:t>abcd</a:t>
+            </a:r>
+            <a:endParaRPr lang="en-US" dirty="0"/>
+          </a:p>
+          <a:p>
+            <a:endParaRPr lang="en-US" dirty="0"/>
+          </a:p>
+          <a:p>
+            <a:r>
+              <a:rPr lang="en-US" b="1" dirty="0"/>
+              <a:t>Postfix:</a:t>
+            </a:r>
+            <a:br>
+              <a:rPr lang="en-US" dirty="0"/>
+            </a:br>
+            <a:r>
+              <a:rPr lang="en-US" dirty="0"/>
+              <a:t>c, </a:t>
+            </a:r>
+            <a:r>
+              <a:rPr lang="en-US" dirty="0" err="1"/>
+              <a:t>bc</a:t>
+            </a:r>
+            <a:r>
+              <a:rPr lang="en-US" dirty="0"/>
+              <a:t>, </a:t>
+            </a:r>
+            <a:r>
+              <a:rPr lang="en-US" b="1" u="sng" dirty="0" err="1"/>
+              <a:t>abc</a:t>
+            </a:r>
+            <a:r>
+              <a:rPr lang="en-US" dirty="0"/>
+              <a:t>, </a:t>
+            </a:r>
+            <a:r>
+              <a:rPr lang="en-US" dirty="0" err="1"/>
+              <a:t>dabc</a:t>
+            </a:r>
+            <a:endParaRPr lang="en-US" dirty="0"/>
+          </a:p>
+          <a:p>
+            <a:endParaRPr lang="en-US" dirty="0"/>
           </a:p>
           <a:p>
             <a:pPr marL="0" indent="0">
               <a:buNone/>
             </a:pPr>
             <a:r>
-              <a:rPr lang="en-US" sz="2400" dirty="0">
-                <a:latin typeface="Consolas" panose="020B0609020204030204" pitchFamily="49" charset="0"/>
-              </a:rPr>
-              <a:t>1 2 3 4 5 6 7 8 9 10 11 12 13</a:t>
-            </a:r>
-          </a:p>
-          <a:p>
-            <a:pPr marL="0" indent="0">
-              <a:buNone/>
-            </a:pPr>
-            <a:endParaRPr lang="en-US" sz="2400" dirty="0">
-              <a:latin typeface="Consolas" panose="020B0609020204030204" pitchFamily="49" charset="0"/>
-            </a:endParaRPr>
-          </a:p>
-          <a:p>
-            <a:r>
-              <a:rPr lang="en-US" sz="2400" b="1" dirty="0">
-                <a:latin typeface="Consolas" panose="020B0609020204030204" pitchFamily="49" charset="0"/>
-              </a:rPr>
-              <a:t>Pattern:</a:t>
-            </a:r>
-          </a:p>
-          <a:p>
-            <a:pPr marL="0" indent="0">
-              <a:buNone/>
-            </a:pPr>
-            <a:endParaRPr lang="en-US" sz="2400" dirty="0">
-              <a:latin typeface="Consolas" panose="020B0609020204030204" pitchFamily="49" charset="0"/>
-            </a:endParaRPr>
-          </a:p>
-          <a:p>
-            <a:pPr marL="0" indent="0">
-              <a:buNone/>
-            </a:pPr>
-            <a:r>
-              <a:rPr lang="en-US" sz="2400" b="1" dirty="0">
-                <a:latin typeface="Consolas" panose="020B0609020204030204" pitchFamily="49" charset="0"/>
-              </a:rPr>
-              <a:t>Index: </a:t>
-            </a:r>
-            <a:r>
-              <a:rPr lang="en-US" sz="2400" dirty="0">
-                <a:latin typeface="Consolas" panose="020B0609020204030204" pitchFamily="49" charset="0"/>
-              </a:rPr>
-              <a:t>	1 2 3 4 5</a:t>
-            </a:r>
-          </a:p>
-          <a:p>
-            <a:pPr marL="0" indent="0">
-              <a:buNone/>
-            </a:pPr>
-            <a:r>
-              <a:rPr lang="en-US" sz="2400" b="1" dirty="0">
-                <a:latin typeface="Consolas" panose="020B0609020204030204" pitchFamily="49" charset="0"/>
-              </a:rPr>
-              <a:t>Pattern:</a:t>
-            </a:r>
-            <a:r>
-              <a:rPr lang="en-US" sz="2400" dirty="0">
-                <a:latin typeface="Consolas" panose="020B0609020204030204" pitchFamily="49" charset="0"/>
-              </a:rPr>
-              <a:t>	A </a:t>
-            </a:r>
-            <a:r>
-              <a:rPr lang="en-US" sz="2400" dirty="0" err="1">
-                <a:latin typeface="Consolas" panose="020B0609020204030204" pitchFamily="49" charset="0"/>
-              </a:rPr>
-              <a:t>A</a:t>
-            </a:r>
-            <a:r>
-              <a:rPr lang="en-US" sz="2400" dirty="0">
-                <a:latin typeface="Consolas" panose="020B0609020204030204" pitchFamily="49" charset="0"/>
-              </a:rPr>
-              <a:t> </a:t>
-            </a:r>
-            <a:r>
-              <a:rPr lang="en-US" sz="2400" dirty="0" err="1">
-                <a:latin typeface="Consolas" panose="020B0609020204030204" pitchFamily="49" charset="0"/>
-              </a:rPr>
-              <a:t>A</a:t>
-            </a:r>
-            <a:r>
-              <a:rPr lang="en-US" sz="2400" dirty="0">
-                <a:latin typeface="Consolas" panose="020B0609020204030204" pitchFamily="49" charset="0"/>
-              </a:rPr>
-              <a:t> </a:t>
-            </a:r>
-            <a:r>
-              <a:rPr lang="en-US" sz="2400" dirty="0" err="1">
-                <a:latin typeface="Consolas" panose="020B0609020204030204" pitchFamily="49" charset="0"/>
-              </a:rPr>
-              <a:t>A</a:t>
-            </a:r>
-            <a:r>
-              <a:rPr lang="en-US" sz="2400" dirty="0">
-                <a:latin typeface="Consolas" panose="020B0609020204030204" pitchFamily="49" charset="0"/>
-              </a:rPr>
-              <a:t> B</a:t>
-            </a:r>
-          </a:p>
-          <a:p>
-            <a:pPr marL="0" indent="0">
-              <a:buNone/>
-            </a:pPr>
-            <a:r>
-              <a:rPr lang="en-US" sz="2400" dirty="0">
-                <a:latin typeface="Consolas" panose="020B0609020204030204" pitchFamily="49" charset="0"/>
-              </a:rPr>
-              <a:t>		0 1 2 3 0</a:t>
-            </a:r>
+              <a:rPr lang="en-US" b="1" dirty="0"/>
+              <a:t>In the pattern, is there any prefix same as suffix?</a:t>
+            </a:r>
+            <a:endParaRPr lang="en-US" dirty="0"/>
           </a:p>
         </p:txBody>
       </p:sp>
@@ -5924,6 +7721,1042 @@
     </p:spTree>
     <p:extLst>
       <p:ext uri="{BB962C8B-B14F-4D97-AF65-F5344CB8AC3E}">
+        <p14:creationId xmlns:p14="http://schemas.microsoft.com/office/powerpoint/2010/main" val="2505219637"/>
+      </p:ext>
+    </p:extLst>
+  </p:cSld>
+  <p:clrMapOvr>
+    <a:masterClrMapping/>
+  </p:clrMapOvr>
+</p:sld>
+</file>
+
+<file path=ppt/slides/slide17.xml><?xml version="1.0" encoding="utf-8"?>
+<p:sld xmlns:a="http://schemas.openxmlformats.org/drawingml/2006/main" xmlns:r="http://schemas.openxmlformats.org/officeDocument/2006/relationships" xmlns:p="http://schemas.openxmlformats.org/presentationml/2006/main">
+  <p:cSld>
+    <p:spTree>
+      <p:nvGrpSpPr>
+        <p:cNvPr id="1" name=""/>
+        <p:cNvGrpSpPr/>
+        <p:nvPr/>
+      </p:nvGrpSpPr>
+      <p:grpSpPr>
+        <a:xfrm>
+          <a:off x="0" y="0"/>
+          <a:ext cx="0" cy="0"/>
+          <a:chOff x="0" y="0"/>
+          <a:chExt cx="0" cy="0"/>
+        </a:xfrm>
+      </p:grpSpPr>
+      <p:sp>
+        <p:nvSpPr>
+          <p:cNvPr id="3" name="Content Placeholder 2"/>
+          <p:cNvSpPr>
+            <a:spLocks noGrp="1"/>
+          </p:cNvSpPr>
+          <p:nvPr>
+            <p:ph idx="1"/>
+          </p:nvPr>
+        </p:nvSpPr>
+        <p:spPr>
+          <a:xfrm>
+            <a:off x="1619672" y="1700808"/>
+            <a:ext cx="7067128" cy="4425355"/>
+          </a:xfrm>
+        </p:spPr>
+        <p:txBody>
+          <a:bodyPr>
+            <a:normAutofit fontScale="92500" lnSpcReduction="10000"/>
+          </a:bodyPr>
+          <a:lstStyle/>
+          <a:p>
+            <a:r>
+              <a:rPr lang="en-US" sz="2400" b="1" dirty="0">
+                <a:latin typeface="Consolas" panose="020B0609020204030204" pitchFamily="49" charset="0"/>
+              </a:rPr>
+              <a:t>P1: </a:t>
+            </a:r>
+            <a:r>
+              <a:rPr lang="en-US" sz="2400" dirty="0">
+                <a:highlight>
+                  <a:srgbClr val="FFFF00"/>
+                </a:highlight>
+                <a:latin typeface="Consolas" panose="020B0609020204030204" pitchFamily="49" charset="0"/>
+              </a:rPr>
+              <a:t>a b</a:t>
+            </a:r>
+            <a:r>
+              <a:rPr lang="en-US" sz="2400" dirty="0">
+                <a:latin typeface="Consolas" panose="020B0609020204030204" pitchFamily="49" charset="0"/>
+              </a:rPr>
+              <a:t> c d </a:t>
+            </a:r>
+            <a:r>
+              <a:rPr lang="en-US" sz="2400" b="1" u="sng" dirty="0">
+                <a:latin typeface="Consolas" panose="020B0609020204030204" pitchFamily="49" charset="0"/>
+              </a:rPr>
+              <a:t>a b</a:t>
+            </a:r>
+            <a:r>
+              <a:rPr lang="en-US" sz="2400" dirty="0">
+                <a:latin typeface="Consolas" panose="020B0609020204030204" pitchFamily="49" charset="0"/>
+              </a:rPr>
+              <a:t> e </a:t>
+            </a:r>
+            <a:r>
+              <a:rPr lang="en-US" sz="2400" b="1" u="sng" dirty="0">
+                <a:latin typeface="Consolas" panose="020B0609020204030204" pitchFamily="49" charset="0"/>
+              </a:rPr>
+              <a:t>a b</a:t>
+            </a:r>
+            <a:r>
+              <a:rPr lang="en-US" sz="2400" dirty="0">
+                <a:latin typeface="Consolas" panose="020B0609020204030204" pitchFamily="49" charset="0"/>
+              </a:rPr>
+              <a:t> f</a:t>
+            </a:r>
+          </a:p>
+          <a:p>
+            <a:pPr marL="0" indent="0">
+              <a:buNone/>
+            </a:pPr>
+            <a:r>
+              <a:rPr lang="en-US" sz="2400" dirty="0">
+                <a:latin typeface="Consolas" panose="020B0609020204030204" pitchFamily="49" charset="0"/>
+              </a:rPr>
+              <a:t>      0 0 0 0 1 2 0 1 2 0</a:t>
+            </a:r>
+          </a:p>
+          <a:p>
+            <a:endParaRPr lang="en-US" sz="2400" b="1" dirty="0">
+              <a:latin typeface="Consolas" panose="020B0609020204030204" pitchFamily="49" charset="0"/>
+            </a:endParaRPr>
+          </a:p>
+          <a:p>
+            <a:r>
+              <a:rPr lang="en-US" sz="2400" b="1" dirty="0">
+                <a:latin typeface="Consolas" panose="020B0609020204030204" pitchFamily="49" charset="0"/>
+              </a:rPr>
+              <a:t>P2: </a:t>
+            </a:r>
+            <a:r>
+              <a:rPr lang="en-US" sz="2400" dirty="0">
+                <a:highlight>
+                  <a:srgbClr val="FFFF00"/>
+                </a:highlight>
+                <a:latin typeface="Consolas" panose="020B0609020204030204" pitchFamily="49" charset="0"/>
+              </a:rPr>
+              <a:t>a b c</a:t>
+            </a:r>
+            <a:r>
+              <a:rPr lang="en-US" sz="2400" dirty="0">
+                <a:latin typeface="Consolas" panose="020B0609020204030204" pitchFamily="49" charset="0"/>
+              </a:rPr>
+              <a:t> d e </a:t>
+            </a:r>
+            <a:r>
+              <a:rPr lang="en-US" sz="2400" b="1" u="sng" dirty="0">
+                <a:latin typeface="Consolas" panose="020B0609020204030204" pitchFamily="49" charset="0"/>
+              </a:rPr>
+              <a:t>a b</a:t>
+            </a:r>
+            <a:r>
+              <a:rPr lang="en-US" sz="2400" dirty="0">
+                <a:latin typeface="Consolas" panose="020B0609020204030204" pitchFamily="49" charset="0"/>
+              </a:rPr>
+              <a:t> f </a:t>
+            </a:r>
+            <a:r>
+              <a:rPr lang="en-US" sz="2400" b="1" u="sng" dirty="0">
+                <a:latin typeface="Consolas" panose="020B0609020204030204" pitchFamily="49" charset="0"/>
+              </a:rPr>
+              <a:t>a b c</a:t>
+            </a:r>
+          </a:p>
+          <a:p>
+            <a:pPr marL="0" indent="0">
+              <a:buNone/>
+            </a:pPr>
+            <a:r>
+              <a:rPr lang="en-US" sz="2400" dirty="0">
+                <a:latin typeface="Consolas" panose="020B0609020204030204" pitchFamily="49" charset="0"/>
+              </a:rPr>
+              <a:t>      0 0 0 0 0 1 2 0 1 2 3</a:t>
+            </a:r>
+          </a:p>
+          <a:p>
+            <a:endParaRPr lang="en-US" sz="2400" b="1" dirty="0">
+              <a:latin typeface="Consolas" panose="020B0609020204030204" pitchFamily="49" charset="0"/>
+            </a:endParaRPr>
+          </a:p>
+          <a:p>
+            <a:r>
+              <a:rPr lang="en-US" sz="2400" b="1" dirty="0">
+                <a:latin typeface="Consolas" panose="020B0609020204030204" pitchFamily="49" charset="0"/>
+              </a:rPr>
+              <a:t>P3: </a:t>
+            </a:r>
+            <a:r>
+              <a:rPr lang="en-US" sz="2400" dirty="0">
+                <a:highlight>
+                  <a:srgbClr val="FFFF00"/>
+                </a:highlight>
+                <a:latin typeface="Consolas" panose="020B0609020204030204" pitchFamily="49" charset="0"/>
+              </a:rPr>
+              <a:t>a </a:t>
+            </a:r>
+            <a:r>
+              <a:rPr lang="en-US" sz="2400" b="1" u="sng" dirty="0" err="1">
+                <a:highlight>
+                  <a:srgbClr val="FFFF00"/>
+                </a:highlight>
+                <a:latin typeface="Consolas" panose="020B0609020204030204" pitchFamily="49" charset="0"/>
+              </a:rPr>
+              <a:t>a</a:t>
+            </a:r>
+            <a:r>
+              <a:rPr lang="en-US" sz="2400" dirty="0">
+                <a:latin typeface="Consolas" panose="020B0609020204030204" pitchFamily="49" charset="0"/>
+              </a:rPr>
+              <a:t> b c </a:t>
+            </a:r>
+            <a:r>
+              <a:rPr lang="en-US" sz="2400" b="1" u="sng" dirty="0">
+                <a:latin typeface="Consolas" panose="020B0609020204030204" pitchFamily="49" charset="0"/>
+              </a:rPr>
+              <a:t>a</a:t>
+            </a:r>
+            <a:r>
+              <a:rPr lang="en-US" sz="2400" dirty="0">
+                <a:latin typeface="Consolas" panose="020B0609020204030204" pitchFamily="49" charset="0"/>
+              </a:rPr>
+              <a:t> d </a:t>
+            </a:r>
+            <a:r>
+              <a:rPr lang="en-US" sz="2400" b="1" u="sng" dirty="0">
+                <a:latin typeface="Consolas" panose="020B0609020204030204" pitchFamily="49" charset="0"/>
+              </a:rPr>
+              <a:t>a </a:t>
+            </a:r>
+            <a:r>
+              <a:rPr lang="en-US" sz="2400" b="1" u="sng" dirty="0" err="1">
+                <a:latin typeface="Consolas" panose="020B0609020204030204" pitchFamily="49" charset="0"/>
+              </a:rPr>
+              <a:t>a</a:t>
+            </a:r>
+            <a:r>
+              <a:rPr lang="en-US" sz="2400" dirty="0">
+                <a:latin typeface="Consolas" panose="020B0609020204030204" pitchFamily="49" charset="0"/>
+              </a:rPr>
+              <a:t> b e</a:t>
+            </a:r>
+          </a:p>
+          <a:p>
+            <a:pPr marL="0" indent="0">
+              <a:buNone/>
+            </a:pPr>
+            <a:r>
+              <a:rPr lang="en-US" sz="2400" dirty="0">
+                <a:latin typeface="Consolas" panose="020B0609020204030204" pitchFamily="49" charset="0"/>
+              </a:rPr>
+              <a:t>      0 1 0 0 1 0 1 2 0 0</a:t>
+            </a:r>
+          </a:p>
+          <a:p>
+            <a:endParaRPr lang="en-US" sz="2400" b="1" dirty="0">
+              <a:latin typeface="Consolas" panose="020B0609020204030204" pitchFamily="49" charset="0"/>
+            </a:endParaRPr>
+          </a:p>
+          <a:p>
+            <a:r>
+              <a:rPr lang="en-US" sz="2400" b="1" dirty="0">
+                <a:latin typeface="Consolas" panose="020B0609020204030204" pitchFamily="49" charset="0"/>
+              </a:rPr>
+              <a:t>P4: </a:t>
+            </a:r>
+            <a:r>
+              <a:rPr lang="en-US" sz="2400" dirty="0">
+                <a:highlight>
+                  <a:srgbClr val="FFFF00"/>
+                </a:highlight>
+                <a:latin typeface="Consolas" panose="020B0609020204030204" pitchFamily="49" charset="0"/>
+              </a:rPr>
+              <a:t>a </a:t>
+            </a:r>
+            <a:r>
+              <a:rPr lang="en-US" sz="2400" b="1" u="sng" dirty="0" err="1">
+                <a:highlight>
+                  <a:srgbClr val="FFFF00"/>
+                </a:highlight>
+                <a:latin typeface="Consolas" panose="020B0609020204030204" pitchFamily="49" charset="0"/>
+              </a:rPr>
+              <a:t>a</a:t>
+            </a:r>
+            <a:r>
+              <a:rPr lang="en-US" sz="2400" b="1" u="sng" dirty="0">
+                <a:highlight>
+                  <a:srgbClr val="FFFF00"/>
+                </a:highlight>
+                <a:latin typeface="Consolas" panose="020B0609020204030204" pitchFamily="49" charset="0"/>
+              </a:rPr>
+              <a:t> </a:t>
+            </a:r>
+            <a:r>
+              <a:rPr lang="en-US" sz="2400" b="1" u="sng" dirty="0" err="1">
+                <a:highlight>
+                  <a:srgbClr val="FFFF00"/>
+                </a:highlight>
+                <a:latin typeface="Consolas" panose="020B0609020204030204" pitchFamily="49" charset="0"/>
+              </a:rPr>
+              <a:t>a</a:t>
+            </a:r>
+            <a:r>
+              <a:rPr lang="en-US" sz="2400" b="1" u="sng" dirty="0">
+                <a:latin typeface="Consolas" panose="020B0609020204030204" pitchFamily="49" charset="0"/>
+              </a:rPr>
+              <a:t> </a:t>
+            </a:r>
+            <a:r>
+              <a:rPr lang="en-US" sz="2400" b="1" u="sng" dirty="0" err="1">
+                <a:latin typeface="Consolas" panose="020B0609020204030204" pitchFamily="49" charset="0"/>
+              </a:rPr>
+              <a:t>a</a:t>
+            </a:r>
+            <a:r>
+              <a:rPr lang="en-US" sz="2400" dirty="0">
+                <a:latin typeface="Consolas" panose="020B0609020204030204" pitchFamily="49" charset="0"/>
+              </a:rPr>
+              <a:t> b </a:t>
+            </a:r>
+            <a:r>
+              <a:rPr lang="en-US" sz="2400" b="1" u="sng" dirty="0">
+                <a:latin typeface="Consolas" panose="020B0609020204030204" pitchFamily="49" charset="0"/>
+              </a:rPr>
+              <a:t>a </a:t>
+            </a:r>
+            <a:r>
+              <a:rPr lang="en-US" sz="2400" b="1" u="sng" dirty="0" err="1">
+                <a:latin typeface="Consolas" panose="020B0609020204030204" pitchFamily="49" charset="0"/>
+              </a:rPr>
+              <a:t>a</a:t>
+            </a:r>
+            <a:r>
+              <a:rPr lang="en-US" sz="2400" dirty="0">
+                <a:latin typeface="Consolas" panose="020B0609020204030204" pitchFamily="49" charset="0"/>
+              </a:rPr>
+              <a:t> c d</a:t>
+            </a:r>
+          </a:p>
+          <a:p>
+            <a:pPr marL="0" indent="0">
+              <a:buNone/>
+            </a:pPr>
+            <a:r>
+              <a:rPr lang="en-US" sz="2400" dirty="0">
+                <a:latin typeface="Consolas" panose="020B0609020204030204" pitchFamily="49" charset="0"/>
+              </a:rPr>
+              <a:t>      0 1 2 3 0 1 2 0 0</a:t>
+            </a:r>
+          </a:p>
+        </p:txBody>
+      </p:sp>
+      <p:sp>
+        <p:nvSpPr>
+          <p:cNvPr id="5" name="Rectangle 2"/>
+          <p:cNvSpPr txBox="1">
+            <a:spLocks noChangeArrowheads="1"/>
+          </p:cNvSpPr>
+          <p:nvPr/>
+        </p:nvSpPr>
+        <p:spPr>
+          <a:xfrm>
+            <a:off x="2843808" y="332656"/>
+            <a:ext cx="6300192" cy="1143000"/>
+          </a:xfrm>
+          <a:prstGeom prst="rect">
+            <a:avLst/>
+          </a:prstGeom>
+        </p:spPr>
+        <p:txBody>
+          <a:bodyPr vert="horz" lIns="91440" tIns="45720" rIns="91440" bIns="45720" rtlCol="0" anchor="ctr">
+            <a:normAutofit/>
+          </a:bodyPr>
+          <a:lstStyle>
+            <a:lvl1pPr algn="ctr" defTabSz="914400" rtl="0" eaLnBrk="1" latinLnBrk="0" hangingPunct="1">
+              <a:spcBef>
+                <a:spcPct val="0"/>
+              </a:spcBef>
+              <a:buNone/>
+              <a:defRPr sz="3000" b="1" kern="1200">
+                <a:solidFill>
+                  <a:srgbClr val="0079B8"/>
+                </a:solidFill>
+                <a:latin typeface="Open Sans"/>
+                <a:ea typeface="+mj-ea"/>
+                <a:cs typeface="+mj-cs"/>
+              </a:defRPr>
+            </a:lvl1pPr>
+          </a:lstStyle>
+          <a:p>
+            <a:r>
+              <a:rPr lang="en-US" sz="2800" dirty="0"/>
+              <a:t>The Knuth-Morris-Pratt Algorithm</a:t>
+            </a:r>
+          </a:p>
+        </p:txBody>
+      </p:sp>
+    </p:spTree>
+    <p:extLst>
+      <p:ext uri="{BB962C8B-B14F-4D97-AF65-F5344CB8AC3E}">
+        <p14:creationId xmlns:p14="http://schemas.microsoft.com/office/powerpoint/2010/main" val="65864720"/>
+      </p:ext>
+    </p:extLst>
+  </p:cSld>
+  <p:clrMapOvr>
+    <a:masterClrMapping/>
+  </p:clrMapOvr>
+</p:sld>
+</file>
+
+<file path=ppt/slides/slide18.xml><?xml version="1.0" encoding="utf-8"?>
+<p:sld xmlns:a="http://schemas.openxmlformats.org/drawingml/2006/main" xmlns:r="http://schemas.openxmlformats.org/officeDocument/2006/relationships" xmlns:p="http://schemas.openxmlformats.org/presentationml/2006/main">
+  <p:cSld>
+    <p:spTree>
+      <p:nvGrpSpPr>
+        <p:cNvPr id="1" name=""/>
+        <p:cNvGrpSpPr/>
+        <p:nvPr/>
+      </p:nvGrpSpPr>
+      <p:grpSpPr>
+        <a:xfrm>
+          <a:off x="0" y="0"/>
+          <a:ext cx="0" cy="0"/>
+          <a:chOff x="0" y="0"/>
+          <a:chExt cx="0" cy="0"/>
+        </a:xfrm>
+      </p:grpSpPr>
+      <p:sp>
+        <p:nvSpPr>
+          <p:cNvPr id="3" name="Content Placeholder 2"/>
+          <p:cNvSpPr>
+            <a:spLocks noGrp="1"/>
+          </p:cNvSpPr>
+          <p:nvPr>
+            <p:ph idx="1"/>
+          </p:nvPr>
+        </p:nvSpPr>
+        <p:spPr>
+          <a:xfrm>
+            <a:off x="1619672" y="1700808"/>
+            <a:ext cx="7067128" cy="4425355"/>
+          </a:xfrm>
+        </p:spPr>
+        <p:txBody>
+          <a:bodyPr>
+            <a:normAutofit/>
+          </a:bodyPr>
+          <a:lstStyle/>
+          <a:p>
+            <a:r>
+              <a:rPr lang="en-US" sz="2400" b="1" dirty="0">
+                <a:latin typeface="Consolas" panose="020B0609020204030204" pitchFamily="49" charset="0"/>
+              </a:rPr>
+              <a:t>String:</a:t>
+            </a:r>
+          </a:p>
+          <a:p>
+            <a:endParaRPr lang="en-US" sz="2400" b="1" dirty="0">
+              <a:latin typeface="Consolas" panose="020B0609020204030204" pitchFamily="49" charset="0"/>
+            </a:endParaRPr>
+          </a:p>
+          <a:p>
+            <a:pPr marL="0" indent="0">
+              <a:buNone/>
+            </a:pPr>
+            <a:r>
+              <a:rPr lang="en-US" sz="2400" dirty="0">
+                <a:latin typeface="Consolas" panose="020B0609020204030204" pitchFamily="49" charset="0"/>
+              </a:rPr>
+              <a:t>a b a b c a b c a  b  a  b  a  b  d</a:t>
+            </a:r>
+          </a:p>
+          <a:p>
+            <a:pPr marL="0" indent="0">
+              <a:buNone/>
+            </a:pPr>
+            <a:r>
+              <a:rPr lang="en-US" sz="2400" dirty="0">
+                <a:latin typeface="Consolas" panose="020B0609020204030204" pitchFamily="49" charset="0"/>
+              </a:rPr>
+              <a:t>1 2 3 4 5 6 7 8 9 10 11 12 13 14 15 </a:t>
+            </a:r>
+          </a:p>
+          <a:p>
+            <a:pPr marL="0" indent="0">
+              <a:buNone/>
+            </a:pPr>
+            <a:endParaRPr lang="en-US" sz="2400" dirty="0">
+              <a:latin typeface="Consolas" panose="020B0609020204030204" pitchFamily="49" charset="0"/>
+            </a:endParaRPr>
+          </a:p>
+          <a:p>
+            <a:r>
+              <a:rPr lang="en-US" sz="2400" b="1" dirty="0">
+                <a:latin typeface="Consolas" panose="020B0609020204030204" pitchFamily="49" charset="0"/>
+              </a:rPr>
+              <a:t>Pattern:</a:t>
+            </a:r>
+          </a:p>
+          <a:p>
+            <a:pPr marL="0" indent="0">
+              <a:buNone/>
+            </a:pPr>
+            <a:endParaRPr lang="en-US" sz="2400" dirty="0">
+              <a:latin typeface="Consolas" panose="020B0609020204030204" pitchFamily="49" charset="0"/>
+            </a:endParaRPr>
+          </a:p>
+          <a:p>
+            <a:pPr marL="0" indent="0">
+              <a:buNone/>
+            </a:pPr>
+            <a:r>
+              <a:rPr lang="en-US" sz="2400" b="1" dirty="0">
+                <a:latin typeface="Consolas" panose="020B0609020204030204" pitchFamily="49" charset="0"/>
+              </a:rPr>
+              <a:t>Index:   </a:t>
+            </a:r>
+            <a:r>
+              <a:rPr lang="en-US" sz="2400" dirty="0">
+                <a:latin typeface="Consolas" panose="020B0609020204030204" pitchFamily="49" charset="0"/>
+              </a:rPr>
+              <a:t>0 1 2 3 4 5</a:t>
+            </a:r>
+          </a:p>
+          <a:p>
+            <a:pPr marL="0" indent="0">
+              <a:buNone/>
+            </a:pPr>
+            <a:r>
+              <a:rPr lang="en-US" sz="2400" b="1" dirty="0">
+                <a:latin typeface="Consolas" panose="020B0609020204030204" pitchFamily="49" charset="0"/>
+              </a:rPr>
+              <a:t>Pattern:</a:t>
+            </a:r>
+            <a:r>
+              <a:rPr lang="en-US" sz="2400" dirty="0">
+                <a:latin typeface="Consolas" panose="020B0609020204030204" pitchFamily="49" charset="0"/>
+              </a:rPr>
+              <a:t>	</a:t>
+            </a:r>
+            <a:r>
+              <a:rPr lang="en-US" sz="2400" dirty="0">
+                <a:highlight>
+                  <a:srgbClr val="FFFF00"/>
+                </a:highlight>
+                <a:latin typeface="Consolas" panose="020B0609020204030204" pitchFamily="49" charset="0"/>
+              </a:rPr>
+              <a:t>a b</a:t>
+            </a:r>
+            <a:r>
+              <a:rPr lang="en-US" sz="2400" dirty="0">
+                <a:latin typeface="Consolas" panose="020B0609020204030204" pitchFamily="49" charset="0"/>
+              </a:rPr>
+              <a:t> </a:t>
+            </a:r>
+            <a:r>
+              <a:rPr lang="en-US" sz="2400" b="1" u="sng" dirty="0">
+                <a:latin typeface="Consolas" panose="020B0609020204030204" pitchFamily="49" charset="0"/>
+              </a:rPr>
+              <a:t>a b</a:t>
+            </a:r>
+            <a:r>
+              <a:rPr lang="en-US" sz="2400" dirty="0">
+                <a:latin typeface="Consolas" panose="020B0609020204030204" pitchFamily="49" charset="0"/>
+              </a:rPr>
+              <a:t> d</a:t>
+            </a:r>
+          </a:p>
+          <a:p>
+            <a:pPr marL="0" indent="0">
+              <a:buNone/>
+            </a:pPr>
+            <a:r>
+              <a:rPr lang="en-US" sz="2400" dirty="0">
+                <a:latin typeface="Consolas" panose="020B0609020204030204" pitchFamily="49" charset="0"/>
+              </a:rPr>
+              <a:t>		0 0 1 2 0    </a:t>
+            </a:r>
+            <a:r>
+              <a:rPr lang="en-US" sz="2400" dirty="0">
+                <a:latin typeface="Consolas" panose="020B0609020204030204" pitchFamily="49" charset="0"/>
+                <a:sym typeface="Wingdings" panose="05000000000000000000" pitchFamily="2" charset="2"/>
+              </a:rPr>
+              <a:t> LPS</a:t>
+            </a:r>
+            <a:endParaRPr lang="en-US" sz="2400" dirty="0">
+              <a:latin typeface="Consolas" panose="020B0609020204030204" pitchFamily="49" charset="0"/>
+            </a:endParaRPr>
+          </a:p>
+        </p:txBody>
+      </p:sp>
+      <p:sp>
+        <p:nvSpPr>
+          <p:cNvPr id="5" name="Rectangle 2"/>
+          <p:cNvSpPr txBox="1">
+            <a:spLocks noChangeArrowheads="1"/>
+          </p:cNvSpPr>
+          <p:nvPr/>
+        </p:nvSpPr>
+        <p:spPr>
+          <a:xfrm>
+            <a:off x="2843808" y="332656"/>
+            <a:ext cx="6300192" cy="1143000"/>
+          </a:xfrm>
+          <a:prstGeom prst="rect">
+            <a:avLst/>
+          </a:prstGeom>
+        </p:spPr>
+        <p:txBody>
+          <a:bodyPr vert="horz" lIns="91440" tIns="45720" rIns="91440" bIns="45720" rtlCol="0" anchor="ctr">
+            <a:normAutofit/>
+          </a:bodyPr>
+          <a:lstStyle>
+            <a:lvl1pPr algn="ctr" defTabSz="914400" rtl="0" eaLnBrk="1" latinLnBrk="0" hangingPunct="1">
+              <a:spcBef>
+                <a:spcPct val="0"/>
+              </a:spcBef>
+              <a:buNone/>
+              <a:defRPr sz="3000" b="1" kern="1200">
+                <a:solidFill>
+                  <a:srgbClr val="0079B8"/>
+                </a:solidFill>
+                <a:latin typeface="Open Sans"/>
+                <a:ea typeface="+mj-ea"/>
+                <a:cs typeface="+mj-cs"/>
+              </a:defRPr>
+            </a:lvl1pPr>
+          </a:lstStyle>
+          <a:p>
+            <a:r>
+              <a:rPr lang="en-US" sz="2800" dirty="0"/>
+              <a:t>The Knuth-Morris-Pratt Algorithm</a:t>
+            </a:r>
+          </a:p>
+        </p:txBody>
+      </p:sp>
+      <p:sp>
+        <p:nvSpPr>
+          <p:cNvPr id="2" name="TextBox 1">
+            <a:extLst>
+              <a:ext uri="{FF2B5EF4-FFF2-40B4-BE49-F238E27FC236}">
+                <a16:creationId xmlns:a16="http://schemas.microsoft.com/office/drawing/2014/main" id="{62056C7A-A63F-F3A1-FBBF-C421A1D57BB3}"/>
+              </a:ext>
+            </a:extLst>
+          </p:cNvPr>
+          <p:cNvSpPr txBox="1"/>
+          <p:nvPr/>
+        </p:nvSpPr>
+        <p:spPr>
+          <a:xfrm>
+            <a:off x="1619672" y="6340678"/>
+            <a:ext cx="4282006" cy="369332"/>
+          </a:xfrm>
+          <a:prstGeom prst="rect">
+            <a:avLst/>
+          </a:prstGeom>
+          <a:solidFill>
+            <a:schemeClr val="accent2">
+              <a:lumMod val="20000"/>
+              <a:lumOff val="80000"/>
+            </a:schemeClr>
+          </a:solidFill>
+        </p:spPr>
+        <p:txBody>
+          <a:bodyPr wrap="none" rtlCol="0">
+            <a:spAutoFit/>
+          </a:bodyPr>
+          <a:lstStyle/>
+          <a:p>
+            <a:r>
+              <a:rPr lang="en-US" b="1" dirty="0"/>
+              <a:t>With KMP, the i index will not backtracking</a:t>
+            </a:r>
+          </a:p>
+        </p:txBody>
+      </p:sp>
+    </p:spTree>
+    <p:extLst>
+      <p:ext uri="{BB962C8B-B14F-4D97-AF65-F5344CB8AC3E}">
+        <p14:creationId xmlns:p14="http://schemas.microsoft.com/office/powerpoint/2010/main" val="821788747"/>
+      </p:ext>
+    </p:extLst>
+  </p:cSld>
+  <p:clrMapOvr>
+    <a:masterClrMapping/>
+  </p:clrMapOvr>
+</p:sld>
+</file>
+
+<file path=ppt/slides/slide19.xml><?xml version="1.0" encoding="utf-8"?>
+<p:sld xmlns:a="http://schemas.openxmlformats.org/drawingml/2006/main" xmlns:r="http://schemas.openxmlformats.org/officeDocument/2006/relationships" xmlns:p="http://schemas.openxmlformats.org/presentationml/2006/main" show="0">
+  <p:cSld>
+    <p:spTree>
+      <p:nvGrpSpPr>
+        <p:cNvPr id="1" name=""/>
+        <p:cNvGrpSpPr/>
+        <p:nvPr/>
+      </p:nvGrpSpPr>
+      <p:grpSpPr>
+        <a:xfrm>
+          <a:off x="0" y="0"/>
+          <a:ext cx="0" cy="0"/>
+          <a:chOff x="0" y="0"/>
+          <a:chExt cx="0" cy="0"/>
+        </a:xfrm>
+      </p:grpSpPr>
+      <p:sp>
+        <p:nvSpPr>
+          <p:cNvPr id="3" name="Content Placeholder 2"/>
+          <p:cNvSpPr>
+            <a:spLocks noGrp="1"/>
+          </p:cNvSpPr>
+          <p:nvPr>
+            <p:ph idx="1"/>
+          </p:nvPr>
+        </p:nvSpPr>
+        <p:spPr>
+          <a:xfrm>
+            <a:off x="1619672" y="1700808"/>
+            <a:ext cx="7067128" cy="4425355"/>
+          </a:xfrm>
+        </p:spPr>
+        <p:txBody>
+          <a:bodyPr>
+            <a:normAutofit/>
+          </a:bodyPr>
+          <a:lstStyle/>
+          <a:p>
+            <a:r>
+              <a:rPr lang="en-US" sz="2400" b="1" dirty="0">
+                <a:latin typeface="Consolas" panose="020B0609020204030204" pitchFamily="49" charset="0"/>
+              </a:rPr>
+              <a:t>String:</a:t>
+            </a:r>
+          </a:p>
+          <a:p>
+            <a:endParaRPr lang="en-US" sz="2400" b="1" dirty="0">
+              <a:latin typeface="Consolas" panose="020B0609020204030204" pitchFamily="49" charset="0"/>
+            </a:endParaRPr>
+          </a:p>
+          <a:p>
+            <a:pPr marL="0" indent="0">
+              <a:buNone/>
+            </a:pPr>
+            <a:r>
+              <a:rPr lang="en-US" sz="2400" dirty="0">
+                <a:latin typeface="Consolas" panose="020B0609020204030204" pitchFamily="49" charset="0"/>
+              </a:rPr>
+              <a:t>A </a:t>
+            </a:r>
+            <a:r>
+              <a:rPr lang="en-US" sz="2400" dirty="0" err="1">
+                <a:latin typeface="Consolas" panose="020B0609020204030204" pitchFamily="49" charset="0"/>
+              </a:rPr>
+              <a:t>A</a:t>
+            </a:r>
+            <a:r>
+              <a:rPr lang="en-US" sz="2400" dirty="0">
+                <a:latin typeface="Consolas" panose="020B0609020204030204" pitchFamily="49" charset="0"/>
+              </a:rPr>
+              <a:t> </a:t>
+            </a:r>
+            <a:r>
+              <a:rPr lang="en-US" sz="2400" dirty="0" err="1">
+                <a:latin typeface="Consolas" panose="020B0609020204030204" pitchFamily="49" charset="0"/>
+              </a:rPr>
+              <a:t>A</a:t>
+            </a:r>
+            <a:r>
+              <a:rPr lang="en-US" sz="2400" dirty="0">
+                <a:latin typeface="Consolas" panose="020B0609020204030204" pitchFamily="49" charset="0"/>
+              </a:rPr>
+              <a:t> </a:t>
+            </a:r>
+            <a:r>
+              <a:rPr lang="en-US" sz="2400" dirty="0" err="1">
+                <a:latin typeface="Consolas" panose="020B0609020204030204" pitchFamily="49" charset="0"/>
+              </a:rPr>
+              <a:t>A</a:t>
+            </a:r>
+            <a:r>
+              <a:rPr lang="en-US" sz="2400" dirty="0">
+                <a:latin typeface="Consolas" panose="020B0609020204030204" pitchFamily="49" charset="0"/>
+              </a:rPr>
+              <a:t> </a:t>
+            </a:r>
+            <a:r>
+              <a:rPr lang="en-US" sz="2400" dirty="0" err="1">
+                <a:latin typeface="Consolas" panose="020B0609020204030204" pitchFamily="49" charset="0"/>
+              </a:rPr>
+              <a:t>A</a:t>
+            </a:r>
+            <a:r>
+              <a:rPr lang="en-US" sz="2400" dirty="0">
+                <a:latin typeface="Consolas" panose="020B0609020204030204" pitchFamily="49" charset="0"/>
+              </a:rPr>
+              <a:t> </a:t>
+            </a:r>
+            <a:r>
+              <a:rPr lang="en-US" sz="2400" dirty="0" err="1">
+                <a:latin typeface="Consolas" panose="020B0609020204030204" pitchFamily="49" charset="0"/>
+              </a:rPr>
+              <a:t>A</a:t>
+            </a:r>
+            <a:r>
+              <a:rPr lang="en-US" sz="2400" dirty="0">
+                <a:latin typeface="Consolas" panose="020B0609020204030204" pitchFamily="49" charset="0"/>
+              </a:rPr>
+              <a:t> </a:t>
+            </a:r>
+            <a:r>
+              <a:rPr lang="en-US" sz="2400" dirty="0" err="1">
+                <a:latin typeface="Consolas" panose="020B0609020204030204" pitchFamily="49" charset="0"/>
+              </a:rPr>
+              <a:t>A</a:t>
+            </a:r>
+            <a:r>
+              <a:rPr lang="en-US" sz="2400" dirty="0">
+                <a:latin typeface="Consolas" panose="020B0609020204030204" pitchFamily="49" charset="0"/>
+              </a:rPr>
+              <a:t> </a:t>
+            </a:r>
+            <a:r>
+              <a:rPr lang="en-US" sz="2400" dirty="0" err="1">
+                <a:latin typeface="Consolas" panose="020B0609020204030204" pitchFamily="49" charset="0"/>
+              </a:rPr>
+              <a:t>A</a:t>
+            </a:r>
+            <a:r>
+              <a:rPr lang="en-US" sz="2400" dirty="0">
+                <a:latin typeface="Consolas" panose="020B0609020204030204" pitchFamily="49" charset="0"/>
+              </a:rPr>
+              <a:t> </a:t>
+            </a:r>
+            <a:r>
+              <a:rPr lang="en-US" sz="2400" dirty="0" err="1">
+                <a:latin typeface="Consolas" panose="020B0609020204030204" pitchFamily="49" charset="0"/>
+              </a:rPr>
+              <a:t>A</a:t>
+            </a:r>
+            <a:r>
+              <a:rPr lang="en-US" sz="2400" dirty="0">
+                <a:latin typeface="Consolas" panose="020B0609020204030204" pitchFamily="49" charset="0"/>
+              </a:rPr>
+              <a:t>  </a:t>
+            </a:r>
+            <a:r>
+              <a:rPr lang="en-US" sz="2400" dirty="0" err="1">
+                <a:latin typeface="Consolas" panose="020B0609020204030204" pitchFamily="49" charset="0"/>
+              </a:rPr>
+              <a:t>A</a:t>
+            </a:r>
+            <a:r>
+              <a:rPr lang="en-US" sz="2400" dirty="0">
+                <a:latin typeface="Consolas" panose="020B0609020204030204" pitchFamily="49" charset="0"/>
+              </a:rPr>
+              <a:t>  </a:t>
+            </a:r>
+            <a:r>
+              <a:rPr lang="en-US" sz="2400" dirty="0" err="1">
+                <a:latin typeface="Consolas" panose="020B0609020204030204" pitchFamily="49" charset="0"/>
+              </a:rPr>
+              <a:t>A</a:t>
+            </a:r>
+            <a:r>
+              <a:rPr lang="en-US" sz="2400" dirty="0">
+                <a:latin typeface="Consolas" panose="020B0609020204030204" pitchFamily="49" charset="0"/>
+              </a:rPr>
+              <a:t>  </a:t>
+            </a:r>
+            <a:r>
+              <a:rPr lang="en-US" sz="2400" dirty="0" err="1">
+                <a:latin typeface="Consolas" panose="020B0609020204030204" pitchFamily="49" charset="0"/>
+              </a:rPr>
+              <a:t>A</a:t>
+            </a:r>
+            <a:r>
+              <a:rPr lang="en-US" sz="2400" dirty="0">
+                <a:latin typeface="Consolas" panose="020B0609020204030204" pitchFamily="49" charset="0"/>
+              </a:rPr>
+              <a:t>  B </a:t>
+            </a:r>
+          </a:p>
+          <a:p>
+            <a:pPr marL="0" indent="0">
+              <a:buNone/>
+            </a:pPr>
+            <a:r>
+              <a:rPr lang="en-US" sz="2400" dirty="0">
+                <a:latin typeface="Consolas" panose="020B0609020204030204" pitchFamily="49" charset="0"/>
+              </a:rPr>
+              <a:t>1 2 3 4 5 6 7 8 9 10 11 12 13</a:t>
+            </a:r>
+          </a:p>
+          <a:p>
+            <a:pPr marL="0" indent="0">
+              <a:buNone/>
+            </a:pPr>
+            <a:endParaRPr lang="en-US" sz="2400" dirty="0">
+              <a:latin typeface="Consolas" panose="020B0609020204030204" pitchFamily="49" charset="0"/>
+            </a:endParaRPr>
+          </a:p>
+          <a:p>
+            <a:r>
+              <a:rPr lang="en-US" sz="2400" b="1" dirty="0">
+                <a:latin typeface="Consolas" panose="020B0609020204030204" pitchFamily="49" charset="0"/>
+              </a:rPr>
+              <a:t>Pattern:</a:t>
+            </a:r>
+          </a:p>
+          <a:p>
+            <a:pPr marL="0" indent="0">
+              <a:buNone/>
+            </a:pPr>
+            <a:endParaRPr lang="en-US" sz="2400" dirty="0">
+              <a:latin typeface="Consolas" panose="020B0609020204030204" pitchFamily="49" charset="0"/>
+            </a:endParaRPr>
+          </a:p>
+          <a:p>
+            <a:pPr marL="0" indent="0">
+              <a:buNone/>
+            </a:pPr>
+            <a:r>
+              <a:rPr lang="en-US" sz="2400" b="1" dirty="0">
+                <a:latin typeface="Consolas" panose="020B0609020204030204" pitchFamily="49" charset="0"/>
+              </a:rPr>
+              <a:t>Index: </a:t>
+            </a:r>
+            <a:r>
+              <a:rPr lang="en-US" sz="2400" dirty="0">
+                <a:latin typeface="Consolas" panose="020B0609020204030204" pitchFamily="49" charset="0"/>
+              </a:rPr>
+              <a:t>	1 2 3 4 5</a:t>
+            </a:r>
+          </a:p>
+          <a:p>
+            <a:pPr marL="0" indent="0">
+              <a:buNone/>
+            </a:pPr>
+            <a:r>
+              <a:rPr lang="en-US" sz="2400" b="1" dirty="0">
+                <a:latin typeface="Consolas" panose="020B0609020204030204" pitchFamily="49" charset="0"/>
+              </a:rPr>
+              <a:t>Pattern:</a:t>
+            </a:r>
+            <a:r>
+              <a:rPr lang="en-US" sz="2400" dirty="0">
+                <a:latin typeface="Consolas" panose="020B0609020204030204" pitchFamily="49" charset="0"/>
+              </a:rPr>
+              <a:t>	A </a:t>
+            </a:r>
+            <a:r>
+              <a:rPr lang="en-US" sz="2400" dirty="0" err="1">
+                <a:latin typeface="Consolas" panose="020B0609020204030204" pitchFamily="49" charset="0"/>
+              </a:rPr>
+              <a:t>A</a:t>
+            </a:r>
+            <a:r>
+              <a:rPr lang="en-US" sz="2400" dirty="0">
+                <a:latin typeface="Consolas" panose="020B0609020204030204" pitchFamily="49" charset="0"/>
+              </a:rPr>
+              <a:t> </a:t>
+            </a:r>
+            <a:r>
+              <a:rPr lang="en-US" sz="2400" dirty="0" err="1">
+                <a:latin typeface="Consolas" panose="020B0609020204030204" pitchFamily="49" charset="0"/>
+              </a:rPr>
+              <a:t>A</a:t>
+            </a:r>
+            <a:r>
+              <a:rPr lang="en-US" sz="2400" dirty="0">
+                <a:latin typeface="Consolas" panose="020B0609020204030204" pitchFamily="49" charset="0"/>
+              </a:rPr>
+              <a:t> </a:t>
+            </a:r>
+            <a:r>
+              <a:rPr lang="en-US" sz="2400" dirty="0" err="1">
+                <a:latin typeface="Consolas" panose="020B0609020204030204" pitchFamily="49" charset="0"/>
+              </a:rPr>
+              <a:t>A</a:t>
+            </a:r>
+            <a:r>
+              <a:rPr lang="en-US" sz="2400" dirty="0">
+                <a:latin typeface="Consolas" panose="020B0609020204030204" pitchFamily="49" charset="0"/>
+              </a:rPr>
+              <a:t> B</a:t>
+            </a:r>
+          </a:p>
+          <a:p>
+            <a:pPr marL="0" indent="0">
+              <a:buNone/>
+            </a:pPr>
+            <a:r>
+              <a:rPr lang="en-US" sz="2400" dirty="0">
+                <a:latin typeface="Consolas" panose="020B0609020204030204" pitchFamily="49" charset="0"/>
+              </a:rPr>
+              <a:t>		0 1 2 3 0</a:t>
+            </a:r>
+          </a:p>
+        </p:txBody>
+      </p:sp>
+      <p:sp>
+        <p:nvSpPr>
+          <p:cNvPr id="5" name="Rectangle 2"/>
+          <p:cNvSpPr txBox="1">
+            <a:spLocks noChangeArrowheads="1"/>
+          </p:cNvSpPr>
+          <p:nvPr/>
+        </p:nvSpPr>
+        <p:spPr>
+          <a:xfrm>
+            <a:off x="2843808" y="332656"/>
+            <a:ext cx="6300192" cy="1143000"/>
+          </a:xfrm>
+          <a:prstGeom prst="rect">
+            <a:avLst/>
+          </a:prstGeom>
+        </p:spPr>
+        <p:txBody>
+          <a:bodyPr vert="horz" lIns="91440" tIns="45720" rIns="91440" bIns="45720" rtlCol="0" anchor="ctr">
+            <a:normAutofit/>
+          </a:bodyPr>
+          <a:lstStyle>
+            <a:lvl1pPr algn="ctr" defTabSz="914400" rtl="0" eaLnBrk="1" latinLnBrk="0" hangingPunct="1">
+              <a:spcBef>
+                <a:spcPct val="0"/>
+              </a:spcBef>
+              <a:buNone/>
+              <a:defRPr sz="3000" b="1" kern="1200">
+                <a:solidFill>
+                  <a:srgbClr val="0079B8"/>
+                </a:solidFill>
+                <a:latin typeface="Open Sans"/>
+                <a:ea typeface="+mj-ea"/>
+                <a:cs typeface="+mj-cs"/>
+              </a:defRPr>
+            </a:lvl1pPr>
+          </a:lstStyle>
+          <a:p>
+            <a:r>
+              <a:rPr lang="en-US" sz="2800" dirty="0"/>
+              <a:t>The Knuth-Morris-Pratt Algorithm</a:t>
+            </a:r>
+          </a:p>
+        </p:txBody>
+      </p:sp>
+    </p:spTree>
+    <p:extLst>
+      <p:ext uri="{BB962C8B-B14F-4D97-AF65-F5344CB8AC3E}">
         <p14:creationId xmlns:p14="http://schemas.microsoft.com/office/powerpoint/2010/main" val="997339237"/>
       </p:ext>
     </p:extLst>
@@ -5934,7 +8767,342 @@
 </p:sld>
 </file>
 
-<file path=ppt/slides/slide13.xml><?xml version="1.0" encoding="utf-8"?>
+<file path=ppt/slides/slide2.xml><?xml version="1.0" encoding="utf-8"?>
+<p:sld xmlns:a="http://schemas.openxmlformats.org/drawingml/2006/main" xmlns:r="http://schemas.openxmlformats.org/officeDocument/2006/relationships" xmlns:p="http://schemas.openxmlformats.org/presentationml/2006/main">
+  <p:cSld>
+    <p:spTree>
+      <p:nvGrpSpPr>
+        <p:cNvPr id="1" name=""/>
+        <p:cNvGrpSpPr/>
+        <p:nvPr/>
+      </p:nvGrpSpPr>
+      <p:grpSpPr>
+        <a:xfrm>
+          <a:off x="0" y="0"/>
+          <a:ext cx="0" cy="0"/>
+          <a:chOff x="0" y="0"/>
+          <a:chExt cx="0" cy="0"/>
+        </a:xfrm>
+      </p:grpSpPr>
+      <p:sp>
+        <p:nvSpPr>
+          <p:cNvPr id="6146" name="Title 1"/>
+          <p:cNvSpPr>
+            <a:spLocks noGrp="1"/>
+          </p:cNvSpPr>
+          <p:nvPr>
+            <p:ph type="title"/>
+          </p:nvPr>
+        </p:nvSpPr>
+        <p:spPr>
+          <a:xfrm>
+            <a:off x="3927748" y="332656"/>
+            <a:ext cx="4184104" cy="792088"/>
+          </a:xfrm>
+        </p:spPr>
+        <p:txBody>
+          <a:bodyPr/>
+          <a:lstStyle/>
+          <a:p>
+            <a:r>
+              <a:rPr lang="en-US" dirty="0">
+                <a:latin typeface="Open Sans" pitchFamily="-84" charset="0"/>
+              </a:rPr>
+              <a:t>Outline</a:t>
+            </a:r>
+            <a:r>
+              <a:rPr lang="id-ID" dirty="0">
+                <a:latin typeface="Open Sans" pitchFamily="-84" charset="0"/>
+              </a:rPr>
+              <a:t> Materials</a:t>
+            </a:r>
+            <a:endParaRPr lang="en-US" dirty="0">
+              <a:latin typeface="Open Sans" pitchFamily="-84" charset="0"/>
+            </a:endParaRPr>
+          </a:p>
+        </p:txBody>
+      </p:sp>
+      <p:sp>
+        <p:nvSpPr>
+          <p:cNvPr id="6" name="Slide Number Placeholder 5"/>
+          <p:cNvSpPr>
+            <a:spLocks noGrp="1"/>
+          </p:cNvSpPr>
+          <p:nvPr>
+            <p:ph type="sldNum" sz="quarter" idx="16"/>
+          </p:nvPr>
+        </p:nvSpPr>
+        <p:spPr/>
+        <p:txBody>
+          <a:bodyPr/>
+          <a:lstStyle/>
+          <a:p>
+            <a:pPr>
+              <a:defRPr/>
+            </a:pPr>
+            <a:fld id="{5B1DAF22-B401-4A2C-8EC1-A5BB2AA7DEF7}" type="slidenum">
+              <a:rPr lang="id-ID" smtClean="0"/>
+              <a:pPr>
+                <a:defRPr/>
+              </a:pPr>
+              <a:t>2</a:t>
+            </a:fld>
+            <a:endParaRPr lang="id-ID"/>
+          </a:p>
+        </p:txBody>
+      </p:sp>
+      <p:sp>
+        <p:nvSpPr>
+          <p:cNvPr id="7" name="Footer Placeholder 6"/>
+          <p:cNvSpPr>
+            <a:spLocks noGrp="1"/>
+          </p:cNvSpPr>
+          <p:nvPr>
+            <p:ph type="ftr" sz="quarter" idx="15"/>
+          </p:nvPr>
+        </p:nvSpPr>
+        <p:spPr/>
+        <p:txBody>
+          <a:bodyPr/>
+          <a:lstStyle/>
+          <a:p>
+            <a:pPr>
+              <a:defRPr/>
+            </a:pPr>
+            <a:r>
+              <a:rPr lang="en-US"/>
+              <a:t>ISYS6197</a:t>
+            </a:r>
+            <a:endParaRPr lang="id-ID" dirty="0"/>
+          </a:p>
+        </p:txBody>
+      </p:sp>
+      <p:sp>
+        <p:nvSpPr>
+          <p:cNvPr id="8" name="Date Placeholder 7"/>
+          <p:cNvSpPr>
+            <a:spLocks noGrp="1"/>
+          </p:cNvSpPr>
+          <p:nvPr>
+            <p:ph type="dt" sz="half" idx="14"/>
+          </p:nvPr>
+        </p:nvSpPr>
+        <p:spPr/>
+        <p:txBody>
+          <a:bodyPr/>
+          <a:lstStyle/>
+          <a:p>
+            <a:pPr>
+              <a:defRPr/>
+            </a:pPr>
+            <a:r>
+              <a:rPr lang="en-US"/>
+              <a:t>Bina Nusantara University</a:t>
+            </a:r>
+            <a:endParaRPr lang="id-ID"/>
+          </a:p>
+        </p:txBody>
+      </p:sp>
+      <p:graphicFrame>
+        <p:nvGraphicFramePr>
+          <p:cNvPr id="3" name="Tabel 2"/>
+          <p:cNvGraphicFramePr>
+            <a:graphicFrameLocks noGrp="1"/>
+          </p:cNvGraphicFramePr>
+          <p:nvPr>
+            <p:extLst>
+              <p:ext uri="{D42A27DB-BD31-4B8C-83A1-F6EECF244321}">
+                <p14:modId xmlns:p14="http://schemas.microsoft.com/office/powerpoint/2010/main" val="3721664496"/>
+              </p:ext>
+            </p:extLst>
+          </p:nvPr>
+        </p:nvGraphicFramePr>
+        <p:xfrm>
+          <a:off x="1331640" y="1772816"/>
+          <a:ext cx="7067550" cy="1828800"/>
+        </p:xfrm>
+        <a:graphic>
+          <a:graphicData uri="http://schemas.openxmlformats.org/drawingml/2006/table">
+            <a:tbl>
+              <a:tblPr/>
+              <a:tblGrid>
+                <a:gridCol w="7067550">
+                  <a:extLst>
+                    <a:ext uri="{9D8B030D-6E8A-4147-A177-3AD203B41FA5}">
+                      <a16:colId xmlns:a16="http://schemas.microsoft.com/office/drawing/2014/main" val="20000"/>
+                    </a:ext>
+                  </a:extLst>
+                </a:gridCol>
+              </a:tblGrid>
+              <a:tr h="0">
+                <a:tc>
+                  <a:txBody>
+                    <a:bodyPr/>
+                    <a:lstStyle/>
+                    <a:p>
+                      <a:pPr marL="342900" indent="-342900">
+                        <a:buFont typeface="Arial" panose="020B0604020202020204" pitchFamily="34" charset="0"/>
+                        <a:buChar char="•"/>
+                      </a:pPr>
+                      <a:r>
+                        <a:rPr lang="en-US" sz="2400" b="0" kern="1200" dirty="0">
+                          <a:solidFill>
+                            <a:schemeClr val="tx1"/>
+                          </a:solidFill>
+                          <a:latin typeface="+mn-lt"/>
+                          <a:ea typeface="+mn-ea"/>
+                          <a:cs typeface="+mn-cs"/>
+                        </a:rPr>
+                        <a:t>Naïve String-Matching Algorithm</a:t>
+                      </a:r>
+                    </a:p>
+                  </a:txBody>
+                  <a:tcPr anchor="ctr">
+                    <a:lnL>
+                      <a:noFill/>
+                    </a:lnL>
+                    <a:lnR>
+                      <a:noFill/>
+                    </a:lnR>
+                    <a:lnT>
+                      <a:noFill/>
+                    </a:lnT>
+                    <a:lnB>
+                      <a:noFill/>
+                    </a:lnB>
+                  </a:tcPr>
+                </a:tc>
+                <a:extLst>
+                  <a:ext uri="{0D108BD9-81ED-4DB2-BD59-A6C34878D82A}">
+                    <a16:rowId xmlns:a16="http://schemas.microsoft.com/office/drawing/2014/main" val="10000"/>
+                  </a:ext>
+                </a:extLst>
+              </a:tr>
+              <a:tr h="0">
+                <a:tc>
+                  <a:txBody>
+                    <a:bodyPr/>
+                    <a:lstStyle/>
+                    <a:p>
+                      <a:pPr marL="342900" indent="-342900" algn="l" defTabSz="914400" rtl="0" eaLnBrk="1" latinLnBrk="0" hangingPunct="1">
+                        <a:buFont typeface="Arial" panose="020B0604020202020204" pitchFamily="34" charset="0"/>
+                        <a:buChar char="•"/>
+                      </a:pPr>
+                      <a:r>
+                        <a:rPr lang="en-US" sz="2400" b="0" kern="1200" dirty="0">
+                          <a:solidFill>
+                            <a:schemeClr val="tx1"/>
+                          </a:solidFill>
+                          <a:latin typeface="+mn-lt"/>
+                          <a:ea typeface="+mn-ea"/>
+                          <a:cs typeface="+mn-cs"/>
+                        </a:rPr>
+                        <a:t>The Knuth-Morris-Pratt Algorithm</a:t>
+                      </a:r>
+                    </a:p>
+                  </a:txBody>
+                  <a:tcPr anchor="ctr">
+                    <a:lnL>
+                      <a:noFill/>
+                    </a:lnL>
+                    <a:lnR>
+                      <a:noFill/>
+                    </a:lnR>
+                    <a:lnT>
+                      <a:noFill/>
+                    </a:lnT>
+                    <a:lnB>
+                      <a:noFill/>
+                    </a:lnB>
+                  </a:tcPr>
+                </a:tc>
+                <a:extLst>
+                  <a:ext uri="{0D108BD9-81ED-4DB2-BD59-A6C34878D82A}">
+                    <a16:rowId xmlns:a16="http://schemas.microsoft.com/office/drawing/2014/main" val="10001"/>
+                  </a:ext>
+                </a:extLst>
+              </a:tr>
+              <a:tr h="0">
+                <a:tc>
+                  <a:txBody>
+                    <a:bodyPr/>
+                    <a:lstStyle/>
+                    <a:p>
+                      <a:pPr marL="342900" indent="-342900">
+                        <a:buFont typeface="Arial" panose="020B0604020202020204" pitchFamily="34" charset="0"/>
+                        <a:buChar char="•"/>
+                      </a:pPr>
+                      <a:endParaRPr lang="en-US" sz="2400" b="0" dirty="0"/>
+                    </a:p>
+                  </a:txBody>
+                  <a:tcPr anchor="ctr">
+                    <a:lnL>
+                      <a:noFill/>
+                    </a:lnL>
+                    <a:lnR>
+                      <a:noFill/>
+                    </a:lnR>
+                    <a:lnT>
+                      <a:noFill/>
+                    </a:lnT>
+                    <a:lnB>
+                      <a:noFill/>
+                    </a:lnB>
+                  </a:tcPr>
+                </a:tc>
+                <a:extLst>
+                  <a:ext uri="{0D108BD9-81ED-4DB2-BD59-A6C34878D82A}">
+                    <a16:rowId xmlns:a16="http://schemas.microsoft.com/office/drawing/2014/main" val="10002"/>
+                  </a:ext>
+                </a:extLst>
+              </a:tr>
+              <a:tr h="0">
+                <a:tc>
+                  <a:txBody>
+                    <a:bodyPr/>
+                    <a:lstStyle/>
+                    <a:p>
+                      <a:pPr marL="342900" indent="-342900">
+                        <a:buFont typeface="Arial" panose="020B0604020202020204" pitchFamily="34" charset="0"/>
+                        <a:buChar char="•"/>
+                      </a:pPr>
+                      <a:endParaRPr lang="en-US" sz="2400" b="0" dirty="0"/>
+                    </a:p>
+                  </a:txBody>
+                  <a:tcPr anchor="ctr">
+                    <a:lnL>
+                      <a:noFill/>
+                    </a:lnL>
+                    <a:lnR>
+                      <a:noFill/>
+                    </a:lnR>
+                    <a:lnT>
+                      <a:noFill/>
+                    </a:lnT>
+                    <a:lnB>
+                      <a:noFill/>
+                    </a:lnB>
+                  </a:tcPr>
+                </a:tc>
+                <a:extLst>
+                  <a:ext uri="{0D108BD9-81ED-4DB2-BD59-A6C34878D82A}">
+                    <a16:rowId xmlns:a16="http://schemas.microsoft.com/office/drawing/2014/main" val="10003"/>
+                  </a:ext>
+                </a:extLst>
+              </a:tr>
+            </a:tbl>
+          </a:graphicData>
+        </a:graphic>
+      </p:graphicFrame>
+    </p:spTree>
+  </p:cSld>
+  <p:clrMapOvr>
+    <a:masterClrMapping/>
+  </p:clrMapOvr>
+</p:sld>
+</file>
+
+<file path=ppt/slides/slide20.xml><?xml version="1.0" encoding="utf-8"?>
 <p:sld xmlns:a="http://schemas.openxmlformats.org/drawingml/2006/main" xmlns:r="http://schemas.openxmlformats.org/officeDocument/2006/relationships" xmlns:p="http://schemas.openxmlformats.org/presentationml/2006/main" show="0">
   <p:cSld>
     <p:spTree>
@@ -6109,7 +9277,7 @@
 </p:sld>
 </file>
 
-<file path=ppt/slides/slide14.xml><?xml version="1.0" encoding="utf-8"?>
+<file path=ppt/slides/slide21.xml><?xml version="1.0" encoding="utf-8"?>
 <p:sld xmlns:a="http://schemas.openxmlformats.org/drawingml/2006/main" xmlns:r="http://schemas.openxmlformats.org/officeDocument/2006/relationships" xmlns:p="http://schemas.openxmlformats.org/presentationml/2006/main" show="0">
   <p:cSld>
     <p:spTree>
@@ -6207,7 +9375,7 @@
 </p:sld>
 </file>
 
-<file path=ppt/slides/slide15.xml><?xml version="1.0" encoding="utf-8"?>
+<file path=ppt/slides/slide22.xml><?xml version="1.0" encoding="utf-8"?>
 <p:sld xmlns:a="http://schemas.openxmlformats.org/drawingml/2006/main" xmlns:r="http://schemas.openxmlformats.org/officeDocument/2006/relationships" xmlns:p="http://schemas.openxmlformats.org/presentationml/2006/main" show="0">
   <p:cSld>
     <p:spTree>
@@ -6621,7 +9789,7 @@
 </p:sld>
 </file>
 
-<file path=ppt/slides/slide16.xml><?xml version="1.0" encoding="utf-8"?>
+<file path=ppt/slides/slide23.xml><?xml version="1.0" encoding="utf-8"?>
 <p:sld xmlns:a="http://schemas.openxmlformats.org/drawingml/2006/main" xmlns:r="http://schemas.openxmlformats.org/officeDocument/2006/relationships" xmlns:p="http://schemas.openxmlformats.org/presentationml/2006/main" show="0">
   <p:cSld>
     <p:spTree>
@@ -7015,7 +10183,7 @@
 </p:sld>
 </file>
 
-<file path=ppt/slides/slide17.xml><?xml version="1.0" encoding="utf-8"?>
+<file path=ppt/slides/slide24.xml><?xml version="1.0" encoding="utf-8"?>
 <p:sld xmlns:a="http://schemas.openxmlformats.org/drawingml/2006/main" xmlns:r="http://schemas.openxmlformats.org/officeDocument/2006/relationships" xmlns:p="http://schemas.openxmlformats.org/presentationml/2006/main" show="0">
   <p:cSld>
     <p:spTree>
@@ -7338,7 +10506,7 @@
 </p:sld>
 </file>
 
-<file path=ppt/slides/slide18.xml><?xml version="1.0" encoding="utf-8"?>
+<file path=ppt/slides/slide25.xml><?xml version="1.0" encoding="utf-8"?>
 <p:sld xmlns:a="http://schemas.openxmlformats.org/drawingml/2006/main" xmlns:r="http://schemas.openxmlformats.org/officeDocument/2006/relationships" xmlns:p="http://schemas.openxmlformats.org/presentationml/2006/main" show="0">
   <p:cSld>
     <p:spTree>
@@ -7597,7 +10765,7 @@
 </p:sld>
 </file>
 
-<file path=ppt/slides/slide19.xml><?xml version="1.0" encoding="utf-8"?>
+<file path=ppt/slides/slide26.xml><?xml version="1.0" encoding="utf-8"?>
 <p:sld xmlns:a="http://schemas.openxmlformats.org/drawingml/2006/main" xmlns:r="http://schemas.openxmlformats.org/officeDocument/2006/relationships" xmlns:p="http://schemas.openxmlformats.org/presentationml/2006/main" show="0">
   <p:cSld>
     <p:spTree>
@@ -7826,342 +10994,7 @@
 </p:sld>
 </file>
 
-<file path=ppt/slides/slide2.xml><?xml version="1.0" encoding="utf-8"?>
-<p:sld xmlns:a="http://schemas.openxmlformats.org/drawingml/2006/main" xmlns:r="http://schemas.openxmlformats.org/officeDocument/2006/relationships" xmlns:p="http://schemas.openxmlformats.org/presentationml/2006/main">
-  <p:cSld>
-    <p:spTree>
-      <p:nvGrpSpPr>
-        <p:cNvPr id="1" name=""/>
-        <p:cNvGrpSpPr/>
-        <p:nvPr/>
-      </p:nvGrpSpPr>
-      <p:grpSpPr>
-        <a:xfrm>
-          <a:off x="0" y="0"/>
-          <a:ext cx="0" cy="0"/>
-          <a:chOff x="0" y="0"/>
-          <a:chExt cx="0" cy="0"/>
-        </a:xfrm>
-      </p:grpSpPr>
-      <p:sp>
-        <p:nvSpPr>
-          <p:cNvPr id="6146" name="Title 1"/>
-          <p:cNvSpPr>
-            <a:spLocks noGrp="1"/>
-          </p:cNvSpPr>
-          <p:nvPr>
-            <p:ph type="title"/>
-          </p:nvPr>
-        </p:nvSpPr>
-        <p:spPr>
-          <a:xfrm>
-            <a:off x="3927748" y="332656"/>
-            <a:ext cx="4184104" cy="792088"/>
-          </a:xfrm>
-        </p:spPr>
-        <p:txBody>
-          <a:bodyPr/>
-          <a:lstStyle/>
-          <a:p>
-            <a:r>
-              <a:rPr lang="en-US" dirty="0">
-                <a:latin typeface="Open Sans" pitchFamily="-84" charset="0"/>
-              </a:rPr>
-              <a:t>Outline</a:t>
-            </a:r>
-            <a:r>
-              <a:rPr lang="id-ID" dirty="0">
-                <a:latin typeface="Open Sans" pitchFamily="-84" charset="0"/>
-              </a:rPr>
-              <a:t> Materials</a:t>
-            </a:r>
-            <a:endParaRPr lang="en-US" dirty="0">
-              <a:latin typeface="Open Sans" pitchFamily="-84" charset="0"/>
-            </a:endParaRPr>
-          </a:p>
-        </p:txBody>
-      </p:sp>
-      <p:sp>
-        <p:nvSpPr>
-          <p:cNvPr id="6" name="Slide Number Placeholder 5"/>
-          <p:cNvSpPr>
-            <a:spLocks noGrp="1"/>
-          </p:cNvSpPr>
-          <p:nvPr>
-            <p:ph type="sldNum" sz="quarter" idx="16"/>
-          </p:nvPr>
-        </p:nvSpPr>
-        <p:spPr/>
-        <p:txBody>
-          <a:bodyPr/>
-          <a:lstStyle/>
-          <a:p>
-            <a:pPr>
-              <a:defRPr/>
-            </a:pPr>
-            <a:fld id="{5B1DAF22-B401-4A2C-8EC1-A5BB2AA7DEF7}" type="slidenum">
-              <a:rPr lang="id-ID" smtClean="0"/>
-              <a:pPr>
-                <a:defRPr/>
-              </a:pPr>
-              <a:t>2</a:t>
-            </a:fld>
-            <a:endParaRPr lang="id-ID"/>
-          </a:p>
-        </p:txBody>
-      </p:sp>
-      <p:sp>
-        <p:nvSpPr>
-          <p:cNvPr id="7" name="Footer Placeholder 6"/>
-          <p:cNvSpPr>
-            <a:spLocks noGrp="1"/>
-          </p:cNvSpPr>
-          <p:nvPr>
-            <p:ph type="ftr" sz="quarter" idx="15"/>
-          </p:nvPr>
-        </p:nvSpPr>
-        <p:spPr/>
-        <p:txBody>
-          <a:bodyPr/>
-          <a:lstStyle/>
-          <a:p>
-            <a:pPr>
-              <a:defRPr/>
-            </a:pPr>
-            <a:r>
-              <a:rPr lang="en-US"/>
-              <a:t>ISYS6197</a:t>
-            </a:r>
-            <a:endParaRPr lang="id-ID" dirty="0"/>
-          </a:p>
-        </p:txBody>
-      </p:sp>
-      <p:sp>
-        <p:nvSpPr>
-          <p:cNvPr id="8" name="Date Placeholder 7"/>
-          <p:cNvSpPr>
-            <a:spLocks noGrp="1"/>
-          </p:cNvSpPr>
-          <p:nvPr>
-            <p:ph type="dt" sz="half" idx="14"/>
-          </p:nvPr>
-        </p:nvSpPr>
-        <p:spPr/>
-        <p:txBody>
-          <a:bodyPr/>
-          <a:lstStyle/>
-          <a:p>
-            <a:pPr>
-              <a:defRPr/>
-            </a:pPr>
-            <a:r>
-              <a:rPr lang="en-US"/>
-              <a:t>Bina Nusantara University</a:t>
-            </a:r>
-            <a:endParaRPr lang="id-ID"/>
-          </a:p>
-        </p:txBody>
-      </p:sp>
-      <p:graphicFrame>
-        <p:nvGraphicFramePr>
-          <p:cNvPr id="3" name="Tabel 2"/>
-          <p:cNvGraphicFramePr>
-            <a:graphicFrameLocks noGrp="1"/>
-          </p:cNvGraphicFramePr>
-          <p:nvPr>
-            <p:extLst>
-              <p:ext uri="{D42A27DB-BD31-4B8C-83A1-F6EECF244321}">
-                <p14:modId xmlns:p14="http://schemas.microsoft.com/office/powerpoint/2010/main" val="1135491121"/>
-              </p:ext>
-            </p:extLst>
-          </p:nvPr>
-        </p:nvGraphicFramePr>
-        <p:xfrm>
-          <a:off x="1331640" y="1772816"/>
-          <a:ext cx="7067550" cy="1584960"/>
-        </p:xfrm>
-        <a:graphic>
-          <a:graphicData uri="http://schemas.openxmlformats.org/drawingml/2006/table">
-            <a:tbl>
-              <a:tblPr/>
-              <a:tblGrid>
-                <a:gridCol w="7067550">
-                  <a:extLst>
-                    <a:ext uri="{9D8B030D-6E8A-4147-A177-3AD203B41FA5}">
-                      <a16:colId xmlns:a16="http://schemas.microsoft.com/office/drawing/2014/main" val="20000"/>
-                    </a:ext>
-                  </a:extLst>
-                </a:gridCol>
-              </a:tblGrid>
-              <a:tr h="0">
-                <a:tc>
-                  <a:txBody>
-                    <a:bodyPr/>
-                    <a:lstStyle/>
-                    <a:p>
-                      <a:pPr marL="342900" indent="-342900">
-                        <a:buFont typeface="Arial" panose="020B0604020202020204" pitchFamily="34" charset="0"/>
-                        <a:buChar char="•"/>
-                      </a:pPr>
-                      <a:r>
-                        <a:rPr lang="en-US" sz="2000" kern="1200" dirty="0">
-                          <a:solidFill>
-                            <a:schemeClr val="tx1"/>
-                          </a:solidFill>
-                          <a:latin typeface="+mn-lt"/>
-                          <a:ea typeface="+mn-ea"/>
-                          <a:cs typeface="+mn-cs"/>
-                        </a:rPr>
-                        <a:t>Naïve String Matching Algorithm</a:t>
-                      </a:r>
-                    </a:p>
-                  </a:txBody>
-                  <a:tcPr anchor="ctr">
-                    <a:lnL>
-                      <a:noFill/>
-                    </a:lnL>
-                    <a:lnR>
-                      <a:noFill/>
-                    </a:lnR>
-                    <a:lnT>
-                      <a:noFill/>
-                    </a:lnT>
-                    <a:lnB>
-                      <a:noFill/>
-                    </a:lnB>
-                  </a:tcPr>
-                </a:tc>
-                <a:extLst>
-                  <a:ext uri="{0D108BD9-81ED-4DB2-BD59-A6C34878D82A}">
-                    <a16:rowId xmlns:a16="http://schemas.microsoft.com/office/drawing/2014/main" val="10000"/>
-                  </a:ext>
-                </a:extLst>
-              </a:tr>
-              <a:tr h="0">
-                <a:tc>
-                  <a:txBody>
-                    <a:bodyPr/>
-                    <a:lstStyle/>
-                    <a:p>
-                      <a:pPr marL="342900" indent="-342900" algn="l" defTabSz="914400" rtl="0" eaLnBrk="1" latinLnBrk="0" hangingPunct="1">
-                        <a:buFont typeface="Arial" panose="020B0604020202020204" pitchFamily="34" charset="0"/>
-                        <a:buChar char="•"/>
-                      </a:pPr>
-                      <a:r>
-                        <a:rPr lang="en-US" sz="2000" kern="1200" dirty="0">
-                          <a:solidFill>
-                            <a:schemeClr val="tx1"/>
-                          </a:solidFill>
-                          <a:latin typeface="+mn-lt"/>
-                          <a:ea typeface="+mn-ea"/>
-                          <a:cs typeface="+mn-cs"/>
-                        </a:rPr>
-                        <a:t>The Knuth-Morris-Pratt Algorithm</a:t>
-                      </a:r>
-                    </a:p>
-                  </a:txBody>
-                  <a:tcPr anchor="ctr">
-                    <a:lnL>
-                      <a:noFill/>
-                    </a:lnL>
-                    <a:lnR>
-                      <a:noFill/>
-                    </a:lnR>
-                    <a:lnT>
-                      <a:noFill/>
-                    </a:lnT>
-                    <a:lnB>
-                      <a:noFill/>
-                    </a:lnB>
-                  </a:tcPr>
-                </a:tc>
-                <a:extLst>
-                  <a:ext uri="{0D108BD9-81ED-4DB2-BD59-A6C34878D82A}">
-                    <a16:rowId xmlns:a16="http://schemas.microsoft.com/office/drawing/2014/main" val="10001"/>
-                  </a:ext>
-                </a:extLst>
-              </a:tr>
-              <a:tr h="0">
-                <a:tc>
-                  <a:txBody>
-                    <a:bodyPr/>
-                    <a:lstStyle/>
-                    <a:p>
-                      <a:pPr marL="342900" indent="-342900">
-                        <a:buFont typeface="Arial" panose="020B0604020202020204" pitchFamily="34" charset="0"/>
-                        <a:buChar char="•"/>
-                      </a:pPr>
-                      <a:endParaRPr lang="en-US" sz="2000" dirty="0"/>
-                    </a:p>
-                  </a:txBody>
-                  <a:tcPr anchor="ctr">
-                    <a:lnL>
-                      <a:noFill/>
-                    </a:lnL>
-                    <a:lnR>
-                      <a:noFill/>
-                    </a:lnR>
-                    <a:lnT>
-                      <a:noFill/>
-                    </a:lnT>
-                    <a:lnB>
-                      <a:noFill/>
-                    </a:lnB>
-                  </a:tcPr>
-                </a:tc>
-                <a:extLst>
-                  <a:ext uri="{0D108BD9-81ED-4DB2-BD59-A6C34878D82A}">
-                    <a16:rowId xmlns:a16="http://schemas.microsoft.com/office/drawing/2014/main" val="10002"/>
-                  </a:ext>
-                </a:extLst>
-              </a:tr>
-              <a:tr h="0">
-                <a:tc>
-                  <a:txBody>
-                    <a:bodyPr/>
-                    <a:lstStyle/>
-                    <a:p>
-                      <a:pPr marL="342900" indent="-342900">
-                        <a:buFont typeface="Arial" panose="020B0604020202020204" pitchFamily="34" charset="0"/>
-                        <a:buChar char="•"/>
-                      </a:pPr>
-                      <a:endParaRPr lang="en-US" sz="2000" dirty="0"/>
-                    </a:p>
-                  </a:txBody>
-                  <a:tcPr anchor="ctr">
-                    <a:lnL>
-                      <a:noFill/>
-                    </a:lnL>
-                    <a:lnR>
-                      <a:noFill/>
-                    </a:lnR>
-                    <a:lnT>
-                      <a:noFill/>
-                    </a:lnT>
-                    <a:lnB>
-                      <a:noFill/>
-                    </a:lnB>
-                  </a:tcPr>
-                </a:tc>
-                <a:extLst>
-                  <a:ext uri="{0D108BD9-81ED-4DB2-BD59-A6C34878D82A}">
-                    <a16:rowId xmlns:a16="http://schemas.microsoft.com/office/drawing/2014/main" val="10003"/>
-                  </a:ext>
-                </a:extLst>
-              </a:tr>
-            </a:tbl>
-          </a:graphicData>
-        </a:graphic>
-      </p:graphicFrame>
-    </p:spTree>
-  </p:cSld>
-  <p:clrMapOvr>
-    <a:masterClrMapping/>
-  </p:clrMapOvr>
-</p:sld>
-</file>
-
-<file path=ppt/slides/slide20.xml><?xml version="1.0" encoding="utf-8"?>
+<file path=ppt/slides/slide27.xml><?xml version="1.0" encoding="utf-8"?>
 <p:sld xmlns:a="http://schemas.openxmlformats.org/drawingml/2006/main" xmlns:r="http://schemas.openxmlformats.org/officeDocument/2006/relationships" xmlns:p="http://schemas.openxmlformats.org/presentationml/2006/main">
   <p:cSld>
     <p:spTree>
@@ -8294,7 +11127,7 @@
 </p:sld>
 </file>
 
-<file path=ppt/slides/slide21.xml><?xml version="1.0" encoding="utf-8"?>
+<file path=ppt/slides/slide28.xml><?xml version="1.0" encoding="utf-8"?>
 <p:sld xmlns:a="http://schemas.openxmlformats.org/drawingml/2006/main" xmlns:r="http://schemas.openxmlformats.org/officeDocument/2006/relationships" xmlns:p="http://schemas.openxmlformats.org/presentationml/2006/main">
   <p:cSld>
     <p:spTree>
@@ -8427,7 +11260,7 @@
 </p:sld>
 </file>
 
-<file path=ppt/slides/slide22.xml><?xml version="1.0" encoding="utf-8"?>
+<file path=ppt/slides/slide29.xml><?xml version="1.0" encoding="utf-8"?>
 <p:sld xmlns:a="http://schemas.openxmlformats.org/drawingml/2006/main" xmlns:r="http://schemas.openxmlformats.org/officeDocument/2006/relationships" xmlns:p="http://schemas.openxmlformats.org/presentationml/2006/main" show="0">
   <p:cSld>
     <p:spTree>
@@ -8558,253 +11391,6 @@
     <p:extLst>
       <p:ext uri="{BB962C8B-B14F-4D97-AF65-F5344CB8AC3E}">
         <p14:creationId xmlns:p14="http://schemas.microsoft.com/office/powerpoint/2010/main" val="2080466458"/>
-      </p:ext>
-    </p:extLst>
-  </p:cSld>
-  <p:clrMapOvr>
-    <a:masterClrMapping/>
-  </p:clrMapOvr>
-</p:sld>
-</file>
-
-<file path=ppt/slides/slide23.xml><?xml version="1.0" encoding="utf-8"?>
-<p:sld xmlns:a="http://schemas.openxmlformats.org/drawingml/2006/main" xmlns:r="http://schemas.openxmlformats.org/officeDocument/2006/relationships" xmlns:p="http://schemas.openxmlformats.org/presentationml/2006/main">
-  <p:cSld>
-    <p:spTree>
-      <p:nvGrpSpPr>
-        <p:cNvPr id="1" name=""/>
-        <p:cNvGrpSpPr/>
-        <p:nvPr/>
-      </p:nvGrpSpPr>
-      <p:grpSpPr>
-        <a:xfrm>
-          <a:off x="0" y="0"/>
-          <a:ext cx="0" cy="0"/>
-          <a:chOff x="0" y="0"/>
-          <a:chExt cx="0" cy="0"/>
-        </a:xfrm>
-      </p:grpSpPr>
-      <p:sp>
-        <p:nvSpPr>
-          <p:cNvPr id="5" name="Title 4"/>
-          <p:cNvSpPr>
-            <a:spLocks noGrp="1"/>
-          </p:cNvSpPr>
-          <p:nvPr>
-            <p:ph type="title"/>
-          </p:nvPr>
-        </p:nvSpPr>
-        <p:spPr/>
-        <p:txBody>
-          <a:bodyPr/>
-          <a:lstStyle/>
-          <a:p>
-            <a:r>
-              <a:rPr lang="en-US" dirty="0"/>
-              <a:t>Q &amp; A</a:t>
-            </a:r>
-            <a:endParaRPr lang="id-ID" dirty="0"/>
-          </a:p>
-        </p:txBody>
-      </p:sp>
-    </p:spTree>
-    <p:extLst>
-      <p:ext uri="{BB962C8B-B14F-4D97-AF65-F5344CB8AC3E}">
-        <p14:creationId xmlns:p14="http://schemas.microsoft.com/office/powerpoint/2010/main" val="758115797"/>
-      </p:ext>
-    </p:extLst>
-  </p:cSld>
-  <p:clrMapOvr>
-    <a:masterClrMapping/>
-  </p:clrMapOvr>
-</p:sld>
-</file>
-
-<file path=ppt/slides/slide24.xml><?xml version="1.0" encoding="utf-8"?>
-<p:sld xmlns:a="http://schemas.openxmlformats.org/drawingml/2006/main" xmlns:r="http://schemas.openxmlformats.org/officeDocument/2006/relationships" xmlns:p="http://schemas.openxmlformats.org/presentationml/2006/main">
-  <p:cSld>
-    <p:spTree>
-      <p:nvGrpSpPr>
-        <p:cNvPr id="1" name=""/>
-        <p:cNvGrpSpPr/>
-        <p:nvPr/>
-      </p:nvGrpSpPr>
-      <p:grpSpPr>
-        <a:xfrm>
-          <a:off x="0" y="0"/>
-          <a:ext cx="0" cy="0"/>
-          <a:chOff x="0" y="0"/>
-          <a:chExt cx="0" cy="0"/>
-        </a:xfrm>
-      </p:grpSpPr>
-      <p:sp>
-        <p:nvSpPr>
-          <p:cNvPr id="2" name="Title 1"/>
-          <p:cNvSpPr>
-            <a:spLocks noGrp="1"/>
-          </p:cNvSpPr>
-          <p:nvPr>
-            <p:ph type="title"/>
-          </p:nvPr>
-        </p:nvSpPr>
-        <p:spPr>
-          <a:xfrm>
-            <a:off x="3203848" y="188640"/>
-            <a:ext cx="6768752" cy="802010"/>
-          </a:xfrm>
-        </p:spPr>
-        <p:txBody>
-          <a:bodyPr/>
-          <a:lstStyle/>
-          <a:p>
-            <a:r>
-              <a:rPr lang="en-US" dirty="0"/>
-              <a:t>References</a:t>
-            </a:r>
-            <a:endParaRPr lang="id-ID" dirty="0"/>
-          </a:p>
-        </p:txBody>
-      </p:sp>
-      <p:sp>
-        <p:nvSpPr>
-          <p:cNvPr id="3" name="Content Placeholder 2"/>
-          <p:cNvSpPr>
-            <a:spLocks noGrp="1"/>
-          </p:cNvSpPr>
-          <p:nvPr>
-            <p:ph idx="1"/>
-          </p:nvPr>
-        </p:nvSpPr>
-        <p:spPr>
-          <a:xfrm>
-            <a:off x="1907704" y="2564904"/>
-            <a:ext cx="6779096" cy="3672408"/>
-          </a:xfrm>
-        </p:spPr>
-        <p:txBody>
-          <a:bodyPr>
-            <a:normAutofit/>
-          </a:bodyPr>
-          <a:lstStyle/>
-          <a:p>
-            <a:r>
-              <a:rPr lang="en-US" sz="1800" dirty="0"/>
-              <a:t>S. Sridhar. 2014. Design and Analysis of Algorithms, 1/e. Oxford University Press. India. </a:t>
-            </a:r>
-            <a:r>
-              <a:rPr lang="fr-FR" sz="1800" dirty="0" err="1"/>
-              <a:t>Chapter</a:t>
-            </a:r>
-            <a:r>
-              <a:rPr lang="fr-FR" sz="1800" dirty="0"/>
-              <a:t> </a:t>
-            </a:r>
-            <a:r>
-              <a:rPr lang="en-US" sz="1800" dirty="0"/>
-              <a:t>16</a:t>
-            </a:r>
-            <a:endParaRPr lang="id-ID" sz="1800" dirty="0"/>
-          </a:p>
-          <a:p>
-            <a:r>
-              <a:rPr lang="en-US" sz="1800" dirty="0"/>
-              <a:t>String</a:t>
-            </a:r>
-          </a:p>
-          <a:p>
-            <a:pPr marL="400050" lvl="1" indent="0">
-              <a:buNone/>
-            </a:pPr>
-            <a:r>
-              <a:rPr lang="en-US" sz="1800" dirty="0"/>
-              <a:t>http://algo.is/aflv16/aflv_11_strings.pdf</a:t>
-            </a:r>
-            <a:endParaRPr lang="id-ID" sz="1800" dirty="0"/>
-          </a:p>
-          <a:p>
-            <a:r>
-              <a:rPr lang="en-US" sz="1800" dirty="0"/>
-              <a:t>String Algorithm</a:t>
-            </a:r>
-          </a:p>
-          <a:p>
-            <a:pPr marL="400050" lvl="2" indent="0">
-              <a:buNone/>
-            </a:pPr>
-            <a:r>
-              <a:rPr lang="en-US" sz="1800" dirty="0"/>
-              <a:t>http://whocouldthat.be/visualizing-string-matching/</a:t>
-            </a:r>
-          </a:p>
-          <a:p>
-            <a:r>
-              <a:rPr lang="en-US" sz="1800" dirty="0"/>
-              <a:t>Knuth-Morris-Pratt String Search</a:t>
-            </a:r>
-          </a:p>
-          <a:p>
-            <a:pPr marL="400050" lvl="1" indent="0">
-              <a:buNone/>
-            </a:pPr>
-            <a:r>
-              <a:rPr lang="en-US" sz="1800" dirty="0"/>
-              <a:t>http://people.ok.ubc.ca/ylucet/DS/KnuthMorrisPratt.html</a:t>
-            </a:r>
-          </a:p>
-        </p:txBody>
-      </p:sp>
-    </p:spTree>
-  </p:cSld>
-  <p:clrMapOvr>
-    <a:masterClrMapping/>
-  </p:clrMapOvr>
-</p:sld>
-</file>
-
-<file path=ppt/slides/slide25.xml><?xml version="1.0" encoding="utf-8"?>
-<p:sld xmlns:a="http://schemas.openxmlformats.org/drawingml/2006/main" xmlns:r="http://schemas.openxmlformats.org/officeDocument/2006/relationships" xmlns:p="http://schemas.openxmlformats.org/presentationml/2006/main">
-  <p:cSld>
-    <p:spTree>
-      <p:nvGrpSpPr>
-        <p:cNvPr id="1" name=""/>
-        <p:cNvGrpSpPr/>
-        <p:nvPr/>
-      </p:nvGrpSpPr>
-      <p:grpSpPr>
-        <a:xfrm>
-          <a:off x="0" y="0"/>
-          <a:ext cx="0" cy="0"/>
-          <a:chOff x="0" y="0"/>
-          <a:chExt cx="0" cy="0"/>
-        </a:xfrm>
-      </p:grpSpPr>
-      <p:sp>
-        <p:nvSpPr>
-          <p:cNvPr id="5" name="Title 4"/>
-          <p:cNvSpPr>
-            <a:spLocks noGrp="1"/>
-          </p:cNvSpPr>
-          <p:nvPr>
-            <p:ph type="title"/>
-          </p:nvPr>
-        </p:nvSpPr>
-        <p:spPr/>
-        <p:txBody>
-          <a:bodyPr/>
-          <a:lstStyle/>
-          <a:p>
-            <a:r>
-              <a:rPr lang="en-US" dirty="0"/>
-              <a:t>THANK YOU</a:t>
-            </a:r>
-            <a:endParaRPr lang="id-ID" dirty="0"/>
-          </a:p>
-        </p:txBody>
-      </p:sp>
-    </p:spTree>
-    <p:extLst>
-      <p:ext uri="{BB962C8B-B14F-4D97-AF65-F5344CB8AC3E}">
-        <p14:creationId xmlns:p14="http://schemas.microsoft.com/office/powerpoint/2010/main" val="758115797"/>
       </p:ext>
     </p:extLst>
   </p:cSld>
@@ -8898,55 +11484,359 @@
         </p:nvSpPr>
         <p:spPr>
           <a:xfrm>
-            <a:off x="1619672" y="2420888"/>
-            <a:ext cx="7067128" cy="3705275"/>
+            <a:off x="1187624" y="1628800"/>
+            <a:ext cx="7632848" cy="4824536"/>
           </a:xfrm>
         </p:spPr>
         <p:txBody>
+          <a:bodyPr>
+            <a:normAutofit fontScale="92500" lnSpcReduction="20000"/>
+          </a:bodyPr>
+          <a:lstStyle/>
+          <a:p>
+            <a:pPr algn="just"/>
+            <a:r>
+              <a:rPr lang="en-US" sz="2400" b="1" dirty="0"/>
+              <a:t>String are constructed from a set of zero or more characters</a:t>
+            </a:r>
+          </a:p>
+          <a:p>
+            <a:pPr lvl="1" algn="just"/>
+            <a:r>
+              <a:rPr lang="en-US" sz="2400" dirty="0"/>
+              <a:t>“I think, therefore I am.”</a:t>
+            </a:r>
+          </a:p>
+          <a:p>
+            <a:pPr lvl="1" algn="just"/>
+            <a:r>
+              <a:rPr lang="en-US" sz="2400" dirty="0"/>
+              <a:t>“Practice makes perfect!”</a:t>
+            </a:r>
+          </a:p>
+          <a:p>
+            <a:pPr marL="457200" lvl="1" indent="0" algn="just">
+              <a:buNone/>
+            </a:pPr>
+            <a:endParaRPr lang="en-US" sz="2400" dirty="0"/>
+          </a:p>
+          <a:p>
+            <a:pPr algn="just"/>
+            <a:r>
+              <a:rPr lang="en-US" sz="2400" b="1" dirty="0"/>
+              <a:t>A character can be a letter or symbol</a:t>
+            </a:r>
+          </a:p>
+          <a:p>
+            <a:pPr lvl="1" algn="just"/>
+            <a:r>
+              <a:rPr lang="en-US" sz="2400" dirty="0"/>
+              <a:t>“5” </a:t>
+            </a:r>
+            <a:r>
+              <a:rPr lang="en-US" sz="2400" dirty="0">
+                <a:sym typeface="Wingdings" panose="05000000000000000000" pitchFamily="2" charset="2"/>
+              </a:rPr>
+              <a:t> letter</a:t>
+            </a:r>
+          </a:p>
+          <a:p>
+            <a:pPr lvl="1" algn="just"/>
+            <a:r>
+              <a:rPr lang="en-US" sz="2400" dirty="0"/>
+              <a:t>“!” </a:t>
+            </a:r>
+            <a:r>
+              <a:rPr lang="en-US" sz="2400" dirty="0">
+                <a:sym typeface="Wingdings" panose="05000000000000000000" pitchFamily="2" charset="2"/>
+              </a:rPr>
+              <a:t> symbol</a:t>
+            </a:r>
+          </a:p>
+          <a:p>
+            <a:pPr marL="457200" lvl="1" indent="0" algn="just">
+              <a:buNone/>
+            </a:pPr>
+            <a:endParaRPr lang="en-US" sz="2400" dirty="0"/>
+          </a:p>
+          <a:p>
+            <a:pPr algn="just"/>
+            <a:r>
+              <a:rPr lang="en-US" sz="2400" b="1" dirty="0"/>
+              <a:t>Some of applications that involve string processing are:</a:t>
+            </a:r>
+          </a:p>
+          <a:p>
+            <a:pPr lvl="1" algn="just"/>
+            <a:r>
+              <a:rPr lang="en-US" sz="2400" dirty="0"/>
+              <a:t>Text Editing</a:t>
+            </a:r>
+          </a:p>
+          <a:p>
+            <a:pPr lvl="1" algn="just"/>
+            <a:r>
+              <a:rPr lang="en-US" sz="2400" dirty="0"/>
+              <a:t>Spell Checking</a:t>
+            </a:r>
+          </a:p>
+          <a:p>
+            <a:pPr lvl="1" algn="just"/>
+            <a:r>
+              <a:rPr lang="en-US" sz="2400" dirty="0"/>
+              <a:t>Similarity Checking</a:t>
+            </a:r>
+          </a:p>
+        </p:txBody>
+      </p:sp>
+    </p:spTree>
+  </p:cSld>
+  <p:clrMapOvr>
+    <a:masterClrMapping/>
+  </p:clrMapOvr>
+</p:sld>
+</file>
+
+<file path=ppt/slides/slide30.xml><?xml version="1.0" encoding="utf-8"?>
+<p:sld xmlns:a="http://schemas.openxmlformats.org/drawingml/2006/main" xmlns:r="http://schemas.openxmlformats.org/officeDocument/2006/relationships" xmlns:p="http://schemas.openxmlformats.org/presentationml/2006/main">
+  <p:cSld>
+    <p:spTree>
+      <p:nvGrpSpPr>
+        <p:cNvPr id="1" name=""/>
+        <p:cNvGrpSpPr/>
+        <p:nvPr/>
+      </p:nvGrpSpPr>
+      <p:grpSpPr>
+        <a:xfrm>
+          <a:off x="0" y="0"/>
+          <a:ext cx="0" cy="0"/>
+          <a:chOff x="0" y="0"/>
+          <a:chExt cx="0" cy="0"/>
+        </a:xfrm>
+      </p:grpSpPr>
+      <p:sp>
+        <p:nvSpPr>
+          <p:cNvPr id="5" name="Title 4"/>
+          <p:cNvSpPr>
+            <a:spLocks noGrp="1"/>
+          </p:cNvSpPr>
+          <p:nvPr>
+            <p:ph type="title"/>
+          </p:nvPr>
+        </p:nvSpPr>
+        <p:spPr/>
+        <p:txBody>
           <a:bodyPr/>
           <a:lstStyle/>
           <a:p>
             <a:r>
               <a:rPr lang="en-US" dirty="0"/>
-              <a:t>String are constructed from a set of zero or more characters</a:t>
-            </a:r>
-          </a:p>
+              <a:t>Q &amp; A</a:t>
+            </a:r>
+            <a:endParaRPr lang="id-ID" dirty="0"/>
+          </a:p>
+        </p:txBody>
+      </p:sp>
+    </p:spTree>
+    <p:extLst>
+      <p:ext uri="{BB962C8B-B14F-4D97-AF65-F5344CB8AC3E}">
+        <p14:creationId xmlns:p14="http://schemas.microsoft.com/office/powerpoint/2010/main" val="758115797"/>
+      </p:ext>
+    </p:extLst>
+  </p:cSld>
+  <p:clrMapOvr>
+    <a:masterClrMapping/>
+  </p:clrMapOvr>
+</p:sld>
+</file>
+
+<file path=ppt/slides/slide31.xml><?xml version="1.0" encoding="utf-8"?>
+<p:sld xmlns:a="http://schemas.openxmlformats.org/drawingml/2006/main" xmlns:r="http://schemas.openxmlformats.org/officeDocument/2006/relationships" xmlns:p="http://schemas.openxmlformats.org/presentationml/2006/main">
+  <p:cSld>
+    <p:spTree>
+      <p:nvGrpSpPr>
+        <p:cNvPr id="1" name=""/>
+        <p:cNvGrpSpPr/>
+        <p:nvPr/>
+      </p:nvGrpSpPr>
+      <p:grpSpPr>
+        <a:xfrm>
+          <a:off x="0" y="0"/>
+          <a:ext cx="0" cy="0"/>
+          <a:chOff x="0" y="0"/>
+          <a:chExt cx="0" cy="0"/>
+        </a:xfrm>
+      </p:grpSpPr>
+      <p:sp>
+        <p:nvSpPr>
+          <p:cNvPr id="2" name="Title 1"/>
+          <p:cNvSpPr>
+            <a:spLocks noGrp="1"/>
+          </p:cNvSpPr>
+          <p:nvPr>
+            <p:ph type="title"/>
+          </p:nvPr>
+        </p:nvSpPr>
+        <p:spPr>
+          <a:xfrm>
+            <a:off x="3203848" y="188640"/>
+            <a:ext cx="6768752" cy="802010"/>
+          </a:xfrm>
+        </p:spPr>
+        <p:txBody>
+          <a:bodyPr/>
+          <a:lstStyle/>
           <a:p>
             <a:r>
               <a:rPr lang="en-US" dirty="0"/>
-              <a:t>A character can be a letter or symbol</a:t>
-            </a:r>
-          </a:p>
+              <a:t>References</a:t>
+            </a:r>
+            <a:endParaRPr lang="id-ID" dirty="0"/>
+          </a:p>
+        </p:txBody>
+      </p:sp>
+      <p:sp>
+        <p:nvSpPr>
+          <p:cNvPr id="3" name="Content Placeholder 2"/>
+          <p:cNvSpPr>
+            <a:spLocks noGrp="1"/>
+          </p:cNvSpPr>
+          <p:nvPr>
+            <p:ph idx="1"/>
+          </p:nvPr>
+        </p:nvSpPr>
+        <p:spPr>
+          <a:xfrm>
+            <a:off x="1907704" y="2564904"/>
+            <a:ext cx="6779096" cy="3672408"/>
+          </a:xfrm>
+        </p:spPr>
+        <p:txBody>
+          <a:bodyPr>
+            <a:normAutofit/>
+          </a:bodyPr>
+          <a:lstStyle/>
+          <a:p>
+            <a:r>
+              <a:rPr lang="en-US" sz="1800" dirty="0"/>
+              <a:t>S. Sridhar. 2014. Design and Analysis of Algorithms, 1/e. Oxford University Press. India. </a:t>
+            </a:r>
+            <a:r>
+              <a:rPr lang="fr-FR" sz="1800" dirty="0" err="1"/>
+              <a:t>Chapter</a:t>
+            </a:r>
+            <a:r>
+              <a:rPr lang="fr-FR" sz="1800" dirty="0"/>
+              <a:t> </a:t>
+            </a:r>
+            <a:r>
+              <a:rPr lang="en-US" sz="1800" dirty="0"/>
+              <a:t>16</a:t>
+            </a:r>
+            <a:endParaRPr lang="id-ID" sz="1800" dirty="0"/>
+          </a:p>
+          <a:p>
+            <a:r>
+              <a:rPr lang="en-US" sz="1800" dirty="0"/>
+              <a:t>String</a:t>
+            </a:r>
+          </a:p>
+          <a:p>
+            <a:pPr marL="400050" lvl="1" indent="0">
+              <a:buNone/>
+            </a:pPr>
+            <a:r>
+              <a:rPr lang="en-US" sz="1800" dirty="0"/>
+              <a:t>http://algo.is/aflv16/aflv_11_strings.pdf</a:t>
+            </a:r>
+            <a:endParaRPr lang="id-ID" sz="1800" dirty="0"/>
+          </a:p>
+          <a:p>
+            <a:r>
+              <a:rPr lang="en-US" sz="1800" dirty="0"/>
+              <a:t>String Algorithm</a:t>
+            </a:r>
+          </a:p>
+          <a:p>
+            <a:pPr marL="400050" lvl="2" indent="0">
+              <a:buNone/>
+            </a:pPr>
+            <a:r>
+              <a:rPr lang="en-US" sz="1800" dirty="0"/>
+              <a:t>http://whocouldthat.be/visualizing-string-matching/</a:t>
+            </a:r>
+          </a:p>
+          <a:p>
+            <a:r>
+              <a:rPr lang="en-US" sz="1800" dirty="0"/>
+              <a:t>Knuth-Morris-Pratt String Search</a:t>
+            </a:r>
+          </a:p>
+          <a:p>
+            <a:pPr marL="400050" lvl="1" indent="0">
+              <a:buNone/>
+            </a:pPr>
+            <a:r>
+              <a:rPr lang="en-US" sz="1800" dirty="0"/>
+              <a:t>http://people.ok.ubc.ca/ylucet/DS/KnuthMorrisPratt.html</a:t>
+            </a:r>
+          </a:p>
+        </p:txBody>
+      </p:sp>
+    </p:spTree>
+  </p:cSld>
+  <p:clrMapOvr>
+    <a:masterClrMapping/>
+  </p:clrMapOvr>
+</p:sld>
+</file>
+
+<file path=ppt/slides/slide32.xml><?xml version="1.0" encoding="utf-8"?>
+<p:sld xmlns:a="http://schemas.openxmlformats.org/drawingml/2006/main" xmlns:r="http://schemas.openxmlformats.org/officeDocument/2006/relationships" xmlns:p="http://schemas.openxmlformats.org/presentationml/2006/main">
+  <p:cSld>
+    <p:spTree>
+      <p:nvGrpSpPr>
+        <p:cNvPr id="1" name=""/>
+        <p:cNvGrpSpPr/>
+        <p:nvPr/>
+      </p:nvGrpSpPr>
+      <p:grpSpPr>
+        <a:xfrm>
+          <a:off x="0" y="0"/>
+          <a:ext cx="0" cy="0"/>
+          <a:chOff x="0" y="0"/>
+          <a:chExt cx="0" cy="0"/>
+        </a:xfrm>
+      </p:grpSpPr>
+      <p:sp>
+        <p:nvSpPr>
+          <p:cNvPr id="5" name="Title 4"/>
+          <p:cNvSpPr>
+            <a:spLocks noGrp="1"/>
+          </p:cNvSpPr>
+          <p:nvPr>
+            <p:ph type="title"/>
+          </p:nvPr>
+        </p:nvSpPr>
+        <p:spPr/>
+        <p:txBody>
+          <a:bodyPr/>
+          <a:lstStyle/>
           <a:p>
             <a:r>
               <a:rPr lang="en-US" dirty="0"/>
-              <a:t>Some of applications that involve string processing are ;</a:t>
-            </a:r>
-          </a:p>
-          <a:p>
-            <a:pPr lvl="1"/>
-            <a:r>
-              <a:rPr lang="en-US" dirty="0"/>
-              <a:t>Text Editing</a:t>
-            </a:r>
-          </a:p>
-          <a:p>
-            <a:pPr lvl="1"/>
-            <a:r>
-              <a:rPr lang="en-US" dirty="0"/>
-              <a:t>Spell Checking</a:t>
-            </a:r>
-          </a:p>
-          <a:p>
-            <a:pPr lvl="1"/>
-            <a:r>
-              <a:rPr lang="en-US" dirty="0"/>
-              <a:t>Similarity Checking</a:t>
-            </a:r>
+              <a:t>THANK YOU</a:t>
+            </a:r>
+            <a:endParaRPr lang="id-ID" dirty="0"/>
           </a:p>
         </p:txBody>
       </p:sp>
     </p:spTree>
+    <p:extLst>
+      <p:ext uri="{BB962C8B-B14F-4D97-AF65-F5344CB8AC3E}">
+        <p14:creationId xmlns:p14="http://schemas.microsoft.com/office/powerpoint/2010/main" val="758115797"/>
+      </p:ext>
+    </p:extLst>
   </p:cSld>
   <p:clrMapOvr>
     <a:masterClrMapping/>
@@ -8973,116 +11863,202 @@
       </p:grpSpPr>
       <p:sp>
         <p:nvSpPr>
-          <p:cNvPr id="2" name="Title 1"/>
+          <p:cNvPr id="3074" name="Date Placeholder 3"/>
           <p:cNvSpPr>
             <a:spLocks noGrp="1"/>
           </p:cNvSpPr>
           <p:nvPr>
-            <p:ph type="title"/>
-          </p:nvPr>
-        </p:nvSpPr>
-        <p:spPr/>
+            <p:ph type="dt" sz="quarter" idx="10"/>
+          </p:nvPr>
+        </p:nvSpPr>
+        <p:spPr>
+          <a:noFill/>
+        </p:spPr>
         <p:txBody>
           <a:bodyPr/>
           <a:lstStyle/>
           <a:p>
             <a:r>
-              <a:rPr lang="id-ID" dirty="0"/>
-              <a:t>String Terminology</a:t>
-            </a:r>
-            <a:endParaRPr lang="en-US" dirty="0"/>
-          </a:p>
-        </p:txBody>
-      </p:sp>
-      <p:sp>
-        <p:nvSpPr>
-          <p:cNvPr id="3" name="Content Placeholder 2"/>
-          <p:cNvSpPr>
-            <a:spLocks noGrp="1"/>
-          </p:cNvSpPr>
-          <p:nvPr>
-            <p:ph idx="1"/>
-          </p:nvPr>
-        </p:nvSpPr>
-        <p:spPr/>
-        <p:txBody>
-          <a:bodyPr/>
+              <a:rPr lang="en-US">
+                <a:latin typeface="Interstate"/>
+              </a:rPr>
+              <a:t>Bina Nusantara</a:t>
+            </a:r>
+          </a:p>
+        </p:txBody>
+      </p:sp>
+      <p:sp>
+        <p:nvSpPr>
+          <p:cNvPr id="3075" name="Rectangle 2"/>
+          <p:cNvSpPr>
+            <a:spLocks noGrp="1" noChangeArrowheads="1"/>
+          </p:cNvSpPr>
+          <p:nvPr>
+            <p:ph type="title"/>
+          </p:nvPr>
+        </p:nvSpPr>
+        <p:spPr>
+          <a:xfrm>
+            <a:off x="3059832" y="404664"/>
+            <a:ext cx="5832648" cy="1008112"/>
+          </a:xfrm>
+        </p:spPr>
+        <p:txBody>
+          <a:bodyPr>
+            <a:normAutofit/>
+          </a:bodyPr>
           <a:lstStyle/>
           <a:p>
-            <a:r>
-              <a:rPr lang="en-US" altLang="en-US" dirty="0"/>
-              <a:t>Length :  the number of characters in a string.</a:t>
-            </a:r>
-          </a:p>
-          <a:p>
-            <a:r>
-              <a:rPr lang="en-US" altLang="en-US" dirty="0"/>
-              <a:t>Null String : A string of length 0. It is also known empty string</a:t>
-            </a:r>
-          </a:p>
-          <a:p>
-            <a:r>
-              <a:rPr lang="en-US" altLang="en-US" dirty="0"/>
-              <a:t>Suffix : any substring of the string which start from the end of the string. Example : banana, the suffixes are a, </a:t>
-            </a:r>
-            <a:r>
-              <a:rPr lang="en-US" altLang="en-US" dirty="0" err="1"/>
-              <a:t>na</a:t>
-            </a:r>
-            <a:r>
-              <a:rPr lang="en-US" altLang="en-US" dirty="0"/>
-              <a:t>, nana, </a:t>
-            </a:r>
-            <a:r>
-              <a:rPr lang="en-US" altLang="en-US" dirty="0" err="1"/>
-              <a:t>anana</a:t>
-            </a:r>
-            <a:r>
-              <a:rPr lang="id-ID" altLang="en-US" dirty="0"/>
-              <a:t>, banana</a:t>
-            </a:r>
-            <a:endParaRPr lang="en-US" altLang="en-US" dirty="0"/>
-          </a:p>
-          <a:p>
-            <a:r>
-              <a:rPr lang="en-US" altLang="en-US" dirty="0"/>
-              <a:t>Prefix : any substring of the string which start from the beginning of the string. Example : banana, the prefixes are b, </a:t>
-            </a:r>
-            <a:r>
-              <a:rPr lang="en-US" altLang="en-US" dirty="0" err="1"/>
-              <a:t>ba</a:t>
-            </a:r>
-            <a:r>
-              <a:rPr lang="en-US" altLang="en-US" dirty="0"/>
-              <a:t>, ban, </a:t>
-            </a:r>
-            <a:r>
-              <a:rPr lang="en-US" altLang="en-US" dirty="0" err="1"/>
-              <a:t>bana</a:t>
-            </a:r>
-            <a:r>
-              <a:rPr lang="en-US" altLang="en-US" dirty="0"/>
-              <a:t>, </a:t>
-            </a:r>
-            <a:r>
-              <a:rPr lang="en-US" altLang="en-US" dirty="0" err="1"/>
-              <a:t>banan</a:t>
-            </a:r>
-            <a:r>
-              <a:rPr lang="id-ID" altLang="en-US" dirty="0"/>
-              <a:t>, banana</a:t>
-            </a:r>
-            <a:endParaRPr lang="en-US" altLang="en-US" dirty="0"/>
-          </a:p>
-          <a:p>
-            <a:endParaRPr lang="en-US" dirty="0"/>
+            <a:pPr eaLnBrk="1" hangingPunct="1"/>
+            <a:r>
+              <a:rPr lang="id-ID" sz="2800" dirty="0"/>
+              <a:t>String Processing</a:t>
+            </a:r>
+            <a:r>
+              <a:rPr lang="en-US" sz="2800" dirty="0"/>
+              <a:t> Applications (1)</a:t>
+            </a:r>
+          </a:p>
+        </p:txBody>
+      </p:sp>
+      <p:pic>
+        <p:nvPicPr>
+          <p:cNvPr id="8" name="Picture 7">
+            <a:extLst>
+              <a:ext uri="{FF2B5EF4-FFF2-40B4-BE49-F238E27FC236}">
+                <a16:creationId xmlns:a16="http://schemas.microsoft.com/office/drawing/2014/main" id="{D8237878-1DD8-DAC1-DE0A-9780B8D8D122}"/>
+              </a:ext>
+            </a:extLst>
+          </p:cNvPr>
+          <p:cNvPicPr>
+            <a:picLocks noChangeAspect="1"/>
+          </p:cNvPicPr>
+          <p:nvPr/>
+        </p:nvPicPr>
+        <p:blipFill>
+          <a:blip r:embed="rId2"/>
+          <a:stretch>
+            <a:fillRect/>
+          </a:stretch>
+        </p:blipFill>
+        <p:spPr>
+          <a:xfrm>
+            <a:off x="1187624" y="3596591"/>
+            <a:ext cx="7589939" cy="2772580"/>
+          </a:xfrm>
+          <a:prstGeom prst="rect">
+            <a:avLst/>
+          </a:prstGeom>
+          <a:ln>
+            <a:solidFill>
+              <a:schemeClr val="accent1"/>
+            </a:solidFill>
+          </a:ln>
+        </p:spPr>
+      </p:pic>
+      <p:sp>
+        <p:nvSpPr>
+          <p:cNvPr id="9" name="TextBox 8">
+            <a:extLst>
+              <a:ext uri="{FF2B5EF4-FFF2-40B4-BE49-F238E27FC236}">
+                <a16:creationId xmlns:a16="http://schemas.microsoft.com/office/drawing/2014/main" id="{0107D187-11BC-1724-0508-B1627F8499A4}"/>
+              </a:ext>
+            </a:extLst>
+          </p:cNvPr>
+          <p:cNvSpPr txBox="1"/>
+          <p:nvPr/>
+        </p:nvSpPr>
+        <p:spPr>
+          <a:xfrm>
+            <a:off x="1292437" y="1628800"/>
+            <a:ext cx="7380312" cy="646331"/>
+          </a:xfrm>
+          <a:prstGeom prst="rect">
+            <a:avLst/>
+          </a:prstGeom>
+          <a:noFill/>
+        </p:spPr>
+        <p:txBody>
+          <a:bodyPr wrap="square" rtlCol="0">
+            <a:spAutoFit/>
+          </a:bodyPr>
+          <a:lstStyle/>
+          <a:p>
+            <a:pPr algn="ctr"/>
+            <a:r>
+              <a:rPr lang="en-US" b="1" dirty="0"/>
+              <a:t>Search the string “erm” in the document</a:t>
+            </a:r>
+            <a:br>
+              <a:rPr lang="en-US" b="1" dirty="0"/>
+            </a:br>
+            <a:r>
+              <a:rPr lang="en-US" b="1" dirty="0"/>
+              <a:t>(</a:t>
+            </a:r>
+            <a:r>
+              <a:rPr lang="en-US" b="1" dirty="0">
+                <a:hlinkClick r:id="rId3"/>
+              </a:rPr>
+              <a:t>https://en.wikipedia.org/wiki/Germany</a:t>
+            </a:r>
+            <a:r>
+              <a:rPr lang="en-US" b="1" dirty="0"/>
+              <a:t>)</a:t>
+            </a:r>
+          </a:p>
+        </p:txBody>
+      </p:sp>
+      <p:sp>
+        <p:nvSpPr>
+          <p:cNvPr id="10" name="Arrow: Down 9">
+            <a:extLst>
+              <a:ext uri="{FF2B5EF4-FFF2-40B4-BE49-F238E27FC236}">
+                <a16:creationId xmlns:a16="http://schemas.microsoft.com/office/drawing/2014/main" id="{0E71F110-0084-79A2-36F7-5AB592AAE309}"/>
+              </a:ext>
+            </a:extLst>
+          </p:cNvPr>
+          <p:cNvSpPr/>
+          <p:nvPr/>
+        </p:nvSpPr>
+        <p:spPr>
+          <a:xfrm>
+            <a:off x="4517740" y="2479596"/>
+            <a:ext cx="864096" cy="912530"/>
+          </a:xfrm>
+          <a:prstGeom prst="downArrow">
+            <a:avLst/>
+          </a:prstGeom>
+        </p:spPr>
+        <p:style>
+          <a:lnRef idx="2">
+            <a:schemeClr val="accent5">
+              <a:shade val="50000"/>
+            </a:schemeClr>
+          </a:lnRef>
+          <a:fillRef idx="1">
+            <a:schemeClr val="accent5"/>
+          </a:fillRef>
+          <a:effectRef idx="0">
+            <a:schemeClr val="accent5"/>
+          </a:effectRef>
+          <a:fontRef idx="minor">
+            <a:schemeClr val="lt1"/>
+          </a:fontRef>
+        </p:style>
+        <p:txBody>
+          <a:bodyPr rtlCol="0" anchor="ctr"/>
+          <a:lstStyle/>
+          <a:p>
+            <a:pPr algn="ctr"/>
+            <a:endParaRPr lang="en-US"/>
           </a:p>
         </p:txBody>
       </p:sp>
     </p:spTree>
     <p:extLst>
       <p:ext uri="{BB962C8B-B14F-4D97-AF65-F5344CB8AC3E}">
-        <p14:creationId xmlns:p14="http://schemas.microsoft.com/office/powerpoint/2010/main" val="4043525406"/>
+        <p14:creationId xmlns:p14="http://schemas.microsoft.com/office/powerpoint/2010/main" val="1271234119"/>
       </p:ext>
     </p:extLst>
   </p:cSld>
@@ -9111,98 +12087,169 @@
       </p:grpSpPr>
       <p:sp>
         <p:nvSpPr>
-          <p:cNvPr id="4098" name="Date Placeholder 3"/>
+          <p:cNvPr id="2" name="Title 1"/>
           <p:cNvSpPr>
             <a:spLocks noGrp="1"/>
           </p:cNvSpPr>
           <p:nvPr>
-            <p:ph type="dt" sz="quarter" idx="10"/>
-          </p:nvPr>
-        </p:nvSpPr>
-        <p:spPr>
-          <a:noFill/>
-        </p:spPr>
+            <p:ph type="title"/>
+          </p:nvPr>
+        </p:nvSpPr>
+        <p:spPr/>
         <p:txBody>
           <a:bodyPr/>
           <a:lstStyle/>
           <a:p>
             <a:r>
-              <a:rPr lang="en-US">
-                <a:latin typeface="Interstate"/>
-              </a:rPr>
-              <a:t>Bina Nusantara</a:t>
-            </a:r>
-          </a:p>
-        </p:txBody>
-      </p:sp>
-      <p:sp>
-        <p:nvSpPr>
-          <p:cNvPr id="4099" name="Rectangle 2"/>
-          <p:cNvSpPr>
-            <a:spLocks noGrp="1" noChangeArrowheads="1"/>
-          </p:cNvSpPr>
-          <p:nvPr>
-            <p:ph type="title"/>
+              <a:rPr lang="id-ID" dirty="0"/>
+              <a:t>String Terminology</a:t>
+            </a:r>
+            <a:endParaRPr lang="en-US" dirty="0"/>
+          </a:p>
+        </p:txBody>
+      </p:sp>
+      <p:sp>
+        <p:nvSpPr>
+          <p:cNvPr id="3" name="Content Placeholder 2"/>
+          <p:cNvSpPr>
+            <a:spLocks noGrp="1"/>
+          </p:cNvSpPr>
+          <p:nvPr>
+            <p:ph idx="1"/>
           </p:nvPr>
         </p:nvSpPr>
         <p:spPr>
           <a:xfrm>
-            <a:off x="2843808" y="332656"/>
-            <a:ext cx="6300192" cy="1143000"/>
+            <a:off x="1619672" y="2636912"/>
+            <a:ext cx="7067128" cy="3960440"/>
           </a:xfrm>
         </p:spPr>
         <p:txBody>
-          <a:bodyPr/>
+          <a:bodyPr>
+            <a:normAutofit fontScale="92500" lnSpcReduction="20000"/>
+          </a:bodyPr>
           <a:lstStyle/>
           <a:p>
             <a:r>
-              <a:rPr lang="en-US" sz="2800" dirty="0"/>
-              <a:t>Naïve String Matching Algorithm</a:t>
-            </a:r>
-            <a:endParaRPr lang="en-US" dirty="0"/>
-          </a:p>
-        </p:txBody>
-      </p:sp>
-      <p:sp>
-        <p:nvSpPr>
-          <p:cNvPr id="4100" name="Rectangle 3"/>
-          <p:cNvSpPr>
-            <a:spLocks noGrp="1" noChangeArrowheads="1"/>
-          </p:cNvSpPr>
-          <p:nvPr>
-            <p:ph type="body" idx="1"/>
-          </p:nvPr>
-        </p:nvSpPr>
-        <p:spPr>
-          <a:xfrm>
-            <a:off x="1331640" y="1844824"/>
-            <a:ext cx="7355160" cy="4281339"/>
-          </a:xfrm>
-        </p:spPr>
-        <p:txBody>
-          <a:bodyPr/>
-          <a:lstStyle/>
-          <a:p>
-            <a:r>
-              <a:rPr lang="en-US" altLang="en-US" dirty="0"/>
-              <a:t>A pattern matching algorithm can be stated as how to check whether pattern P is exists in string S or not, and also where the pattern P appears in string S</a:t>
-            </a:r>
-          </a:p>
-          <a:p>
-            <a:r>
-              <a:rPr lang="en-US" altLang="en-US" dirty="0"/>
-              <a:t>A naïve string matching algorithm is an example of a brute force algorithm.</a:t>
-            </a:r>
-          </a:p>
-          <a:p>
-            <a:r>
-              <a:rPr lang="en-US" altLang="en-US" dirty="0"/>
-              <a:t>This algorithm accepts a text (length n) and a pattern (length m) and checks m characters from the first position of the text. If there is mismatch, the pattern is shifted by one position. On the other hand, if there is a match, then the next character is checked</a:t>
-            </a:r>
+              <a:rPr lang="en-US" altLang="en-US" sz="2400" b="1" dirty="0"/>
+              <a:t>Length</a:t>
+            </a:r>
+            <a:r>
+              <a:rPr lang="en-US" altLang="en-US" sz="2400" dirty="0"/>
+              <a:t>:  the number of characters in a string.</a:t>
+            </a:r>
+          </a:p>
+          <a:p>
+            <a:pPr lvl="1"/>
+            <a:r>
+              <a:rPr lang="en-US" altLang="en-US" sz="2400" dirty="0"/>
+              <a:t>Zelda </a:t>
+            </a:r>
+            <a:r>
+              <a:rPr lang="en-US" altLang="en-US" sz="2400" dirty="0">
+                <a:sym typeface="Wingdings" panose="05000000000000000000" pitchFamily="2" charset="2"/>
+              </a:rPr>
+              <a:t> </a:t>
+            </a:r>
+            <a:r>
+              <a:rPr lang="en-US" altLang="en-US" sz="2400" dirty="0"/>
+              <a:t>five characters</a:t>
+            </a:r>
+          </a:p>
+          <a:p>
+            <a:r>
+              <a:rPr lang="en-US" altLang="en-US" sz="2400" b="1" dirty="0"/>
+              <a:t>Null String</a:t>
+            </a:r>
+            <a:r>
+              <a:rPr lang="en-US" altLang="en-US" sz="2400" dirty="0"/>
+              <a:t>: A string of length 0. It is also known empty string</a:t>
+            </a:r>
+          </a:p>
+          <a:p>
+            <a:r>
+              <a:rPr lang="en-US" altLang="en-US" sz="2400" b="1" dirty="0"/>
+              <a:t>Suffix</a:t>
+            </a:r>
+            <a:r>
+              <a:rPr lang="en-US" altLang="en-US" sz="2400" dirty="0"/>
+              <a:t>: any substring of the string which start from the end of the string.</a:t>
+            </a:r>
+          </a:p>
+          <a:p>
+            <a:pPr lvl="1"/>
+            <a:r>
+              <a:rPr lang="en-US" altLang="en-US" sz="2400" dirty="0"/>
+              <a:t>Example : banana, the suffixes are a, </a:t>
+            </a:r>
+            <a:r>
+              <a:rPr lang="en-US" altLang="en-US" sz="2400" dirty="0" err="1"/>
+              <a:t>na</a:t>
+            </a:r>
+            <a:r>
+              <a:rPr lang="en-US" altLang="en-US" sz="2400" dirty="0"/>
+              <a:t>, nana, </a:t>
+            </a:r>
+            <a:r>
+              <a:rPr lang="en-US" altLang="en-US" sz="2400" dirty="0" err="1"/>
+              <a:t>anana</a:t>
+            </a:r>
+            <a:r>
+              <a:rPr lang="id-ID" altLang="en-US" sz="2400" dirty="0"/>
+              <a:t>, banana</a:t>
+            </a:r>
+            <a:endParaRPr lang="en-US" altLang="en-US" sz="2400" dirty="0"/>
+          </a:p>
+          <a:p>
+            <a:r>
+              <a:rPr lang="en-US" altLang="en-US" sz="2400" b="1" dirty="0"/>
+              <a:t>Prefix</a:t>
+            </a:r>
+            <a:r>
+              <a:rPr lang="en-US" altLang="en-US" sz="2400" dirty="0"/>
+              <a:t>: any substring of the string which start from the beginning of the string.</a:t>
+            </a:r>
+          </a:p>
+          <a:p>
+            <a:pPr lvl="1"/>
+            <a:r>
+              <a:rPr lang="en-US" altLang="en-US" sz="2400" dirty="0"/>
+              <a:t>Example : banana, the prefixes are b, </a:t>
+            </a:r>
+            <a:r>
+              <a:rPr lang="en-US" altLang="en-US" sz="2400" dirty="0" err="1"/>
+              <a:t>ba</a:t>
+            </a:r>
+            <a:r>
+              <a:rPr lang="en-US" altLang="en-US" sz="2400" dirty="0"/>
+              <a:t>, ban, </a:t>
+            </a:r>
+            <a:r>
+              <a:rPr lang="en-US" altLang="en-US" sz="2400" dirty="0" err="1"/>
+              <a:t>bana</a:t>
+            </a:r>
+            <a:r>
+              <a:rPr lang="en-US" altLang="en-US" sz="2400" dirty="0"/>
+              <a:t>, </a:t>
+            </a:r>
+            <a:r>
+              <a:rPr lang="en-US" altLang="en-US" sz="2400" dirty="0" err="1"/>
+              <a:t>banan</a:t>
+            </a:r>
+            <a:r>
+              <a:rPr lang="id-ID" altLang="en-US" sz="2400" dirty="0"/>
+              <a:t>, banana</a:t>
+            </a:r>
+            <a:endParaRPr lang="en-US" altLang="en-US" sz="2400" dirty="0"/>
           </a:p>
         </p:txBody>
       </p:sp>
     </p:spTree>
+    <p:extLst>
+      <p:ext uri="{BB962C8B-B14F-4D97-AF65-F5344CB8AC3E}">
+        <p14:creationId xmlns:p14="http://schemas.microsoft.com/office/powerpoint/2010/main" val="4043525406"/>
+      </p:ext>
+    </p:extLst>
   </p:cSld>
   <p:clrMapOvr>
     <a:masterClrMapping/>
@@ -9237,268 +12284,209 @@
             <p:ph type="title"/>
           </p:nvPr>
         </p:nvSpPr>
+        <p:spPr/>
+        <p:txBody>
+          <a:bodyPr>
+            <a:normAutofit/>
+          </a:bodyPr>
+          <a:lstStyle/>
+          <a:p>
+            <a:r>
+              <a:rPr lang="id-ID" sz="2800" dirty="0"/>
+              <a:t>String Processing</a:t>
+            </a:r>
+            <a:r>
+              <a:rPr lang="en-US" sz="2800" dirty="0"/>
+              <a:t> Applications (2)</a:t>
+            </a:r>
+          </a:p>
+        </p:txBody>
+      </p:sp>
+      <p:sp>
+        <p:nvSpPr>
+          <p:cNvPr id="3" name="Content Placeholder 2"/>
+          <p:cNvSpPr>
+            <a:spLocks noGrp="1"/>
+          </p:cNvSpPr>
+          <p:nvPr>
+            <p:ph idx="1"/>
+          </p:nvPr>
+        </p:nvSpPr>
         <p:spPr>
           <a:xfrm>
-            <a:off x="3059832" y="404664"/>
-            <a:ext cx="5832648" cy="1143000"/>
+            <a:off x="1115616" y="2636912"/>
+            <a:ext cx="3672408" cy="3960440"/>
           </a:xfrm>
         </p:spPr>
         <p:txBody>
-          <a:bodyPr/>
+          <a:bodyPr>
+            <a:normAutofit/>
+          </a:bodyPr>
           <a:lstStyle/>
           <a:p>
+            <a:pPr marL="0" indent="0" algn="just">
+              <a:buNone/>
+            </a:pPr>
+            <a:r>
+              <a:rPr lang="en-US" b="1" dirty="0"/>
+              <a:t>Autocomplete</a:t>
+            </a:r>
             <a:r>
               <a:rPr lang="en-US" dirty="0"/>
-              <a:t>Example Naïve String Matching</a:t>
-            </a:r>
-          </a:p>
-        </p:txBody>
-      </p:sp>
-      <p:sp>
-        <p:nvSpPr>
-          <p:cNvPr id="3" name="Content Placeholder 2"/>
-          <p:cNvSpPr>
-            <a:spLocks noGrp="1"/>
-          </p:cNvSpPr>
-          <p:nvPr>
-            <p:ph idx="1"/>
-          </p:nvPr>
-        </p:nvSpPr>
-        <p:spPr>
-          <a:xfrm>
-            <a:off x="1619672" y="1628800"/>
-            <a:ext cx="7067128" cy="4497363"/>
-          </a:xfrm>
-        </p:spPr>
-        <p:txBody>
-          <a:bodyPr/>
-          <a:lstStyle/>
-          <a:p>
+              <a:t>: predicts the rest of a word a user is typing.</a:t>
+            </a:r>
+          </a:p>
+          <a:p>
+            <a:pPr marL="0" indent="0" algn="just">
+              <a:buNone/>
+            </a:pPr>
+            <a:endParaRPr lang="en-US" b="1" dirty="0"/>
+          </a:p>
+          <a:p>
+            <a:pPr marL="0" indent="0" algn="just">
+              <a:buNone/>
+            </a:pPr>
+            <a:r>
+              <a:rPr lang="en-US" b="1" dirty="0"/>
+              <a:t>How it works?</a:t>
+            </a:r>
+          </a:p>
+          <a:p>
+            <a:pPr algn="just"/>
             <a:r>
               <a:rPr lang="en-US" dirty="0"/>
-              <a:t>We want to search Pattern </a:t>
-            </a:r>
-            <a:r>
-              <a:rPr lang="en-US" b="1" dirty="0" err="1"/>
-              <a:t>aab</a:t>
+              <a:t>It involves showing a pop-up list of </a:t>
+            </a:r>
+            <a:r>
+              <a:rPr lang="en-US" b="1" dirty="0"/>
+              <a:t>possible completions for the current input prefix </a:t>
             </a:r>
             <a:r>
               <a:rPr lang="en-US" dirty="0"/>
-              <a:t> in String </a:t>
-            </a:r>
-            <a:r>
-              <a:rPr lang="en-US" b="1" dirty="0" err="1"/>
-              <a:t>aaaaab</a:t>
-            </a:r>
-            <a:endParaRPr lang="en-US" b="1" dirty="0"/>
-          </a:p>
-          <a:p>
-            <a:r>
-              <a:rPr lang="en-US" dirty="0"/>
-              <a:t>Loop 1</a:t>
-            </a:r>
-          </a:p>
-          <a:p>
-            <a:endParaRPr lang="en-US" dirty="0"/>
-          </a:p>
-          <a:p>
-            <a:endParaRPr lang="en-US" dirty="0"/>
-          </a:p>
-          <a:p>
-            <a:endParaRPr lang="en-US" dirty="0"/>
-          </a:p>
-          <a:p>
-            <a:r>
-              <a:rPr lang="en-US" dirty="0"/>
-              <a:t>Loop 2</a:t>
-            </a:r>
-          </a:p>
-          <a:p>
-            <a:pPr marL="0" indent="0">
+              <a:t>to allow the user to choose the right one.</a:t>
+            </a:r>
+          </a:p>
+          <a:p>
+            <a:pPr marL="0" indent="0" algn="just">
               <a:buNone/>
             </a:pPr>
             <a:endParaRPr lang="en-US" dirty="0"/>
           </a:p>
           <a:p>
-            <a:pPr marL="0" indent="0">
+            <a:pPr marL="0" indent="0" algn="just">
               <a:buNone/>
             </a:pPr>
             <a:endParaRPr lang="en-US" dirty="0"/>
           </a:p>
-          <a:p>
-            <a:pPr marL="0" indent="0">
-              <a:buNone/>
-            </a:pPr>
-            <a:endParaRPr lang="en-US" dirty="0"/>
-          </a:p>
-          <a:p>
-            <a:r>
-              <a:rPr lang="en-US" dirty="0"/>
-              <a:t>Loop 3</a:t>
-            </a:r>
-          </a:p>
-          <a:p>
-            <a:pPr marL="0" indent="0">
-              <a:buNone/>
-            </a:pPr>
-            <a:endParaRPr lang="en-US" dirty="0"/>
-          </a:p>
-          <a:p>
-            <a:endParaRPr lang="en-US" dirty="0"/>
-          </a:p>
-        </p:txBody>
-      </p:sp>
-      <p:pic>
-        <p:nvPicPr>
-          <p:cNvPr id="1028" name="Picture 4"/>
-          <p:cNvPicPr>
-            <a:picLocks noChangeAspect="1" noChangeArrowheads="1"/>
-          </p:cNvPicPr>
-          <p:nvPr/>
-        </p:nvPicPr>
-        <p:blipFill>
-          <a:blip r:embed="rId2">
+        </p:txBody>
+      </p:sp>
+      <p:grpSp>
+        <p:nvGrpSpPr>
+          <p:cNvPr id="8" name="Group 7">
             <a:extLst>
-              <a:ext uri="{28A0092B-C50C-407E-A947-70E740481C1C}">
-                <a14:useLocalDpi xmlns:a14="http://schemas.microsoft.com/office/drawing/2010/main" val="0"/>
+              <a:ext uri="{FF2B5EF4-FFF2-40B4-BE49-F238E27FC236}">
+                <a16:creationId xmlns:a16="http://schemas.microsoft.com/office/drawing/2014/main" id="{7C222F5A-7E02-D203-AB19-CA586F51161D}"/>
               </a:ext>
             </a:extLst>
-          </a:blip>
-          <a:srcRect/>
-          <a:stretch>
-            <a:fillRect/>
-          </a:stretch>
-        </p:blipFill>
-        <p:spPr bwMode="auto">
+          </p:cNvPr>
+          <p:cNvGrpSpPr/>
+          <p:nvPr/>
+        </p:nvGrpSpPr>
+        <p:grpSpPr>
           <a:xfrm>
-            <a:off x="2026146" y="2462071"/>
-            <a:ext cx="2761878" cy="678897"/>
+            <a:off x="5004048" y="2708920"/>
+            <a:ext cx="3801005" cy="3343742"/>
+            <a:chOff x="5004048" y="2708920"/>
+            <a:chExt cx="3801005" cy="3343742"/>
           </a:xfrm>
-          <a:prstGeom prst="rect">
-            <a:avLst/>
-          </a:prstGeom>
-          <a:noFill/>
-          <a:ln w="9525">
-            <a:solidFill>
-              <a:schemeClr val="tx1"/>
-            </a:solidFill>
-            <a:miter lim="800000"/>
-            <a:headEnd/>
-            <a:tailEnd/>
-          </a:ln>
-          <a:extLst>
-            <a:ext uri="{909E8E84-426E-40DD-AFC4-6F175D3DCCD1}">
-              <a14:hiddenFill xmlns:a14="http://schemas.microsoft.com/office/drawing/2010/main">
-                <a:solidFill>
-                  <a:schemeClr val="accent1"/>
-                </a:solidFill>
-              </a14:hiddenFill>
-            </a:ext>
-          </a:extLst>
-        </p:spPr>
-      </p:pic>
-      <p:pic>
-        <p:nvPicPr>
-          <p:cNvPr id="1029" name="Picture 5"/>
-          <p:cNvPicPr>
-            <a:picLocks noChangeAspect="1" noChangeArrowheads="1"/>
-          </p:cNvPicPr>
-          <p:nvPr/>
-        </p:nvPicPr>
-        <p:blipFill>
-          <a:blip r:embed="rId3">
-            <a:extLst>
-              <a:ext uri="{28A0092B-C50C-407E-A947-70E740481C1C}">
-                <a14:useLocalDpi xmlns:a14="http://schemas.microsoft.com/office/drawing/2010/main" val="0"/>
-              </a:ext>
-            </a:extLst>
-          </a:blip>
-          <a:srcRect/>
-          <a:stretch>
-            <a:fillRect/>
-          </a:stretch>
-        </p:blipFill>
-        <p:spPr bwMode="auto">
-          <a:xfrm>
-            <a:off x="2048586" y="3946092"/>
-            <a:ext cx="2883454" cy="707044"/>
-          </a:xfrm>
-          <a:prstGeom prst="rect">
-            <a:avLst/>
-          </a:prstGeom>
-          <a:noFill/>
-          <a:ln w="9525">
-            <a:solidFill>
-              <a:schemeClr val="tx1"/>
-            </a:solidFill>
-            <a:miter lim="800000"/>
-            <a:headEnd/>
-            <a:tailEnd/>
-          </a:ln>
-          <a:extLst>
-            <a:ext uri="{909E8E84-426E-40DD-AFC4-6F175D3DCCD1}">
-              <a14:hiddenFill xmlns:a14="http://schemas.microsoft.com/office/drawing/2010/main">
-                <a:solidFill>
-                  <a:schemeClr val="accent1"/>
-                </a:solidFill>
-              </a14:hiddenFill>
-            </a:ext>
-          </a:extLst>
-        </p:spPr>
-      </p:pic>
-      <p:pic>
-        <p:nvPicPr>
-          <p:cNvPr id="1031" name="Picture 7"/>
-          <p:cNvPicPr>
-            <a:picLocks noChangeAspect="1" noChangeArrowheads="1"/>
-          </p:cNvPicPr>
-          <p:nvPr/>
-        </p:nvPicPr>
-        <p:blipFill>
-          <a:blip r:embed="rId4">
-            <a:extLst>
-              <a:ext uri="{28A0092B-C50C-407E-A947-70E740481C1C}">
-                <a14:useLocalDpi xmlns:a14="http://schemas.microsoft.com/office/drawing/2010/main" val="0"/>
-              </a:ext>
-            </a:extLst>
-          </a:blip>
-          <a:srcRect/>
-          <a:stretch>
-            <a:fillRect/>
-          </a:stretch>
-        </p:blipFill>
-        <p:spPr bwMode="auto">
-          <a:xfrm>
-            <a:off x="2051720" y="5395737"/>
-            <a:ext cx="2761877" cy="697559"/>
-          </a:xfrm>
-          <a:prstGeom prst="rect">
-            <a:avLst/>
-          </a:prstGeom>
-          <a:noFill/>
-          <a:ln w="9525">
-            <a:solidFill>
-              <a:schemeClr val="tx1"/>
-            </a:solidFill>
-            <a:miter lim="800000"/>
-            <a:headEnd/>
-            <a:tailEnd/>
-          </a:ln>
-          <a:extLst>
-            <a:ext uri="{909E8E84-426E-40DD-AFC4-6F175D3DCCD1}">
-              <a14:hiddenFill xmlns:a14="http://schemas.microsoft.com/office/drawing/2010/main">
-                <a:solidFill>
-                  <a:schemeClr val="accent1"/>
-                </a:solidFill>
-              </a14:hiddenFill>
-            </a:ext>
-          </a:extLst>
-        </p:spPr>
-      </p:pic>
+        </p:grpSpPr>
+        <p:pic>
+          <p:nvPicPr>
+            <p:cNvPr id="6" name="Picture 5">
+              <a:extLst>
+                <a:ext uri="{FF2B5EF4-FFF2-40B4-BE49-F238E27FC236}">
+                  <a16:creationId xmlns:a16="http://schemas.microsoft.com/office/drawing/2014/main" id="{C1DF2406-0746-5762-B35B-94DE60BD9C0A}"/>
+                </a:ext>
+              </a:extLst>
+            </p:cNvPr>
+            <p:cNvPicPr>
+              <a:picLocks noChangeAspect="1"/>
+            </p:cNvPicPr>
+            <p:nvPr/>
+          </p:nvPicPr>
+          <p:blipFill>
+            <a:blip r:embed="rId2"/>
+            <a:stretch>
+              <a:fillRect/>
+            </a:stretch>
+          </p:blipFill>
+          <p:spPr>
+            <a:xfrm>
+              <a:off x="5004048" y="2708920"/>
+              <a:ext cx="3801005" cy="3343742"/>
+            </a:xfrm>
+            <a:prstGeom prst="rect">
+              <a:avLst/>
+            </a:prstGeom>
+          </p:spPr>
+        </p:pic>
+        <p:sp>
+          <p:nvSpPr>
+            <p:cNvPr id="7" name="Rectangle 6">
+              <a:extLst>
+                <a:ext uri="{FF2B5EF4-FFF2-40B4-BE49-F238E27FC236}">
+                  <a16:creationId xmlns:a16="http://schemas.microsoft.com/office/drawing/2014/main" id="{E44D0445-0BC8-4463-98D7-223FFE149337}"/>
+                </a:ext>
+              </a:extLst>
+            </p:cNvPr>
+            <p:cNvSpPr/>
+            <p:nvPr/>
+          </p:nvSpPr>
+          <p:spPr>
+            <a:xfrm>
+              <a:off x="6444208" y="3573016"/>
+              <a:ext cx="1872207" cy="504056"/>
+            </a:xfrm>
+            <a:prstGeom prst="rect">
+              <a:avLst/>
+            </a:prstGeom>
+            <a:noFill/>
+            <a:ln w="57150">
+              <a:solidFill>
+                <a:schemeClr val="accent2"/>
+              </a:solidFill>
+            </a:ln>
+          </p:spPr>
+          <p:style>
+            <a:lnRef idx="2">
+              <a:schemeClr val="accent1">
+                <a:shade val="50000"/>
+              </a:schemeClr>
+            </a:lnRef>
+            <a:fillRef idx="1">
+              <a:schemeClr val="accent1"/>
+            </a:fillRef>
+            <a:effectRef idx="0">
+              <a:schemeClr val="accent1"/>
+            </a:effectRef>
+            <a:fontRef idx="minor">
+              <a:schemeClr val="lt1"/>
+            </a:fontRef>
+          </p:style>
+          <p:txBody>
+            <a:bodyPr rtlCol="0" anchor="ctr"/>
+            <a:lstStyle/>
+            <a:p>
+              <a:pPr algn="ctr"/>
+              <a:endParaRPr lang="en-US"/>
+            </a:p>
+          </p:txBody>
+        </p:sp>
+      </p:grpSp>
     </p:spTree>
     <p:extLst>
       <p:ext uri="{BB962C8B-B14F-4D97-AF65-F5344CB8AC3E}">
-        <p14:creationId xmlns:p14="http://schemas.microsoft.com/office/powerpoint/2010/main" val="73564089"/>
+        <p14:creationId xmlns:p14="http://schemas.microsoft.com/office/powerpoint/2010/main" val="743645485"/>
       </p:ext>
     </p:extLst>
   </p:cSld>
@@ -9527,9 +12515,35 @@
       </p:grpSpPr>
       <p:sp>
         <p:nvSpPr>
-          <p:cNvPr id="2" name="Title 1"/>
+          <p:cNvPr id="4098" name="Date Placeholder 3"/>
           <p:cNvSpPr>
             <a:spLocks noGrp="1"/>
+          </p:cNvSpPr>
+          <p:nvPr>
+            <p:ph type="dt" sz="quarter" idx="10"/>
+          </p:nvPr>
+        </p:nvSpPr>
+        <p:spPr>
+          <a:noFill/>
+        </p:spPr>
+        <p:txBody>
+          <a:bodyPr/>
+          <a:lstStyle/>
+          <a:p>
+            <a:r>
+              <a:rPr lang="en-US">
+                <a:latin typeface="Interstate"/>
+              </a:rPr>
+              <a:t>Bina Nusantara</a:t>
+            </a:r>
+          </a:p>
+        </p:txBody>
+      </p:sp>
+      <p:sp>
+        <p:nvSpPr>
+          <p:cNvPr id="4099" name="Rectangle 2"/>
+          <p:cNvSpPr>
+            <a:spLocks noGrp="1" noChangeArrowheads="1"/>
           </p:cNvSpPr>
           <p:nvPr>
             <p:ph type="title"/>
@@ -9537,8 +12551,8 @@
         </p:nvSpPr>
         <p:spPr>
           <a:xfrm>
-            <a:off x="3059832" y="404664"/>
-            <a:ext cx="5832648" cy="1143000"/>
+            <a:off x="2843808" y="332656"/>
+            <a:ext cx="6300192" cy="1143000"/>
           </a:xfrm>
         </p:spPr>
         <p:txBody>
@@ -9546,141 +12560,212 @@
           <a:lstStyle/>
           <a:p>
             <a:r>
-              <a:rPr lang="en-US" dirty="0"/>
-              <a:t>Example Naïve String Matching</a:t>
-            </a:r>
-          </a:p>
-        </p:txBody>
-      </p:sp>
-      <p:sp>
-        <p:nvSpPr>
-          <p:cNvPr id="3" name="Content Placeholder 2"/>
-          <p:cNvSpPr>
-            <a:spLocks noGrp="1"/>
-          </p:cNvSpPr>
-          <p:nvPr>
-            <p:ph idx="1"/>
-          </p:nvPr>
+              <a:rPr lang="en-US" sz="2800" dirty="0"/>
+              <a:t>String Processing Problem</a:t>
+            </a:r>
+            <a:br>
+              <a:rPr lang="en-US" sz="2800" dirty="0"/>
+            </a:br>
+            <a:r>
+              <a:rPr lang="en-US" sz="2800" dirty="0"/>
+              <a:t>Pattern Matching Algorithm </a:t>
+            </a:r>
+            <a:endParaRPr lang="en-US" dirty="0"/>
+          </a:p>
+        </p:txBody>
+      </p:sp>
+      <p:sp>
+        <p:nvSpPr>
+          <p:cNvPr id="2" name="Rectangle 1">
+            <a:extLst>
+              <a:ext uri="{FF2B5EF4-FFF2-40B4-BE49-F238E27FC236}">
+                <a16:creationId xmlns:a16="http://schemas.microsoft.com/office/drawing/2014/main" id="{B7BF00FA-CF63-9381-0EE4-96036B15EBC4}"/>
+              </a:ext>
+            </a:extLst>
+          </p:cNvPr>
+          <p:cNvSpPr/>
+          <p:nvPr/>
         </p:nvSpPr>
         <p:spPr>
           <a:xfrm>
-            <a:off x="1619672" y="1628800"/>
-            <a:ext cx="7067128" cy="4497363"/>
-          </a:xfrm>
-        </p:spPr>
-        <p:txBody>
-          <a:bodyPr/>
-          <a:lstStyle/>
-          <a:p>
-            <a:r>
-              <a:rPr lang="en-US" dirty="0"/>
-              <a:t>Loop 4</a:t>
-            </a:r>
-          </a:p>
-          <a:p>
-            <a:endParaRPr lang="en-US" dirty="0"/>
-          </a:p>
-          <a:p>
-            <a:endParaRPr lang="en-US" dirty="0"/>
-          </a:p>
-          <a:p>
-            <a:endParaRPr lang="en-US" dirty="0"/>
-          </a:p>
-          <a:p>
-            <a:r>
-              <a:rPr lang="en-US" dirty="0"/>
-              <a:t>Match found in this loop</a:t>
-            </a:r>
-          </a:p>
-          <a:p>
-            <a:r>
-              <a:rPr lang="en-US" dirty="0"/>
-              <a:t>Time complexity is O(nm) worst case :</a:t>
-            </a:r>
-          </a:p>
-          <a:p>
-            <a:pPr lvl="1"/>
-            <a:r>
-              <a:rPr lang="en-US" dirty="0"/>
-              <a:t>Outer loop is O(n) iteration</a:t>
-            </a:r>
-          </a:p>
-          <a:p>
-            <a:pPr lvl="1"/>
-            <a:r>
-              <a:rPr lang="en-US" dirty="0"/>
-              <a:t>Inner loop is O(m) iteration worst case</a:t>
-            </a:r>
-          </a:p>
-          <a:p>
-            <a:endParaRPr lang="en-US" dirty="0"/>
-          </a:p>
-          <a:p>
-            <a:endParaRPr lang="en-US" dirty="0"/>
-          </a:p>
-          <a:p>
-            <a:endParaRPr lang="en-US" dirty="0"/>
-          </a:p>
-          <a:p>
-            <a:endParaRPr lang="en-US" dirty="0"/>
-          </a:p>
-        </p:txBody>
-      </p:sp>
-      <p:pic>
-        <p:nvPicPr>
-          <p:cNvPr id="2050" name="Picture 2"/>
-          <p:cNvPicPr>
-            <a:picLocks noChangeAspect="1" noChangeArrowheads="1"/>
-          </p:cNvPicPr>
-          <p:nvPr/>
-        </p:nvPicPr>
-        <p:blipFill>
-          <a:blip r:embed="rId2">
-            <a:extLst>
-              <a:ext uri="{28A0092B-C50C-407E-A947-70E740481C1C}">
-                <a14:useLocalDpi xmlns:a14="http://schemas.microsoft.com/office/drawing/2010/main" val="0"/>
-              </a:ext>
-            </a:extLst>
-          </a:blip>
-          <a:srcRect/>
-          <a:stretch>
-            <a:fillRect/>
-          </a:stretch>
-        </p:blipFill>
-        <p:spPr bwMode="auto">
-          <a:xfrm>
-            <a:off x="2051720" y="2060848"/>
-            <a:ext cx="2954205" cy="678557"/>
+            <a:off x="1187624" y="1844824"/>
+            <a:ext cx="7499176" cy="914400"/>
           </a:xfrm>
           <a:prstGeom prst="rect">
             <a:avLst/>
           </a:prstGeom>
           <a:noFill/>
-          <a:ln w="9525">
-            <a:solidFill>
-              <a:schemeClr val="tx1"/>
-            </a:solidFill>
-            <a:miter lim="800000"/>
-            <a:headEnd/>
-            <a:tailEnd/>
-          </a:ln>
-          <a:extLst>
-            <a:ext uri="{909E8E84-426E-40DD-AFC4-6F175D3DCCD1}">
-              <a14:hiddenFill xmlns:a14="http://schemas.microsoft.com/office/drawing/2010/main">
+        </p:spPr>
+        <p:style>
+          <a:lnRef idx="2">
+            <a:schemeClr val="accent1">
+              <a:shade val="50000"/>
+            </a:schemeClr>
+          </a:lnRef>
+          <a:fillRef idx="1">
+            <a:schemeClr val="accent1"/>
+          </a:fillRef>
+          <a:effectRef idx="0">
+            <a:schemeClr val="accent1"/>
+          </a:effectRef>
+          <a:fontRef idx="minor">
+            <a:schemeClr val="lt1"/>
+          </a:fontRef>
+        </p:style>
+        <p:txBody>
+          <a:bodyPr rtlCol="0" anchor="ctr"/>
+          <a:lstStyle/>
+          <a:p>
+            <a:pPr algn="just"/>
+            <a:r>
+              <a:rPr lang="en-US" altLang="en-US" sz="1800" dirty="0">
                 <a:solidFill>
-                  <a:schemeClr val="accent1"/>
+                  <a:schemeClr val="tx1"/>
                 </a:solidFill>
-              </a14:hiddenFill>
-            </a:ext>
-          </a:extLst>
+              </a:rPr>
+              <a:t>A pattern matching algorithm can be stated as </a:t>
+            </a:r>
+            <a:r>
+              <a:rPr lang="en-US" altLang="en-US" sz="1800" b="1" dirty="0">
+                <a:solidFill>
+                  <a:schemeClr val="accent2"/>
+                </a:solidFill>
+              </a:rPr>
+              <a:t>how to check whether pattern P is exists in string S or not</a:t>
+            </a:r>
+            <a:r>
+              <a:rPr lang="en-US" altLang="en-US" sz="1800" dirty="0">
+                <a:solidFill>
+                  <a:schemeClr val="tx1"/>
+                </a:solidFill>
+              </a:rPr>
+              <a:t>, and </a:t>
+            </a:r>
+            <a:r>
+              <a:rPr lang="en-US" altLang="en-US" sz="1800" b="1" dirty="0">
+                <a:solidFill>
+                  <a:schemeClr val="accent2"/>
+                </a:solidFill>
+              </a:rPr>
+              <a:t>also where the pattern P appears in string S.</a:t>
+            </a:r>
+            <a:endParaRPr lang="en-US" altLang="en-US" sz="1800" dirty="0">
+              <a:solidFill>
+                <a:schemeClr val="accent2"/>
+              </a:solidFill>
+            </a:endParaRPr>
+          </a:p>
+        </p:txBody>
+      </p:sp>
+      <p:sp>
+        <p:nvSpPr>
+          <p:cNvPr id="3" name="TextBox 2">
+            <a:extLst>
+              <a:ext uri="{FF2B5EF4-FFF2-40B4-BE49-F238E27FC236}">
+                <a16:creationId xmlns:a16="http://schemas.microsoft.com/office/drawing/2014/main" id="{71942B97-AE6E-2192-A5E0-F6BDFD0C3DD9}"/>
+              </a:ext>
+            </a:extLst>
+          </p:cNvPr>
+          <p:cNvSpPr txBox="1"/>
+          <p:nvPr/>
+        </p:nvSpPr>
+        <p:spPr>
+          <a:xfrm>
+            <a:off x="1187624" y="2836844"/>
+            <a:ext cx="7499176" cy="1015663"/>
+          </a:xfrm>
+          <a:prstGeom prst="rect">
+            <a:avLst/>
+          </a:prstGeom>
+          <a:noFill/>
         </p:spPr>
-      </p:pic>
+        <p:txBody>
+          <a:bodyPr wrap="square" rtlCol="0">
+            <a:spAutoFit/>
+          </a:bodyPr>
+          <a:lstStyle/>
+          <a:p>
+            <a:pPr marL="285750" indent="-285750">
+              <a:buFont typeface="Arial" panose="020B0604020202020204" pitchFamily="34" charset="0"/>
+              <a:buChar char="•"/>
+            </a:pPr>
+            <a:r>
+              <a:rPr lang="en-US" sz="2000" b="1" dirty="0"/>
+              <a:t>Problem	</a:t>
+            </a:r>
+            <a:r>
+              <a:rPr lang="en-US" sz="2000" dirty="0"/>
+              <a:t>: we want to search pattern “</a:t>
+            </a:r>
+            <a:r>
+              <a:rPr lang="en-US" sz="2000" dirty="0" err="1"/>
+              <a:t>aab</a:t>
+            </a:r>
+            <a:r>
+              <a:rPr lang="en-US" sz="2000" dirty="0"/>
+              <a:t>” in string “</a:t>
+            </a:r>
+            <a:r>
+              <a:rPr lang="en-US" sz="2000" dirty="0" err="1"/>
+              <a:t>aaaaab</a:t>
+            </a:r>
+            <a:r>
+              <a:rPr lang="en-US" sz="2000" dirty="0"/>
+              <a:t>”</a:t>
+            </a:r>
+          </a:p>
+          <a:p>
+            <a:pPr marL="285750" indent="-285750">
+              <a:buFont typeface="Arial" panose="020B0604020202020204" pitchFamily="34" charset="0"/>
+              <a:buChar char="•"/>
+            </a:pPr>
+            <a:r>
+              <a:rPr lang="en-US" sz="2000" b="1" dirty="0"/>
+              <a:t>Input		</a:t>
+            </a:r>
+            <a:r>
+              <a:rPr lang="en-US" sz="2000" dirty="0"/>
+              <a:t>: </a:t>
+            </a:r>
+            <a:r>
+              <a:rPr lang="en-US" sz="2000" dirty="0" err="1"/>
+              <a:t>aab</a:t>
+            </a:r>
+            <a:endParaRPr lang="en-US" sz="2000" dirty="0"/>
+          </a:p>
+          <a:p>
+            <a:pPr marL="285750" indent="-285750">
+              <a:buFont typeface="Arial" panose="020B0604020202020204" pitchFamily="34" charset="0"/>
+              <a:buChar char="•"/>
+            </a:pPr>
+            <a:r>
+              <a:rPr lang="en-US" sz="2000" b="1" dirty="0"/>
+              <a:t>Output</a:t>
+            </a:r>
+            <a:r>
+              <a:rPr lang="en-US" sz="2000" dirty="0"/>
+              <a:t>	: pattern “</a:t>
+            </a:r>
+            <a:r>
+              <a:rPr lang="en-US" sz="2000" dirty="0" err="1"/>
+              <a:t>aab</a:t>
+            </a:r>
+            <a:r>
+              <a:rPr lang="en-US" sz="2000" dirty="0"/>
+              <a:t>” exist at the index 3 of “</a:t>
+            </a:r>
+            <a:r>
+              <a:rPr lang="en-US" sz="2000" dirty="0" err="1"/>
+              <a:t>aaaaab</a:t>
+            </a:r>
+            <a:r>
+              <a:rPr lang="en-US" sz="2000" dirty="0"/>
+              <a:t>”</a:t>
+            </a:r>
+          </a:p>
+        </p:txBody>
+      </p:sp>
     </p:spTree>
-    <p:extLst>
-      <p:ext uri="{BB962C8B-B14F-4D97-AF65-F5344CB8AC3E}">
-        <p14:creationId xmlns:p14="http://schemas.microsoft.com/office/powerpoint/2010/main" val="4231408636"/>
-      </p:ext>
-    </p:extLst>
   </p:cSld>
   <p:clrMapOvr>
     <a:masterClrMapping/>
@@ -9707,7 +12792,13 @@
       </p:grpSpPr>
       <p:sp>
         <p:nvSpPr>
-          <p:cNvPr id="2" name="Title 1"/>
+          <p:cNvPr id="4" name="Title 3">
+            <a:extLst>
+              <a:ext uri="{FF2B5EF4-FFF2-40B4-BE49-F238E27FC236}">
+                <a16:creationId xmlns:a16="http://schemas.microsoft.com/office/drawing/2014/main" id="{ED479908-484F-2C11-7854-41760AA28D29}"/>
+              </a:ext>
+            </a:extLst>
+          </p:cNvPr>
           <p:cNvSpPr>
             <a:spLocks noGrp="1"/>
           </p:cNvSpPr>
@@ -9715,18 +12806,13 @@
             <p:ph type="title"/>
           </p:nvPr>
         </p:nvSpPr>
-        <p:spPr>
-          <a:xfrm>
-            <a:off x="2771800" y="332656"/>
-            <a:ext cx="6408712" cy="1143000"/>
-          </a:xfrm>
-        </p:spPr>
+        <p:spPr/>
         <p:txBody>
           <a:bodyPr/>
           <a:lstStyle/>
           <a:p>
             <a:r>
-              <a:rPr lang="en-US" dirty="0"/>
+              <a:rPr lang="en-US" sz="2800" dirty="0"/>
               <a:t>Naïve String Matching Algorithm</a:t>
             </a:r>
           </a:p>
@@ -9734,498 +12820,37 @@
       </p:sp>
       <p:sp>
         <p:nvSpPr>
-          <p:cNvPr id="3" name="Content Placeholder 2"/>
+          <p:cNvPr id="5" name="Text Placeholder 4">
+            <a:extLst>
+              <a:ext uri="{FF2B5EF4-FFF2-40B4-BE49-F238E27FC236}">
+                <a16:creationId xmlns:a16="http://schemas.microsoft.com/office/drawing/2014/main" id="{8D915AC3-6A61-21C6-1127-57DB24852B3F}"/>
+              </a:ext>
+            </a:extLst>
+          </p:cNvPr>
           <p:cNvSpPr>
             <a:spLocks noGrp="1"/>
           </p:cNvSpPr>
           <p:nvPr>
-            <p:ph idx="1"/>
-          </p:nvPr>
-        </p:nvSpPr>
-        <p:spPr>
-          <a:xfrm>
-            <a:off x="1259632" y="1628800"/>
-            <a:ext cx="7571184" cy="4497363"/>
-          </a:xfrm>
-        </p:spPr>
-        <p:txBody>
-          <a:bodyPr>
-            <a:normAutofit fontScale="92500"/>
-          </a:bodyPr>
+            <p:ph type="body" idx="1"/>
+          </p:nvPr>
+        </p:nvSpPr>
+        <p:spPr/>
+        <p:txBody>
+          <a:bodyPr/>
           <a:lstStyle/>
           <a:p>
-            <a:pPr marL="0" indent="0">
-              <a:buNone/>
-            </a:pPr>
-            <a:r>
-              <a:rPr lang="en-US" sz="1600" dirty="0" err="1">
-                <a:latin typeface="Courier New" panose="02070309020205020404" pitchFamily="49" charset="0"/>
-                <a:cs typeface="Courier New" panose="02070309020205020404" pitchFamily="49" charset="0"/>
-              </a:rPr>
-              <a:t>int</a:t>
-            </a:r>
-            <a:r>
-              <a:rPr lang="en-US" sz="1600" dirty="0">
-                <a:latin typeface="Courier New" panose="02070309020205020404" pitchFamily="49" charset="0"/>
-                <a:cs typeface="Courier New" panose="02070309020205020404" pitchFamily="49" charset="0"/>
-              </a:rPr>
-              <a:t> </a:t>
-            </a:r>
-            <a:r>
-              <a:rPr lang="en-US" sz="1600" dirty="0" err="1">
-                <a:latin typeface="Courier New" panose="02070309020205020404" pitchFamily="49" charset="0"/>
-                <a:cs typeface="Courier New" panose="02070309020205020404" pitchFamily="49" charset="0"/>
-              </a:rPr>
-              <a:t>string_match</a:t>
-            </a:r>
-            <a:r>
-              <a:rPr lang="en-US" sz="1600" dirty="0">
-                <a:latin typeface="Courier New" panose="02070309020205020404" pitchFamily="49" charset="0"/>
-                <a:cs typeface="Courier New" panose="02070309020205020404" pitchFamily="49" charset="0"/>
-              </a:rPr>
-              <a:t>(string &amp;</a:t>
-            </a:r>
-            <a:r>
-              <a:rPr lang="en-US" sz="1600" dirty="0" err="1">
-                <a:latin typeface="Courier New" panose="02070309020205020404" pitchFamily="49" charset="0"/>
-                <a:cs typeface="Courier New" panose="02070309020205020404" pitchFamily="49" charset="0"/>
-              </a:rPr>
-              <a:t>sourceText</a:t>
-            </a:r>
-            <a:r>
-              <a:rPr lang="en-US" sz="1600" dirty="0">
-                <a:latin typeface="Courier New" panose="02070309020205020404" pitchFamily="49" charset="0"/>
-                <a:cs typeface="Courier New" panose="02070309020205020404" pitchFamily="49" charset="0"/>
-              </a:rPr>
-              <a:t>, string &amp;</a:t>
-            </a:r>
-            <a:r>
-              <a:rPr lang="en-US" sz="1600" dirty="0" err="1">
-                <a:latin typeface="Courier New" panose="02070309020205020404" pitchFamily="49" charset="0"/>
-                <a:cs typeface="Courier New" panose="02070309020205020404" pitchFamily="49" charset="0"/>
-              </a:rPr>
-              <a:t>searchText</a:t>
-            </a:r>
-            <a:r>
-              <a:rPr lang="en-US" sz="1600" dirty="0">
-                <a:latin typeface="Courier New" panose="02070309020205020404" pitchFamily="49" charset="0"/>
-                <a:cs typeface="Courier New" panose="02070309020205020404" pitchFamily="49" charset="0"/>
-              </a:rPr>
-              <a:t>)</a:t>
-            </a:r>
-          </a:p>
-          <a:p>
-            <a:pPr marL="0" indent="0">
-              <a:buNone/>
-            </a:pPr>
-            <a:r>
-              <a:rPr lang="en-US" sz="1600" dirty="0">
-                <a:latin typeface="Courier New" panose="02070309020205020404" pitchFamily="49" charset="0"/>
-                <a:cs typeface="Courier New" panose="02070309020205020404" pitchFamily="49" charset="0"/>
-              </a:rPr>
-              <a:t>{ </a:t>
-            </a:r>
-          </a:p>
-          <a:p>
-            <a:pPr marL="0" indent="0">
-              <a:buNone/>
-            </a:pPr>
-            <a:r>
-              <a:rPr lang="en-US" sz="1600" dirty="0">
-                <a:latin typeface="Courier New" panose="02070309020205020404" pitchFamily="49" charset="0"/>
-                <a:cs typeface="Courier New" panose="02070309020205020404" pitchFamily="49" charset="0"/>
-              </a:rPr>
-              <a:t>	</a:t>
-            </a:r>
-            <a:r>
-              <a:rPr lang="en-US" sz="1600" dirty="0" err="1">
-                <a:latin typeface="Courier New" panose="02070309020205020404" pitchFamily="49" charset="0"/>
-                <a:cs typeface="Courier New" panose="02070309020205020404" pitchFamily="49" charset="0"/>
-              </a:rPr>
-              <a:t>int</a:t>
-            </a:r>
-            <a:r>
-              <a:rPr lang="en-US" sz="1600" dirty="0">
-                <a:latin typeface="Courier New" panose="02070309020205020404" pitchFamily="49" charset="0"/>
-                <a:cs typeface="Courier New" panose="02070309020205020404" pitchFamily="49" charset="0"/>
-              </a:rPr>
-              <a:t> </a:t>
-            </a:r>
-            <a:r>
-              <a:rPr lang="en-US" sz="1600" dirty="0" err="1">
-                <a:latin typeface="Courier New" panose="02070309020205020404" pitchFamily="49" charset="0"/>
-                <a:cs typeface="Courier New" panose="02070309020205020404" pitchFamily="49" charset="0"/>
-              </a:rPr>
-              <a:t>sourceLength</a:t>
-            </a:r>
-            <a:r>
-              <a:rPr lang="en-US" sz="1600" dirty="0">
-                <a:latin typeface="Courier New" panose="02070309020205020404" pitchFamily="49" charset="0"/>
-                <a:cs typeface="Courier New" panose="02070309020205020404" pitchFamily="49" charset="0"/>
-              </a:rPr>
-              <a:t> = </a:t>
-            </a:r>
-            <a:r>
-              <a:rPr lang="en-US" sz="1600" dirty="0" err="1">
-                <a:latin typeface="Courier New" panose="02070309020205020404" pitchFamily="49" charset="0"/>
-                <a:cs typeface="Courier New" panose="02070309020205020404" pitchFamily="49" charset="0"/>
-              </a:rPr>
-              <a:t>sourceText.length</a:t>
-            </a:r>
-            <a:r>
-              <a:rPr lang="en-US" sz="1600" dirty="0">
-                <a:latin typeface="Courier New" panose="02070309020205020404" pitchFamily="49" charset="0"/>
-                <a:cs typeface="Courier New" panose="02070309020205020404" pitchFamily="49" charset="0"/>
-              </a:rPr>
-              <a:t>(); </a:t>
-            </a:r>
-          </a:p>
-          <a:p>
-            <a:pPr marL="0" indent="0">
-              <a:buNone/>
-            </a:pPr>
-            <a:r>
-              <a:rPr lang="en-US" sz="1600" dirty="0">
-                <a:latin typeface="Courier New" panose="02070309020205020404" pitchFamily="49" charset="0"/>
-                <a:cs typeface="Courier New" panose="02070309020205020404" pitchFamily="49" charset="0"/>
-              </a:rPr>
-              <a:t>	</a:t>
-            </a:r>
-            <a:r>
-              <a:rPr lang="en-US" sz="1600" dirty="0" err="1">
-                <a:latin typeface="Courier New" panose="02070309020205020404" pitchFamily="49" charset="0"/>
-                <a:cs typeface="Courier New" panose="02070309020205020404" pitchFamily="49" charset="0"/>
-              </a:rPr>
-              <a:t>int</a:t>
-            </a:r>
-            <a:r>
-              <a:rPr lang="en-US" sz="1600" dirty="0">
-                <a:latin typeface="Courier New" panose="02070309020205020404" pitchFamily="49" charset="0"/>
-                <a:cs typeface="Courier New" panose="02070309020205020404" pitchFamily="49" charset="0"/>
-              </a:rPr>
-              <a:t> </a:t>
-            </a:r>
-            <a:r>
-              <a:rPr lang="en-US" sz="1600" dirty="0" err="1">
-                <a:latin typeface="Courier New" panose="02070309020205020404" pitchFamily="49" charset="0"/>
-                <a:cs typeface="Courier New" panose="02070309020205020404" pitchFamily="49" charset="0"/>
-              </a:rPr>
-              <a:t>searchLength</a:t>
-            </a:r>
-            <a:r>
-              <a:rPr lang="en-US" sz="1600" dirty="0">
-                <a:latin typeface="Courier New" panose="02070309020205020404" pitchFamily="49" charset="0"/>
-                <a:cs typeface="Courier New" panose="02070309020205020404" pitchFamily="49" charset="0"/>
-              </a:rPr>
-              <a:t> = </a:t>
-            </a:r>
-            <a:r>
-              <a:rPr lang="en-US" sz="1600" dirty="0" err="1">
-                <a:latin typeface="Courier New" panose="02070309020205020404" pitchFamily="49" charset="0"/>
-                <a:cs typeface="Courier New" panose="02070309020205020404" pitchFamily="49" charset="0"/>
-              </a:rPr>
-              <a:t>searchText.length</a:t>
-            </a:r>
-            <a:r>
-              <a:rPr lang="en-US" sz="1600" dirty="0">
-                <a:latin typeface="Courier New" panose="02070309020205020404" pitchFamily="49" charset="0"/>
-                <a:cs typeface="Courier New" panose="02070309020205020404" pitchFamily="49" charset="0"/>
-              </a:rPr>
-              <a:t>(); </a:t>
-            </a:r>
-          </a:p>
-          <a:p>
-            <a:pPr marL="0" indent="0">
-              <a:buNone/>
-            </a:pPr>
-            <a:r>
-              <a:rPr lang="en-US" sz="1600" dirty="0">
-                <a:latin typeface="Courier New" panose="02070309020205020404" pitchFamily="49" charset="0"/>
-                <a:cs typeface="Courier New" panose="02070309020205020404" pitchFamily="49" charset="0"/>
-              </a:rPr>
-              <a:t>	for (</a:t>
-            </a:r>
-            <a:r>
-              <a:rPr lang="en-US" sz="1600" dirty="0" err="1">
-                <a:latin typeface="Courier New" panose="02070309020205020404" pitchFamily="49" charset="0"/>
-                <a:cs typeface="Courier New" panose="02070309020205020404" pitchFamily="49" charset="0"/>
-              </a:rPr>
-              <a:t>int</a:t>
-            </a:r>
-            <a:r>
-              <a:rPr lang="en-US" sz="1600" dirty="0">
-                <a:latin typeface="Courier New" panose="02070309020205020404" pitchFamily="49" charset="0"/>
-                <a:cs typeface="Courier New" panose="02070309020205020404" pitchFamily="49" charset="0"/>
-              </a:rPr>
-              <a:t> </a:t>
-            </a:r>
-            <a:r>
-              <a:rPr lang="en-US" sz="1600" dirty="0" err="1">
-                <a:latin typeface="Courier New" panose="02070309020205020404" pitchFamily="49" charset="0"/>
-                <a:cs typeface="Courier New" panose="02070309020205020404" pitchFamily="49" charset="0"/>
-              </a:rPr>
-              <a:t>i</a:t>
-            </a:r>
-            <a:r>
-              <a:rPr lang="en-US" sz="1600" dirty="0">
-                <a:latin typeface="Courier New" panose="02070309020205020404" pitchFamily="49" charset="0"/>
-                <a:cs typeface="Courier New" panose="02070309020205020404" pitchFamily="49" charset="0"/>
-              </a:rPr>
-              <a:t>=0; i+searchLength-1 &lt; </a:t>
-            </a:r>
-            <a:r>
-              <a:rPr lang="en-US" sz="1600" dirty="0" err="1">
-                <a:latin typeface="Courier New" panose="02070309020205020404" pitchFamily="49" charset="0"/>
-                <a:cs typeface="Courier New" panose="02070309020205020404" pitchFamily="49" charset="0"/>
-              </a:rPr>
-              <a:t>sourceLength</a:t>
-            </a:r>
-            <a:r>
-              <a:rPr lang="en-US" sz="1600" dirty="0">
-                <a:latin typeface="Courier New" panose="02070309020205020404" pitchFamily="49" charset="0"/>
-                <a:cs typeface="Courier New" panose="02070309020205020404" pitchFamily="49" charset="0"/>
-              </a:rPr>
-              <a:t> ; </a:t>
-            </a:r>
-            <a:r>
-              <a:rPr lang="en-US" sz="1600" dirty="0" err="1">
-                <a:latin typeface="Courier New" panose="02070309020205020404" pitchFamily="49" charset="0"/>
-                <a:cs typeface="Courier New" panose="02070309020205020404" pitchFamily="49" charset="0"/>
-              </a:rPr>
-              <a:t>i</a:t>
-            </a:r>
-            <a:r>
-              <a:rPr lang="en-US" sz="1600" dirty="0">
-                <a:latin typeface="Courier New" panose="02070309020205020404" pitchFamily="49" charset="0"/>
-                <a:cs typeface="Courier New" panose="02070309020205020404" pitchFamily="49" charset="0"/>
-              </a:rPr>
-              <a:t>++) { </a:t>
-            </a:r>
-          </a:p>
-          <a:p>
-            <a:pPr marL="0" indent="0">
-              <a:buNone/>
-            </a:pPr>
-            <a:r>
-              <a:rPr lang="en-US" sz="1600" dirty="0">
-                <a:latin typeface="Courier New" panose="02070309020205020404" pitchFamily="49" charset="0"/>
-                <a:cs typeface="Courier New" panose="02070309020205020404" pitchFamily="49" charset="0"/>
-              </a:rPr>
-              <a:t>		bool found = true; </a:t>
-            </a:r>
-          </a:p>
-          <a:p>
-            <a:pPr marL="0" indent="0">
-              <a:buNone/>
-            </a:pPr>
-            <a:r>
-              <a:rPr lang="en-US" sz="1600" dirty="0">
-                <a:latin typeface="Courier New" panose="02070309020205020404" pitchFamily="49" charset="0"/>
-                <a:cs typeface="Courier New" panose="02070309020205020404" pitchFamily="49" charset="0"/>
-              </a:rPr>
-              <a:t>		for (</a:t>
-            </a:r>
-            <a:r>
-              <a:rPr lang="en-US" sz="1600" dirty="0" err="1">
-                <a:latin typeface="Courier New" panose="02070309020205020404" pitchFamily="49" charset="0"/>
-                <a:cs typeface="Courier New" panose="02070309020205020404" pitchFamily="49" charset="0"/>
-              </a:rPr>
-              <a:t>int</a:t>
-            </a:r>
-            <a:r>
-              <a:rPr lang="en-US" sz="1600" dirty="0">
-                <a:latin typeface="Courier New" panose="02070309020205020404" pitchFamily="49" charset="0"/>
-                <a:cs typeface="Courier New" panose="02070309020205020404" pitchFamily="49" charset="0"/>
-              </a:rPr>
-              <a:t> j = 0; j &lt; </a:t>
-            </a:r>
-            <a:r>
-              <a:rPr lang="en-US" sz="1600" dirty="0" err="1">
-                <a:latin typeface="Courier New" panose="02070309020205020404" pitchFamily="49" charset="0"/>
-                <a:cs typeface="Courier New" panose="02070309020205020404" pitchFamily="49" charset="0"/>
-              </a:rPr>
-              <a:t>searchLength</a:t>
-            </a:r>
-            <a:r>
-              <a:rPr lang="en-US" sz="1600" dirty="0">
-                <a:latin typeface="Courier New" panose="02070309020205020404" pitchFamily="49" charset="0"/>
-                <a:cs typeface="Courier New" panose="02070309020205020404" pitchFamily="49" charset="0"/>
-              </a:rPr>
-              <a:t>; </a:t>
-            </a:r>
-            <a:r>
-              <a:rPr lang="en-US" sz="1600" dirty="0" err="1">
-                <a:latin typeface="Courier New" panose="02070309020205020404" pitchFamily="49" charset="0"/>
-                <a:cs typeface="Courier New" panose="02070309020205020404" pitchFamily="49" charset="0"/>
-              </a:rPr>
-              <a:t>j++</a:t>
-            </a:r>
-            <a:r>
-              <a:rPr lang="en-US" sz="1600" dirty="0">
-                <a:latin typeface="Courier New" panose="02070309020205020404" pitchFamily="49" charset="0"/>
-                <a:cs typeface="Courier New" panose="02070309020205020404" pitchFamily="49" charset="0"/>
-              </a:rPr>
-              <a:t>) { </a:t>
-            </a:r>
-          </a:p>
-          <a:p>
-            <a:pPr marL="0" indent="0">
-              <a:buNone/>
-            </a:pPr>
-            <a:r>
-              <a:rPr lang="en-US" sz="1600" dirty="0">
-                <a:latin typeface="Courier New" panose="02070309020205020404" pitchFamily="49" charset="0"/>
-                <a:cs typeface="Courier New" panose="02070309020205020404" pitchFamily="49" charset="0"/>
-              </a:rPr>
-              <a:t>			if (</a:t>
-            </a:r>
-            <a:r>
-              <a:rPr lang="en-US" sz="1600" dirty="0" err="1">
-                <a:latin typeface="Courier New" panose="02070309020205020404" pitchFamily="49" charset="0"/>
-                <a:cs typeface="Courier New" panose="02070309020205020404" pitchFamily="49" charset="0"/>
-              </a:rPr>
-              <a:t>sourceText</a:t>
-            </a:r>
-            <a:r>
-              <a:rPr lang="en-US" sz="1600" dirty="0">
-                <a:latin typeface="Courier New" panose="02070309020205020404" pitchFamily="49" charset="0"/>
-                <a:cs typeface="Courier New" panose="02070309020205020404" pitchFamily="49" charset="0"/>
-              </a:rPr>
-              <a:t>[</a:t>
-            </a:r>
-            <a:r>
-              <a:rPr lang="en-US" sz="1600" dirty="0" err="1">
-                <a:latin typeface="Courier New" panose="02070309020205020404" pitchFamily="49" charset="0"/>
-                <a:cs typeface="Courier New" panose="02070309020205020404" pitchFamily="49" charset="0"/>
-              </a:rPr>
-              <a:t>i+j</a:t>
-            </a:r>
-            <a:r>
-              <a:rPr lang="en-US" sz="1600" dirty="0">
-                <a:latin typeface="Courier New" panose="02070309020205020404" pitchFamily="49" charset="0"/>
-                <a:cs typeface="Courier New" panose="02070309020205020404" pitchFamily="49" charset="0"/>
-              </a:rPr>
-              <a:t>] != </a:t>
-            </a:r>
-            <a:r>
-              <a:rPr lang="en-US" sz="1600" dirty="0" err="1">
-                <a:latin typeface="Courier New" panose="02070309020205020404" pitchFamily="49" charset="0"/>
-                <a:cs typeface="Courier New" panose="02070309020205020404" pitchFamily="49" charset="0"/>
-              </a:rPr>
-              <a:t>searchText</a:t>
-            </a:r>
-            <a:r>
-              <a:rPr lang="en-US" sz="1600" dirty="0">
-                <a:latin typeface="Courier New" panose="02070309020205020404" pitchFamily="49" charset="0"/>
-                <a:cs typeface="Courier New" panose="02070309020205020404" pitchFamily="49" charset="0"/>
-              </a:rPr>
-              <a:t>[j]) { </a:t>
-            </a:r>
-          </a:p>
-          <a:p>
-            <a:pPr marL="0" indent="0">
-              <a:buNone/>
-            </a:pPr>
-            <a:r>
-              <a:rPr lang="en-US" sz="1600" dirty="0">
-                <a:latin typeface="Courier New" panose="02070309020205020404" pitchFamily="49" charset="0"/>
-                <a:cs typeface="Courier New" panose="02070309020205020404" pitchFamily="49" charset="0"/>
-              </a:rPr>
-              <a:t>				found = false; break; </a:t>
-            </a:r>
-          </a:p>
-          <a:p>
-            <a:pPr marL="0" indent="0">
-              <a:buNone/>
-            </a:pPr>
-            <a:r>
-              <a:rPr lang="en-US" sz="1600" dirty="0">
-                <a:latin typeface="Courier New" panose="02070309020205020404" pitchFamily="49" charset="0"/>
-                <a:cs typeface="Courier New" panose="02070309020205020404" pitchFamily="49" charset="0"/>
-              </a:rPr>
-              <a:t>			}</a:t>
-            </a:r>
-          </a:p>
-          <a:p>
-            <a:pPr marL="0" indent="0">
-              <a:buNone/>
-            </a:pPr>
-            <a:r>
-              <a:rPr lang="en-US" sz="1600" dirty="0">
-                <a:latin typeface="Courier New" panose="02070309020205020404" pitchFamily="49" charset="0"/>
-                <a:cs typeface="Courier New" panose="02070309020205020404" pitchFamily="49" charset="0"/>
-              </a:rPr>
-              <a:t>		 }</a:t>
-            </a:r>
-          </a:p>
-          <a:p>
-            <a:pPr marL="0" indent="0">
-              <a:buNone/>
-            </a:pPr>
-            <a:r>
-              <a:rPr lang="en-US" sz="1600" dirty="0">
-                <a:latin typeface="Courier New" panose="02070309020205020404" pitchFamily="49" charset="0"/>
-                <a:cs typeface="Courier New" panose="02070309020205020404" pitchFamily="49" charset="0"/>
-              </a:rPr>
-              <a:t>		 if (found) { return </a:t>
-            </a:r>
-            <a:r>
-              <a:rPr lang="en-US" sz="1600" dirty="0" err="1">
-                <a:latin typeface="Courier New" panose="02070309020205020404" pitchFamily="49" charset="0"/>
-                <a:cs typeface="Courier New" panose="02070309020205020404" pitchFamily="49" charset="0"/>
-              </a:rPr>
-              <a:t>i</a:t>
-            </a:r>
-            <a:r>
-              <a:rPr lang="en-US" sz="1600" dirty="0">
-                <a:latin typeface="Courier New" panose="02070309020205020404" pitchFamily="49" charset="0"/>
-                <a:cs typeface="Courier New" panose="02070309020205020404" pitchFamily="49" charset="0"/>
-              </a:rPr>
-              <a:t>; } </a:t>
-            </a:r>
-          </a:p>
-          <a:p>
-            <a:pPr marL="0" indent="0">
-              <a:buNone/>
-            </a:pPr>
-            <a:r>
-              <a:rPr lang="en-US" sz="1600" dirty="0">
-                <a:latin typeface="Courier New" panose="02070309020205020404" pitchFamily="49" charset="0"/>
-                <a:cs typeface="Courier New" panose="02070309020205020404" pitchFamily="49" charset="0"/>
-              </a:rPr>
-              <a:t>	} </a:t>
-            </a:r>
-          </a:p>
-          <a:p>
-            <a:pPr marL="0" indent="0">
-              <a:buNone/>
-            </a:pPr>
-            <a:r>
-              <a:rPr lang="en-US" sz="1600" dirty="0">
-                <a:latin typeface="Courier New" panose="02070309020205020404" pitchFamily="49" charset="0"/>
-                <a:cs typeface="Courier New" panose="02070309020205020404" pitchFamily="49" charset="0"/>
-              </a:rPr>
-              <a:t>	return -1; </a:t>
-            </a:r>
-          </a:p>
-          <a:p>
-            <a:pPr marL="0" indent="0">
-              <a:buNone/>
-            </a:pPr>
-            <a:r>
-              <a:rPr lang="en-US" sz="1600" dirty="0">
-                <a:latin typeface="Courier New" panose="02070309020205020404" pitchFamily="49" charset="0"/>
-                <a:cs typeface="Courier New" panose="02070309020205020404" pitchFamily="49" charset="0"/>
-              </a:rPr>
-              <a:t>}</a:t>
-            </a:r>
+            <a:r>
+              <a:rPr lang="en-US" sz="2000" dirty="0"/>
+              <a:t>Pattern Matching Algorithm</a:t>
+            </a:r>
+            <a:endParaRPr lang="en-US" dirty="0"/>
           </a:p>
         </p:txBody>
       </p:sp>
     </p:spTree>
     <p:extLst>
       <p:ext uri="{BB962C8B-B14F-4D97-AF65-F5344CB8AC3E}">
-        <p14:creationId xmlns:p14="http://schemas.microsoft.com/office/powerpoint/2010/main" val="15070187"/>
+        <p14:creationId xmlns:p14="http://schemas.microsoft.com/office/powerpoint/2010/main" val="3981112850"/>
       </p:ext>
     </p:extLst>
   </p:cSld>
@@ -10254,171 +12879,125 @@
       </p:grpSpPr>
       <p:sp>
         <p:nvSpPr>
-          <p:cNvPr id="3" name="Content Placeholder 2"/>
+          <p:cNvPr id="4098" name="Date Placeholder 3"/>
           <p:cNvSpPr>
             <a:spLocks noGrp="1"/>
           </p:cNvSpPr>
           <p:nvPr>
-            <p:ph idx="1"/>
+            <p:ph type="dt" sz="quarter" idx="10"/>
           </p:nvPr>
         </p:nvSpPr>
         <p:spPr>
-          <a:xfrm>
-            <a:off x="1619672" y="1700808"/>
-            <a:ext cx="7067128" cy="4425355"/>
-          </a:xfrm>
+          <a:noFill/>
         </p:spPr>
         <p:txBody>
-          <a:bodyPr>
-            <a:normAutofit lnSpcReduction="10000"/>
-          </a:bodyPr>
+          <a:bodyPr/>
           <a:lstStyle/>
           <a:p>
             <a:r>
-              <a:rPr lang="id-ID" dirty="0"/>
-              <a:t>The objective of this algorithm is to minimize the total number of comparison between pattern P and text T.</a:t>
-            </a:r>
-            <a:endParaRPr lang="en-US" dirty="0"/>
-          </a:p>
-          <a:p>
-            <a:endParaRPr lang="en-US" dirty="0"/>
-          </a:p>
-          <a:p>
-            <a:r>
-              <a:rPr lang="en-US" b="1" dirty="0"/>
-              <a:t>Pattern:</a:t>
-            </a:r>
-            <a:br>
-              <a:rPr lang="en-US" dirty="0"/>
-            </a:br>
-            <a:r>
-              <a:rPr lang="en-US" dirty="0" err="1"/>
-              <a:t>abcdabc</a:t>
-            </a:r>
-            <a:endParaRPr lang="en-US" dirty="0"/>
-          </a:p>
-          <a:p>
-            <a:endParaRPr lang="en-US" dirty="0"/>
-          </a:p>
-          <a:p>
-            <a:r>
-              <a:rPr lang="en-US" b="1" dirty="0"/>
-              <a:t>Prefix:</a:t>
-            </a:r>
-            <a:br>
-              <a:rPr lang="en-US" dirty="0"/>
-            </a:br>
-            <a:r>
-              <a:rPr lang="en-US" dirty="0"/>
-              <a:t>a, ab, </a:t>
-            </a:r>
-            <a:r>
-              <a:rPr lang="en-US" dirty="0" err="1"/>
-              <a:t>abc</a:t>
-            </a:r>
-            <a:r>
-              <a:rPr lang="en-US" dirty="0"/>
-              <a:t>, </a:t>
-            </a:r>
-            <a:r>
-              <a:rPr lang="en-US" dirty="0" err="1"/>
-              <a:t>abcd</a:t>
-            </a:r>
-            <a:endParaRPr lang="en-US" dirty="0"/>
-          </a:p>
-          <a:p>
-            <a:endParaRPr lang="en-US" dirty="0"/>
-          </a:p>
-          <a:p>
-            <a:r>
-              <a:rPr lang="en-US" b="1" dirty="0"/>
-              <a:t>Postfix:</a:t>
-            </a:r>
-            <a:br>
-              <a:rPr lang="en-US" dirty="0"/>
-            </a:br>
-            <a:r>
-              <a:rPr lang="en-US" dirty="0"/>
-              <a:t>c, </a:t>
-            </a:r>
-            <a:r>
-              <a:rPr lang="en-US" dirty="0" err="1"/>
-              <a:t>bc</a:t>
-            </a:r>
-            <a:r>
-              <a:rPr lang="en-US" dirty="0"/>
-              <a:t>, </a:t>
-            </a:r>
-            <a:r>
-              <a:rPr lang="en-US" dirty="0" err="1"/>
-              <a:t>abc</a:t>
-            </a:r>
-            <a:r>
-              <a:rPr lang="en-US" dirty="0"/>
-              <a:t>, </a:t>
-            </a:r>
-            <a:r>
-              <a:rPr lang="en-US" dirty="0" err="1"/>
-              <a:t>dabc</a:t>
-            </a:r>
-            <a:endParaRPr lang="en-US" dirty="0"/>
-          </a:p>
-          <a:p>
-            <a:endParaRPr lang="en-US" dirty="0"/>
-          </a:p>
-          <a:p>
-            <a:pPr marL="0" indent="0">
-              <a:buNone/>
-            </a:pPr>
-            <a:r>
-              <a:rPr lang="en-US" b="1" dirty="0"/>
-              <a:t>In the pattern, is there any prefix same as suffix?</a:t>
-            </a:r>
-            <a:endParaRPr lang="en-US" dirty="0"/>
-          </a:p>
-        </p:txBody>
-      </p:sp>
-      <p:sp>
-        <p:nvSpPr>
-          <p:cNvPr id="5" name="Rectangle 2"/>
-          <p:cNvSpPr txBox="1">
-            <a:spLocks noChangeArrowheads="1"/>
-          </p:cNvSpPr>
-          <p:nvPr/>
+              <a:rPr lang="en-US">
+                <a:latin typeface="Interstate"/>
+              </a:rPr>
+              <a:t>Bina Nusantara</a:t>
+            </a:r>
+          </a:p>
+        </p:txBody>
+      </p:sp>
+      <p:sp>
+        <p:nvSpPr>
+          <p:cNvPr id="4099" name="Rectangle 2"/>
+          <p:cNvSpPr>
+            <a:spLocks noGrp="1" noChangeArrowheads="1"/>
+          </p:cNvSpPr>
+          <p:nvPr>
+            <p:ph type="title"/>
+          </p:nvPr>
         </p:nvSpPr>
         <p:spPr>
           <a:xfrm>
             <a:off x="2843808" y="332656"/>
             <a:ext cx="6300192" cy="1143000"/>
           </a:xfrm>
-          <a:prstGeom prst="rect">
-            <a:avLst/>
-          </a:prstGeom>
         </p:spPr>
         <p:txBody>
-          <a:bodyPr vert="horz" lIns="91440" tIns="45720" rIns="91440" bIns="45720" rtlCol="0" anchor="ctr">
+          <a:bodyPr/>
+          <a:lstStyle/>
+          <a:p>
+            <a:r>
+              <a:rPr lang="en-US" sz="2800" dirty="0"/>
+              <a:t>Naïve String Matching Algorithm</a:t>
+            </a:r>
+            <a:endParaRPr lang="en-US" dirty="0"/>
+          </a:p>
+        </p:txBody>
+      </p:sp>
+      <p:sp>
+        <p:nvSpPr>
+          <p:cNvPr id="4100" name="Rectangle 3"/>
+          <p:cNvSpPr>
+            <a:spLocks noGrp="1" noChangeArrowheads="1"/>
+          </p:cNvSpPr>
+          <p:nvPr>
+            <p:ph type="body" idx="1"/>
+          </p:nvPr>
+        </p:nvSpPr>
+        <p:spPr>
+          <a:xfrm>
+            <a:off x="1187624" y="1772816"/>
+            <a:ext cx="7499176" cy="4536504"/>
+          </a:xfrm>
+        </p:spPr>
+        <p:txBody>
+          <a:bodyPr>
             <a:normAutofit/>
           </a:bodyPr>
-          <a:lstStyle>
-            <a:lvl1pPr algn="ctr" defTabSz="914400" rtl="0" eaLnBrk="1" latinLnBrk="0" hangingPunct="1">
-              <a:spcBef>
-                <a:spcPct val="0"/>
-              </a:spcBef>
-              <a:buNone/>
-              <a:defRPr sz="3000" b="1" kern="1200">
-                <a:solidFill>
-                  <a:srgbClr val="0079B8"/>
-                </a:solidFill>
-                <a:latin typeface="Open Sans"/>
-                <a:ea typeface="+mj-ea"/>
-                <a:cs typeface="+mj-cs"/>
-              </a:defRPr>
-            </a:lvl1pPr>
-          </a:lstStyle>
-          <a:p>
-            <a:r>
-              <a:rPr lang="en-US" sz="2800" dirty="0"/>
-              <a:t>The Knuth-Morris-Pratt Algorithm</a:t>
+          <a:lstStyle/>
+          <a:p>
+            <a:pPr algn="just"/>
+            <a:r>
+              <a:rPr lang="en-US" altLang="en-US" sz="2400" dirty="0"/>
+              <a:t>A naïve string-matching algorithm is an example of a </a:t>
+            </a:r>
+            <a:r>
+              <a:rPr lang="en-US" altLang="en-US" sz="2400" b="1" u="sng" dirty="0"/>
+              <a:t>brute force algorithm</a:t>
+            </a:r>
+            <a:r>
+              <a:rPr lang="en-US" altLang="en-US" sz="2400" dirty="0"/>
+              <a:t>.</a:t>
+            </a:r>
+          </a:p>
+          <a:p>
+            <a:pPr lvl="1" algn="just"/>
+            <a:r>
+              <a:rPr lang="en-US" altLang="en-US" sz="2400" dirty="0"/>
+              <a:t>This algorithm accepts a text (length n) and a pattern (length m) and checks m characters from the first position of the text.</a:t>
+            </a:r>
+          </a:p>
+          <a:p>
+            <a:pPr lvl="1" algn="just"/>
+            <a:r>
+              <a:rPr lang="en-US" altLang="en-US" sz="2400" b="1" dirty="0"/>
+              <a:t>If there is mismatch</a:t>
+            </a:r>
+            <a:r>
+              <a:rPr lang="en-US" altLang="en-US" sz="2400" dirty="0"/>
+              <a:t>, the pattern is shifted by one position. </a:t>
+            </a:r>
+          </a:p>
+          <a:p>
+            <a:pPr lvl="1" algn="just"/>
+            <a:r>
+              <a:rPr lang="en-US" altLang="en-US" sz="2400" dirty="0"/>
+              <a:t>On the other hand, </a:t>
+            </a:r>
+            <a:r>
+              <a:rPr lang="en-US" altLang="en-US" sz="2400" b="1" dirty="0"/>
+              <a:t>if there is a match</a:t>
+            </a:r>
+            <a:r>
+              <a:rPr lang="en-US" altLang="en-US" sz="2400" dirty="0"/>
+              <a:t>, then the next character is checked.</a:t>
             </a:r>
           </a:p>
         </p:txBody>
@@ -10426,7 +13005,7 @@
     </p:spTree>
     <p:extLst>
       <p:ext uri="{BB962C8B-B14F-4D97-AF65-F5344CB8AC3E}">
-        <p14:creationId xmlns:p14="http://schemas.microsoft.com/office/powerpoint/2010/main" val="2505219637"/>
+        <p14:creationId xmlns:p14="http://schemas.microsoft.com/office/powerpoint/2010/main" val="302717603"/>
       </p:ext>
     </p:extLst>
   </p:cSld>
